--- a/Transfer Thesis Figures.pptx
+++ b/Transfer Thesis Figures.pptx
@@ -6,6 +6,7 @@
   </p:sldMasterIdLst>
   <p:sldIdLst>
     <p:sldId id="256" r:id="rId2"/>
+    <p:sldId id="257" r:id="rId3"/>
   </p:sldIdLst>
   <p:sldSz cx="12192000" cy="6858000"/>
   <p:notesSz cx="6858000" cy="9144000"/>
@@ -2989,13 +2990,13 @@
           <p:nvPr>
             <p:extLst>
               <p:ext uri="{D42A27DB-BD31-4B8C-83A1-F6EECF244321}">
-                <p14:modId xmlns:p14="http://schemas.microsoft.com/office/powerpoint/2010/main" val="2907037351"/>
+                <p14:modId xmlns:p14="http://schemas.microsoft.com/office/powerpoint/2010/main" val="3966115306"/>
               </p:ext>
             </p:extLst>
           </p:nvPr>
         </p:nvGraphicFramePr>
         <p:xfrm>
-          <a:off x="230909" y="562648"/>
+          <a:off x="291869" y="908088"/>
           <a:ext cx="5603682" cy="2189790"/>
         </p:xfrm>
         <a:graphic>
@@ -4255,13 +4256,13 @@
           <p:nvPr>
             <p:extLst>
               <p:ext uri="{D42A27DB-BD31-4B8C-83A1-F6EECF244321}">
-                <p14:modId xmlns:p14="http://schemas.microsoft.com/office/powerpoint/2010/main" val="1932077170"/>
+                <p14:modId xmlns:p14="http://schemas.microsoft.com/office/powerpoint/2010/main" val="1760800265"/>
               </p:ext>
             </p:extLst>
           </p:nvPr>
         </p:nvGraphicFramePr>
         <p:xfrm>
-          <a:off x="6340764" y="562648"/>
+          <a:off x="6401724" y="908088"/>
           <a:ext cx="5603682" cy="2189790"/>
         </p:xfrm>
         <a:graphic>
@@ -5531,7 +5532,7 @@
         </p:nvSpPr>
         <p:spPr>
           <a:xfrm>
-            <a:off x="1811383" y="2840021"/>
+            <a:off x="1872343" y="3185461"/>
             <a:ext cx="583474" cy="1177957"/>
           </a:xfrm>
           <a:prstGeom prst="downArrow">
@@ -5571,7 +5572,7 @@
         </p:nvSpPr>
         <p:spPr>
           <a:xfrm rot="10800000">
-            <a:off x="9775371" y="2840021"/>
+            <a:off x="9836331" y="3185461"/>
             <a:ext cx="583474" cy="1177957"/>
           </a:xfrm>
           <a:prstGeom prst="downArrow">
@@ -5611,7 +5612,7 @@
         </p:nvSpPr>
         <p:spPr>
           <a:xfrm rot="16200000">
-            <a:off x="3975464" y="4655761"/>
+            <a:off x="4036424" y="5001201"/>
             <a:ext cx="583474" cy="1177957"/>
           </a:xfrm>
           <a:prstGeom prst="downArrow">
@@ -5651,7 +5652,7 @@
         </p:nvSpPr>
         <p:spPr>
           <a:xfrm rot="16200000">
-            <a:off x="7689671" y="4655760"/>
+            <a:off x="7750631" y="5001200"/>
             <a:ext cx="583474" cy="1177957"/>
           </a:xfrm>
           <a:prstGeom prst="downArrow">
@@ -5691,7 +5692,7 @@
         </p:nvCxnSpPr>
         <p:spPr>
           <a:xfrm flipV="1">
-            <a:off x="2103120" y="4224807"/>
+            <a:off x="2164080" y="4570247"/>
             <a:ext cx="0" cy="1311669"/>
           </a:xfrm>
           <a:prstGeom prst="straightConnector1">
@@ -5727,7 +5728,7 @@
         </p:nvCxnSpPr>
         <p:spPr>
           <a:xfrm flipV="1">
-            <a:off x="2103120" y="5537785"/>
+            <a:off x="2164080" y="5883225"/>
             <a:ext cx="1432560" cy="1"/>
           </a:xfrm>
           <a:prstGeom prst="straightConnector1">
@@ -5763,7 +5764,7 @@
         </p:nvCxnSpPr>
         <p:spPr>
           <a:xfrm>
-            <a:off x="2103119" y="5535823"/>
+            <a:off x="2164079" y="5881263"/>
             <a:ext cx="716281" cy="706481"/>
           </a:xfrm>
           <a:prstGeom prst="straightConnector1">
@@ -5799,7 +5800,7 @@
         </p:nvCxnSpPr>
         <p:spPr>
           <a:xfrm flipH="1" flipV="1">
-            <a:off x="1811383" y="4657344"/>
+            <a:off x="1872343" y="5002784"/>
             <a:ext cx="291736" cy="878479"/>
           </a:xfrm>
           <a:prstGeom prst="straightConnector1">
@@ -5835,7 +5836,7 @@
         </p:nvCxnSpPr>
         <p:spPr>
           <a:xfrm flipH="1" flipV="1">
-            <a:off x="1369740" y="5382441"/>
+            <a:off x="1430700" y="5727881"/>
             <a:ext cx="727679" cy="152401"/>
           </a:xfrm>
           <a:prstGeom prst="straightConnector1">
@@ -5871,7 +5872,7 @@
         </p:nvSpPr>
         <p:spPr>
           <a:xfrm>
-            <a:off x="2357265" y="5096583"/>
+            <a:off x="2418225" y="5442023"/>
             <a:ext cx="75184" cy="75184"/>
           </a:xfrm>
           <a:prstGeom prst="ellipse">
@@ -5912,7 +5913,7 @@
         </p:nvSpPr>
         <p:spPr>
           <a:xfrm>
-            <a:off x="2418268" y="5134175"/>
+            <a:off x="2479228" y="5479615"/>
             <a:ext cx="75184" cy="75184"/>
           </a:xfrm>
           <a:prstGeom prst="ellipse">
@@ -5953,7 +5954,7 @@
         </p:nvSpPr>
         <p:spPr>
           <a:xfrm>
-            <a:off x="2394857" y="5040195"/>
+            <a:off x="2455817" y="5385635"/>
             <a:ext cx="75184" cy="75184"/>
           </a:xfrm>
           <a:prstGeom prst="ellipse">
@@ -5994,7 +5995,7 @@
         </p:nvSpPr>
         <p:spPr>
           <a:xfrm>
-            <a:off x="2476878" y="4953146"/>
+            <a:off x="2537838" y="5298586"/>
             <a:ext cx="75184" cy="75184"/>
           </a:xfrm>
           <a:prstGeom prst="ellipse">
@@ -6035,7 +6036,7 @@
         </p:nvSpPr>
         <p:spPr>
           <a:xfrm>
-            <a:off x="2759136" y="4831305"/>
+            <a:off x="2820096" y="5176745"/>
             <a:ext cx="75184" cy="75184"/>
           </a:xfrm>
           <a:prstGeom prst="ellipse">
@@ -6076,7 +6077,7 @@
         </p:nvSpPr>
         <p:spPr>
           <a:xfrm>
-            <a:off x="2493452" y="5058991"/>
+            <a:off x="2554412" y="5404431"/>
             <a:ext cx="75184" cy="75184"/>
           </a:xfrm>
           <a:prstGeom prst="ellipse">
@@ -6117,7 +6118,7 @@
         </p:nvSpPr>
         <p:spPr>
           <a:xfrm>
-            <a:off x="2514715" y="4991156"/>
+            <a:off x="2575675" y="5336596"/>
             <a:ext cx="75184" cy="75184"/>
           </a:xfrm>
           <a:prstGeom prst="ellipse">
@@ -6158,7 +6159,7 @@
         </p:nvSpPr>
         <p:spPr>
           <a:xfrm>
-            <a:off x="2609688" y="4908261"/>
+            <a:off x="2670648" y="5253701"/>
             <a:ext cx="75184" cy="75184"/>
           </a:xfrm>
           <a:prstGeom prst="ellipse">
@@ -6199,7 +6200,7 @@
         </p:nvSpPr>
         <p:spPr>
           <a:xfrm>
-            <a:off x="2106161" y="4105561"/>
+            <a:off x="2167121" y="4451001"/>
             <a:ext cx="285656" cy="276999"/>
           </a:xfrm>
           <a:prstGeom prst="rect">
@@ -6233,7 +6234,7 @@
         </p:nvSpPr>
         <p:spPr>
           <a:xfrm>
-            <a:off x="3467040" y="5458641"/>
+            <a:off x="3528000" y="5804081"/>
             <a:ext cx="285656" cy="276999"/>
           </a:xfrm>
           <a:prstGeom prst="rect">
@@ -6267,7 +6268,7 @@
         </p:nvSpPr>
         <p:spPr>
           <a:xfrm>
-            <a:off x="2759136" y="6079005"/>
+            <a:off x="2820096" y="6424445"/>
             <a:ext cx="285656" cy="276999"/>
           </a:xfrm>
           <a:prstGeom prst="rect">
@@ -6301,7 +6302,7 @@
         </p:nvSpPr>
         <p:spPr>
           <a:xfrm>
-            <a:off x="1171880" y="5320141"/>
+            <a:off x="1232840" y="5665581"/>
             <a:ext cx="309957" cy="276999"/>
           </a:xfrm>
           <a:prstGeom prst="rect">
@@ -6335,7 +6336,7 @@
         </p:nvSpPr>
         <p:spPr>
           <a:xfrm>
-            <a:off x="1562324" y="4549546"/>
+            <a:off x="1623284" y="4894986"/>
             <a:ext cx="258404" cy="276999"/>
           </a:xfrm>
           <a:prstGeom prst="rect">
@@ -6369,7 +6370,7 @@
         </p:nvCxnSpPr>
         <p:spPr>
           <a:xfrm flipV="1">
-            <a:off x="5795945" y="4170710"/>
+            <a:off x="5856905" y="4516150"/>
             <a:ext cx="0" cy="1311669"/>
           </a:xfrm>
           <a:prstGeom prst="straightConnector1">
@@ -6405,7 +6406,7 @@
         </p:nvCxnSpPr>
         <p:spPr>
           <a:xfrm flipV="1">
-            <a:off x="5795945" y="5483688"/>
+            <a:off x="5856905" y="5829128"/>
             <a:ext cx="1432560" cy="1"/>
           </a:xfrm>
           <a:prstGeom prst="straightConnector1">
@@ -6441,7 +6442,7 @@
         </p:nvCxnSpPr>
         <p:spPr>
           <a:xfrm>
-            <a:off x="5795944" y="5481726"/>
+            <a:off x="5856904" y="5827166"/>
             <a:ext cx="716281" cy="706481"/>
           </a:xfrm>
           <a:prstGeom prst="straightConnector1">
@@ -6477,7 +6478,7 @@
         </p:nvCxnSpPr>
         <p:spPr>
           <a:xfrm flipH="1" flipV="1">
-            <a:off x="5504208" y="4603247"/>
+            <a:off x="5565168" y="4948687"/>
             <a:ext cx="291736" cy="878479"/>
           </a:xfrm>
           <a:prstGeom prst="straightConnector1">
@@ -6513,7 +6514,7 @@
         </p:nvCxnSpPr>
         <p:spPr>
           <a:xfrm flipH="1" flipV="1">
-            <a:off x="5062565" y="5328344"/>
+            <a:off x="5123525" y="5673784"/>
             <a:ext cx="727679" cy="152401"/>
           </a:xfrm>
           <a:prstGeom prst="straightConnector1">
@@ -6549,7 +6550,7 @@
         </p:nvSpPr>
         <p:spPr>
           <a:xfrm>
-            <a:off x="6050090" y="5042486"/>
+            <a:off x="6111050" y="5387926"/>
             <a:ext cx="75184" cy="75184"/>
           </a:xfrm>
           <a:prstGeom prst="ellipse">
@@ -6590,7 +6591,7 @@
         </p:nvSpPr>
         <p:spPr>
           <a:xfrm>
-            <a:off x="6111093" y="5080078"/>
+            <a:off x="6172053" y="5425518"/>
             <a:ext cx="75184" cy="75184"/>
           </a:xfrm>
           <a:prstGeom prst="ellipse">
@@ -6631,7 +6632,7 @@
         </p:nvSpPr>
         <p:spPr>
           <a:xfrm>
-            <a:off x="6087682" y="4986098"/>
+            <a:off x="6148642" y="5331538"/>
             <a:ext cx="75184" cy="75184"/>
           </a:xfrm>
           <a:prstGeom prst="ellipse">
@@ -6672,7 +6673,7 @@
         </p:nvSpPr>
         <p:spPr>
           <a:xfrm>
-            <a:off x="6169703" y="4899049"/>
+            <a:off x="6230663" y="5244489"/>
             <a:ext cx="75184" cy="75184"/>
           </a:xfrm>
           <a:prstGeom prst="ellipse">
@@ -6713,7 +6714,7 @@
         </p:nvSpPr>
         <p:spPr>
           <a:xfrm>
-            <a:off x="6451961" y="4777208"/>
+            <a:off x="6512921" y="5122648"/>
             <a:ext cx="75184" cy="75184"/>
           </a:xfrm>
           <a:prstGeom prst="ellipse">
@@ -6754,7 +6755,7 @@
         </p:nvSpPr>
         <p:spPr>
           <a:xfrm>
-            <a:off x="6186277" y="5004894"/>
+            <a:off x="6247237" y="5350334"/>
             <a:ext cx="75184" cy="75184"/>
           </a:xfrm>
           <a:prstGeom prst="ellipse">
@@ -6795,7 +6796,7 @@
         </p:nvSpPr>
         <p:spPr>
           <a:xfrm>
-            <a:off x="6207540" y="4937059"/>
+            <a:off x="6268500" y="5282499"/>
             <a:ext cx="75184" cy="75184"/>
           </a:xfrm>
           <a:prstGeom prst="ellipse">
@@ -6836,7 +6837,7 @@
         </p:nvSpPr>
         <p:spPr>
           <a:xfrm>
-            <a:off x="6302513" y="4854164"/>
+            <a:off x="6363473" y="5199604"/>
             <a:ext cx="75184" cy="75184"/>
           </a:xfrm>
           <a:prstGeom prst="ellipse">
@@ -6877,7 +6878,7 @@
         </p:nvSpPr>
         <p:spPr>
           <a:xfrm>
-            <a:off x="5798986" y="4051464"/>
+            <a:off x="5859946" y="4396904"/>
             <a:ext cx="285656" cy="276999"/>
           </a:xfrm>
           <a:prstGeom prst="rect">
@@ -6911,7 +6912,7 @@
         </p:nvSpPr>
         <p:spPr>
           <a:xfrm>
-            <a:off x="7159865" y="5404544"/>
+            <a:off x="7220825" y="5749984"/>
             <a:ext cx="285656" cy="276999"/>
           </a:xfrm>
           <a:prstGeom prst="rect">
@@ -6945,7 +6946,7 @@
         </p:nvSpPr>
         <p:spPr>
           <a:xfrm>
-            <a:off x="6451961" y="6024908"/>
+            <a:off x="6512921" y="6370348"/>
             <a:ext cx="285656" cy="276999"/>
           </a:xfrm>
           <a:prstGeom prst="rect">
@@ -6979,7 +6980,7 @@
         </p:nvSpPr>
         <p:spPr>
           <a:xfrm>
-            <a:off x="4864705" y="5266044"/>
+            <a:off x="4925665" y="5611484"/>
             <a:ext cx="309957" cy="276999"/>
           </a:xfrm>
           <a:prstGeom prst="rect">
@@ -7013,7 +7014,7 @@
         </p:nvSpPr>
         <p:spPr>
           <a:xfrm>
-            <a:off x="5255149" y="4495449"/>
+            <a:off x="5316109" y="4840889"/>
             <a:ext cx="258404" cy="276999"/>
           </a:xfrm>
           <a:prstGeom prst="rect">
@@ -7047,7 +7048,7 @@
         </p:nvCxnSpPr>
         <p:spPr>
           <a:xfrm flipV="1">
-            <a:off x="6117789" y="4643379"/>
+            <a:off x="6178749" y="4988819"/>
             <a:ext cx="432102" cy="432102"/>
           </a:xfrm>
           <a:prstGeom prst="straightConnector1">
@@ -7083,7 +7084,7 @@
         </p:nvCxnSpPr>
         <p:spPr>
           <a:xfrm>
-            <a:off x="6132746" y="5069821"/>
+            <a:off x="6193706" y="5415261"/>
             <a:ext cx="443626" cy="388819"/>
           </a:xfrm>
           <a:prstGeom prst="straightConnector1">
@@ -7119,7 +7120,7 @@
         </p:nvCxnSpPr>
         <p:spPr>
           <a:xfrm>
-            <a:off x="6116662" y="5060240"/>
+            <a:off x="6177622" y="5405680"/>
             <a:ext cx="484799" cy="68877"/>
           </a:xfrm>
           <a:prstGeom prst="straightConnector1">
@@ -7155,7 +7156,7 @@
         </p:nvSpPr>
         <p:spPr>
           <a:xfrm>
-            <a:off x="6473868" y="4465442"/>
+            <a:off x="6534828" y="4810882"/>
             <a:ext cx="397866" cy="276999"/>
           </a:xfrm>
           <a:prstGeom prst="rect">
@@ -7201,7 +7202,7 @@
         </p:nvSpPr>
         <p:spPr>
           <a:xfrm>
-            <a:off x="6512224" y="5244454"/>
+            <a:off x="6573184" y="5589894"/>
             <a:ext cx="397866" cy="276999"/>
           </a:xfrm>
           <a:prstGeom prst="rect">
@@ -7247,7 +7248,7 @@
         </p:nvSpPr>
         <p:spPr>
           <a:xfrm>
-            <a:off x="6538684" y="4960417"/>
+            <a:off x="6599644" y="5305857"/>
             <a:ext cx="397866" cy="276999"/>
           </a:xfrm>
           <a:prstGeom prst="rect">
@@ -7293,7 +7294,7 @@
         </p:nvCxnSpPr>
         <p:spPr>
           <a:xfrm flipV="1">
-            <a:off x="9539657" y="4116773"/>
+            <a:off x="9600617" y="4462213"/>
             <a:ext cx="0" cy="1311669"/>
           </a:xfrm>
           <a:prstGeom prst="straightConnector1">
@@ -7329,7 +7330,7 @@
         </p:nvCxnSpPr>
         <p:spPr>
           <a:xfrm flipV="1">
-            <a:off x="9539657" y="5429751"/>
+            <a:off x="9600617" y="5775191"/>
             <a:ext cx="1432560" cy="1"/>
           </a:xfrm>
           <a:prstGeom prst="straightConnector1">
@@ -7365,7 +7366,7 @@
         </p:nvCxnSpPr>
         <p:spPr>
           <a:xfrm>
-            <a:off x="9539656" y="5427789"/>
+            <a:off x="9600616" y="5773229"/>
             <a:ext cx="716281" cy="706481"/>
           </a:xfrm>
           <a:prstGeom prst="straightConnector1">
@@ -7401,7 +7402,7 @@
         </p:nvCxnSpPr>
         <p:spPr>
           <a:xfrm flipH="1" flipV="1">
-            <a:off x="9247920" y="4549310"/>
+            <a:off x="9308880" y="4894750"/>
             <a:ext cx="291736" cy="878479"/>
           </a:xfrm>
           <a:prstGeom prst="straightConnector1">
@@ -7437,7 +7438,7 @@
         </p:nvCxnSpPr>
         <p:spPr>
           <a:xfrm flipH="1" flipV="1">
-            <a:off x="8806277" y="5274407"/>
+            <a:off x="8867237" y="5619847"/>
             <a:ext cx="727679" cy="152401"/>
           </a:xfrm>
           <a:prstGeom prst="straightConnector1">
@@ -7473,7 +7474,7 @@
         </p:nvSpPr>
         <p:spPr>
           <a:xfrm>
-            <a:off x="9533956" y="3999434"/>
+            <a:off x="9594916" y="4344874"/>
             <a:ext cx="397866" cy="276999"/>
           </a:xfrm>
           <a:prstGeom prst="rect">
@@ -7519,7 +7520,7 @@
         </p:nvSpPr>
         <p:spPr>
           <a:xfrm>
-            <a:off x="10195673" y="5970971"/>
+            <a:off x="10256633" y="6316411"/>
             <a:ext cx="397866" cy="276999"/>
           </a:xfrm>
           <a:prstGeom prst="rect">
@@ -7565,7 +7566,7 @@
         </p:nvSpPr>
         <p:spPr>
           <a:xfrm>
-            <a:off x="8586070" y="5237416"/>
+            <a:off x="8647030" y="5582856"/>
             <a:ext cx="417102" cy="276999"/>
           </a:xfrm>
           <a:prstGeom prst="rect">
@@ -7611,7 +7612,7 @@
         </p:nvSpPr>
         <p:spPr>
           <a:xfrm>
-            <a:off x="8926077" y="4464747"/>
+            <a:off x="8987037" y="4810187"/>
             <a:ext cx="393056" cy="276999"/>
           </a:xfrm>
           <a:prstGeom prst="rect">
@@ -7657,7 +7658,7 @@
         </p:nvSpPr>
         <p:spPr>
           <a:xfrm>
-            <a:off x="10900536" y="5341032"/>
+            <a:off x="10961496" y="5686472"/>
             <a:ext cx="397866" cy="276999"/>
           </a:xfrm>
           <a:prstGeom prst="rect">
@@ -7697,16 +7698,16 @@
       </p:sp>
       <p:grpSp>
         <p:nvGrpSpPr>
-          <p:cNvPr id="115" name="Group 114"/>
+          <p:cNvPr id="116" name="Group 115"/>
           <p:cNvGrpSpPr/>
           <p:nvPr/>
         </p:nvGrpSpPr>
         <p:grpSpPr>
-          <a:xfrm rot="18000000">
-            <a:off x="9307815" y="5031343"/>
-            <a:ext cx="477055" cy="378054"/>
-            <a:chOff x="7441478" y="3584218"/>
-            <a:chExt cx="477055" cy="378054"/>
+          <a:xfrm>
+            <a:off x="9503420" y="5278485"/>
+            <a:ext cx="202655" cy="555854"/>
+            <a:chOff x="9442460" y="4933045"/>
+            <a:chExt cx="202655" cy="555854"/>
           </a:xfrm>
         </p:grpSpPr>
         <p:sp>
@@ -7716,8 +7717,8 @@
             <p:nvPr/>
           </p:nvSpPr>
           <p:spPr>
-            <a:xfrm>
-              <a:off x="7441478" y="3849496"/>
+            <a:xfrm rot="18000000">
+              <a:off x="9506874" y="5413715"/>
               <a:ext cx="75184" cy="75184"/>
             </a:xfrm>
             <a:prstGeom prst="ellipse">
@@ -7757,8 +7758,8 @@
             <p:nvPr/>
           </p:nvSpPr>
           <p:spPr>
-            <a:xfrm>
-              <a:off x="7502481" y="3887088"/>
+            <a:xfrm rot="18000000">
+              <a:off x="9569931" y="5379681"/>
               <a:ext cx="75184" cy="75184"/>
             </a:xfrm>
             <a:prstGeom prst="ellipse">
@@ -7798,8 +7799,8 @@
             <p:nvPr/>
           </p:nvSpPr>
           <p:spPr>
-            <a:xfrm>
-              <a:off x="7479070" y="3793108"/>
+            <a:xfrm rot="18000000">
+              <a:off x="9476836" y="5352965"/>
               <a:ext cx="75184" cy="75184"/>
             </a:xfrm>
             <a:prstGeom prst="ellipse">
@@ -7839,8 +7840,8 @@
             <p:nvPr/>
           </p:nvSpPr>
           <p:spPr>
-            <a:xfrm>
-              <a:off x="7561091" y="3706059"/>
+            <a:xfrm rot="18000000">
+              <a:off x="9442460" y="5238408"/>
               <a:ext cx="75184" cy="75184"/>
             </a:xfrm>
             <a:prstGeom prst="ellipse">
@@ -7880,8 +7881,8 @@
             <p:nvPr/>
           </p:nvSpPr>
           <p:spPr>
-            <a:xfrm>
-              <a:off x="7843349" y="3584218"/>
+            <a:xfrm rot="18000000">
+              <a:off x="9478072" y="4933045"/>
               <a:ext cx="75184" cy="75184"/>
             </a:xfrm>
             <a:prstGeom prst="ellipse">
@@ -7921,8 +7922,8 @@
             <p:nvPr/>
           </p:nvSpPr>
           <p:spPr>
-            <a:xfrm>
-              <a:off x="7577665" y="3811904"/>
+            <a:xfrm rot="18000000">
+              <a:off x="9542412" y="5276977"/>
               <a:ext cx="75184" cy="75184"/>
             </a:xfrm>
             <a:prstGeom prst="ellipse">
@@ -7962,8 +7963,8 @@
             <p:nvPr/>
           </p:nvSpPr>
           <p:spPr>
-            <a:xfrm>
-              <a:off x="7598928" y="3744069"/>
+            <a:xfrm rot="18000000">
+              <a:off x="9494296" y="5224646"/>
               <a:ext cx="75184" cy="75184"/>
             </a:xfrm>
             <a:prstGeom prst="ellipse">
@@ -8003,8 +8004,8 @@
             <p:nvPr/>
           </p:nvSpPr>
           <p:spPr>
-            <a:xfrm>
-              <a:off x="7693901" y="3661174"/>
+            <a:xfrm rot="18000000">
+              <a:off x="9469994" y="5100949"/>
               <a:ext cx="75184" cy="75184"/>
             </a:xfrm>
             <a:prstGeom prst="ellipse">
@@ -8038,10 +8039,1922 @@
           </p:txBody>
         </p:sp>
       </p:grpSp>
+      <p:sp>
+        <p:nvSpPr>
+          <p:cNvPr id="117" name="TextBox 116"/>
+          <p:cNvSpPr txBox="1"/>
+          <p:nvPr/>
+        </p:nvSpPr>
+        <p:spPr>
+          <a:xfrm>
+            <a:off x="3232596" y="-95410"/>
+            <a:ext cx="6365845" cy="1107996"/>
+          </a:xfrm>
+          <a:prstGeom prst="rect">
+            <a:avLst/>
+          </a:prstGeom>
+          <a:noFill/>
+        </p:spPr>
+        <p:txBody>
+          <a:bodyPr wrap="none" rtlCol="0">
+            <a:spAutoFit/>
+          </a:bodyPr>
+          <a:lstStyle/>
+          <a:p>
+            <a:r>
+              <a:rPr lang="en-GB" sz="6600" dirty="0" smtClean="0"/>
+              <a:t>HOW PCA WORKS</a:t>
+            </a:r>
+            <a:endParaRPr lang="en-GB" sz="6600" dirty="0"/>
+          </a:p>
+        </p:txBody>
+      </p:sp>
     </p:spTree>
     <p:extLst>
       <p:ext uri="{BB962C8B-B14F-4D97-AF65-F5344CB8AC3E}">
         <p14:creationId xmlns:p14="http://schemas.microsoft.com/office/powerpoint/2010/main" val="3370894725"/>
+      </p:ext>
+    </p:extLst>
+  </p:cSld>
+  <p:clrMapOvr>
+    <a:masterClrMapping/>
+  </p:clrMapOvr>
+</p:sld>
+</file>
+
+<file path=ppt/slides/slide2.xml><?xml version="1.0" encoding="utf-8"?>
+<p:sld xmlns:a="http://schemas.openxmlformats.org/drawingml/2006/main" xmlns:r="http://schemas.openxmlformats.org/officeDocument/2006/relationships" xmlns:p="http://schemas.openxmlformats.org/presentationml/2006/main">
+  <p:cSld>
+    <p:spTree>
+      <p:nvGrpSpPr>
+        <p:cNvPr id="1" name=""/>
+        <p:cNvGrpSpPr/>
+        <p:nvPr/>
+      </p:nvGrpSpPr>
+      <p:grpSpPr>
+        <a:xfrm>
+          <a:off x="0" y="0"/>
+          <a:ext cx="0" cy="0"/>
+          <a:chOff x="0" y="0"/>
+          <a:chExt cx="0" cy="0"/>
+        </a:xfrm>
+      </p:grpSpPr>
+      <p:sp>
+        <p:nvSpPr>
+          <p:cNvPr id="3" name="Rectangle 2"/>
+          <p:cNvSpPr/>
+          <p:nvPr/>
+        </p:nvSpPr>
+        <p:spPr>
+          <a:xfrm>
+            <a:off x="4043680" y="1362536"/>
+            <a:ext cx="1473200" cy="640080"/>
+          </a:xfrm>
+          <a:prstGeom prst="rect">
+            <a:avLst/>
+          </a:prstGeom>
+          <a:solidFill>
+            <a:schemeClr val="bg2">
+              <a:lumMod val="75000"/>
+            </a:schemeClr>
+          </a:solidFill>
+          <a:ln w="25400">
+            <a:solidFill>
+              <a:schemeClr val="tx1">
+                <a:lumMod val="85000"/>
+                <a:lumOff val="15000"/>
+              </a:schemeClr>
+            </a:solidFill>
+          </a:ln>
+        </p:spPr>
+        <p:style>
+          <a:lnRef idx="2">
+            <a:schemeClr val="accent1">
+              <a:shade val="50000"/>
+            </a:schemeClr>
+          </a:lnRef>
+          <a:fillRef idx="1">
+            <a:schemeClr val="accent1"/>
+          </a:fillRef>
+          <a:effectRef idx="0">
+            <a:schemeClr val="accent1"/>
+          </a:effectRef>
+          <a:fontRef idx="minor">
+            <a:schemeClr val="lt1"/>
+          </a:fontRef>
+        </p:style>
+        <p:txBody>
+          <a:bodyPr rtlCol="0" anchor="ctr"/>
+          <a:lstStyle/>
+          <a:p>
+            <a:pPr algn="ctr"/>
+            <a:endParaRPr lang="en-GB"/>
+          </a:p>
+        </p:txBody>
+      </p:sp>
+      <p:sp>
+        <p:nvSpPr>
+          <p:cNvPr id="4" name="Oval 3"/>
+          <p:cNvSpPr/>
+          <p:nvPr/>
+        </p:nvSpPr>
+        <p:spPr>
+          <a:xfrm>
+            <a:off x="4485640" y="1570816"/>
+            <a:ext cx="589280" cy="223520"/>
+          </a:xfrm>
+          <a:prstGeom prst="ellipse">
+            <a:avLst/>
+          </a:prstGeom>
+          <a:solidFill>
+            <a:schemeClr val="accent4">
+              <a:lumMod val="20000"/>
+              <a:lumOff val="80000"/>
+            </a:schemeClr>
+          </a:solidFill>
+          <a:ln>
+            <a:solidFill>
+              <a:schemeClr val="accent4">
+                <a:lumMod val="40000"/>
+                <a:lumOff val="60000"/>
+              </a:schemeClr>
+            </a:solidFill>
+          </a:ln>
+        </p:spPr>
+        <p:style>
+          <a:lnRef idx="2">
+            <a:schemeClr val="accent1">
+              <a:shade val="50000"/>
+            </a:schemeClr>
+          </a:lnRef>
+          <a:fillRef idx="1">
+            <a:schemeClr val="accent1"/>
+          </a:fillRef>
+          <a:effectRef idx="0">
+            <a:schemeClr val="accent1"/>
+          </a:effectRef>
+          <a:fontRef idx="minor">
+            <a:schemeClr val="lt1"/>
+          </a:fontRef>
+        </p:style>
+        <p:txBody>
+          <a:bodyPr rtlCol="0" anchor="ctr"/>
+          <a:lstStyle/>
+          <a:p>
+            <a:pPr algn="ctr"/>
+            <a:endParaRPr lang="en-GB"/>
+          </a:p>
+        </p:txBody>
+      </p:sp>
+      <p:sp>
+        <p:nvSpPr>
+          <p:cNvPr id="37" name="TextBox 36"/>
+          <p:cNvSpPr txBox="1"/>
+          <p:nvPr/>
+        </p:nvSpPr>
+        <p:spPr>
+          <a:xfrm>
+            <a:off x="4005580" y="1324431"/>
+            <a:ext cx="788293" cy="276999"/>
+          </a:xfrm>
+          <a:prstGeom prst="rect">
+            <a:avLst/>
+          </a:prstGeom>
+          <a:noFill/>
+        </p:spPr>
+        <p:txBody>
+          <a:bodyPr wrap="none" rtlCol="0">
+            <a:spAutoFit/>
+          </a:bodyPr>
+          <a:lstStyle/>
+          <a:p>
+            <a:r>
+              <a:rPr lang="en-GB" sz="1200" dirty="0" smtClean="0"/>
+              <a:t>XYZ Stage</a:t>
+            </a:r>
+            <a:endParaRPr lang="en-GB" sz="1200" dirty="0"/>
+          </a:p>
+        </p:txBody>
+      </p:sp>
+      <p:cxnSp>
+        <p:nvCxnSpPr>
+          <p:cNvPr id="8" name="Straight Connector 7"/>
+          <p:cNvCxnSpPr/>
+          <p:nvPr/>
+        </p:nvCxnSpPr>
+        <p:spPr>
+          <a:xfrm>
+            <a:off x="4759960" y="1682576"/>
+            <a:ext cx="0" cy="858520"/>
+          </a:xfrm>
+          <a:prstGeom prst="line">
+            <a:avLst/>
+          </a:prstGeom>
+          <a:ln w="25400">
+            <a:solidFill>
+              <a:srgbClr val="C00000"/>
+            </a:solidFill>
+          </a:ln>
+        </p:spPr>
+        <p:style>
+          <a:lnRef idx="1">
+            <a:schemeClr val="accent1"/>
+          </a:lnRef>
+          <a:fillRef idx="0">
+            <a:schemeClr val="accent1"/>
+          </a:fillRef>
+          <a:effectRef idx="0">
+            <a:schemeClr val="accent1"/>
+          </a:effectRef>
+          <a:fontRef idx="minor">
+            <a:schemeClr val="tx1"/>
+          </a:fontRef>
+        </p:style>
+      </p:cxnSp>
+      <p:cxnSp>
+        <p:nvCxnSpPr>
+          <p:cNvPr id="9" name="Straight Connector 8"/>
+          <p:cNvCxnSpPr/>
+          <p:nvPr/>
+        </p:nvCxnSpPr>
+        <p:spPr>
+          <a:xfrm>
+            <a:off x="4785360" y="1682576"/>
+            <a:ext cx="0" cy="858520"/>
+          </a:xfrm>
+          <a:prstGeom prst="line">
+            <a:avLst/>
+          </a:prstGeom>
+          <a:ln w="25400">
+            <a:solidFill>
+              <a:schemeClr val="accent2"/>
+            </a:solidFill>
+          </a:ln>
+        </p:spPr>
+        <p:style>
+          <a:lnRef idx="1">
+            <a:schemeClr val="accent1"/>
+          </a:lnRef>
+          <a:fillRef idx="0">
+            <a:schemeClr val="accent1"/>
+          </a:fillRef>
+          <a:effectRef idx="0">
+            <a:schemeClr val="accent1"/>
+          </a:effectRef>
+          <a:fontRef idx="minor">
+            <a:schemeClr val="tx1"/>
+          </a:fontRef>
+        </p:style>
+      </p:cxnSp>
+      <p:sp>
+        <p:nvSpPr>
+          <p:cNvPr id="5" name="Snip Same Side Corner Rectangle 4"/>
+          <p:cNvSpPr/>
+          <p:nvPr/>
+        </p:nvSpPr>
+        <p:spPr>
+          <a:xfrm>
+            <a:off x="4588098" y="2207260"/>
+            <a:ext cx="374204" cy="482600"/>
+          </a:xfrm>
+          <a:prstGeom prst="snip2SameRect">
+            <a:avLst>
+              <a:gd name="adj1" fmla="val 35491"/>
+              <a:gd name="adj2" fmla="val 0"/>
+            </a:avLst>
+          </a:prstGeom>
+          <a:solidFill>
+            <a:schemeClr val="bg2">
+              <a:lumMod val="75000"/>
+            </a:schemeClr>
+          </a:solidFill>
+          <a:ln w="19050">
+            <a:solidFill>
+              <a:schemeClr val="tx1">
+                <a:lumMod val="75000"/>
+                <a:lumOff val="25000"/>
+              </a:schemeClr>
+            </a:solidFill>
+          </a:ln>
+        </p:spPr>
+        <p:style>
+          <a:lnRef idx="2">
+            <a:schemeClr val="accent1">
+              <a:shade val="50000"/>
+            </a:schemeClr>
+          </a:lnRef>
+          <a:fillRef idx="1">
+            <a:schemeClr val="accent1"/>
+          </a:fillRef>
+          <a:effectRef idx="0">
+            <a:schemeClr val="accent1"/>
+          </a:effectRef>
+          <a:fontRef idx="minor">
+            <a:schemeClr val="lt1"/>
+          </a:fontRef>
+        </p:style>
+        <p:txBody>
+          <a:bodyPr rtlCol="0" anchor="ctr"/>
+          <a:lstStyle/>
+          <a:p>
+            <a:pPr algn="ctr"/>
+            <a:endParaRPr lang="en-GB" dirty="0"/>
+          </a:p>
+        </p:txBody>
+      </p:sp>
+      <p:sp>
+        <p:nvSpPr>
+          <p:cNvPr id="38" name="TextBox 37"/>
+          <p:cNvSpPr txBox="1"/>
+          <p:nvPr/>
+        </p:nvSpPr>
+        <p:spPr>
+          <a:xfrm>
+            <a:off x="4515066" y="2283524"/>
+            <a:ext cx="513282" cy="369332"/>
+          </a:xfrm>
+          <a:prstGeom prst="rect">
+            <a:avLst/>
+          </a:prstGeom>
+          <a:noFill/>
+        </p:spPr>
+        <p:txBody>
+          <a:bodyPr wrap="none" rtlCol="0">
+            <a:spAutoFit/>
+          </a:bodyPr>
+          <a:lstStyle/>
+          <a:p>
+            <a:r>
+              <a:rPr lang="en-GB" dirty="0" smtClean="0"/>
+              <a:t>Obj</a:t>
+            </a:r>
+            <a:endParaRPr lang="en-GB" dirty="0"/>
+          </a:p>
+        </p:txBody>
+      </p:sp>
+      <p:sp>
+        <p:nvSpPr>
+          <p:cNvPr id="61" name="Rectangle 60"/>
+          <p:cNvSpPr/>
+          <p:nvPr/>
+        </p:nvSpPr>
+        <p:spPr>
+          <a:xfrm>
+            <a:off x="4182653" y="2692478"/>
+            <a:ext cx="1265264" cy="2605962"/>
+          </a:xfrm>
+          <a:prstGeom prst="rect">
+            <a:avLst/>
+          </a:prstGeom>
+          <a:noFill/>
+          <a:ln w="25400">
+            <a:solidFill>
+              <a:schemeClr val="tx1"/>
+            </a:solidFill>
+          </a:ln>
+        </p:spPr>
+        <p:style>
+          <a:lnRef idx="2">
+            <a:schemeClr val="accent1">
+              <a:shade val="50000"/>
+            </a:schemeClr>
+          </a:lnRef>
+          <a:fillRef idx="1">
+            <a:schemeClr val="accent1"/>
+          </a:fillRef>
+          <a:effectRef idx="0">
+            <a:schemeClr val="accent1"/>
+          </a:effectRef>
+          <a:fontRef idx="minor">
+            <a:schemeClr val="lt1"/>
+          </a:fontRef>
+        </p:style>
+        <p:txBody>
+          <a:bodyPr rtlCol="0" anchor="ctr"/>
+          <a:lstStyle/>
+          <a:p>
+            <a:pPr algn="ctr"/>
+            <a:endParaRPr lang="en-GB"/>
+          </a:p>
+        </p:txBody>
+      </p:sp>
+      <p:sp>
+        <p:nvSpPr>
+          <p:cNvPr id="2" name="TextBox 1"/>
+          <p:cNvSpPr txBox="1"/>
+          <p:nvPr/>
+        </p:nvSpPr>
+        <p:spPr>
+          <a:xfrm>
+            <a:off x="3232596" y="-95410"/>
+            <a:ext cx="4687758" cy="1107996"/>
+          </a:xfrm>
+          <a:prstGeom prst="rect">
+            <a:avLst/>
+          </a:prstGeom>
+          <a:noFill/>
+        </p:spPr>
+        <p:txBody>
+          <a:bodyPr wrap="none" rtlCol="0">
+            <a:spAutoFit/>
+          </a:bodyPr>
+          <a:lstStyle/>
+          <a:p>
+            <a:r>
+              <a:rPr lang="en-GB" sz="6600" dirty="0" smtClean="0"/>
+              <a:t>Raman setup</a:t>
+            </a:r>
+            <a:endParaRPr lang="en-GB" sz="6600" dirty="0"/>
+          </a:p>
+        </p:txBody>
+      </p:sp>
+      <p:sp>
+        <p:nvSpPr>
+          <p:cNvPr id="6" name="Rectangle 5"/>
+          <p:cNvSpPr/>
+          <p:nvPr/>
+        </p:nvSpPr>
+        <p:spPr>
+          <a:xfrm>
+            <a:off x="4648200" y="4664711"/>
+            <a:ext cx="132080" cy="396240"/>
+          </a:xfrm>
+          <a:prstGeom prst="rect">
+            <a:avLst/>
+          </a:prstGeom>
+          <a:solidFill>
+            <a:schemeClr val="bg2">
+              <a:lumMod val="90000"/>
+            </a:schemeClr>
+          </a:solidFill>
+          <a:ln>
+            <a:solidFill>
+              <a:schemeClr val="bg1">
+                <a:lumMod val="75000"/>
+              </a:schemeClr>
+            </a:solidFill>
+          </a:ln>
+          <a:scene3d>
+            <a:camera prst="orthographicFront">
+              <a:rot lat="0" lon="0" rev="2700000"/>
+            </a:camera>
+            <a:lightRig rig="threePt" dir="t"/>
+          </a:scene3d>
+        </p:spPr>
+        <p:style>
+          <a:lnRef idx="2">
+            <a:schemeClr val="accent1">
+              <a:shade val="50000"/>
+            </a:schemeClr>
+          </a:lnRef>
+          <a:fillRef idx="1">
+            <a:schemeClr val="accent1"/>
+          </a:fillRef>
+          <a:effectRef idx="0">
+            <a:schemeClr val="accent1"/>
+          </a:effectRef>
+          <a:fontRef idx="minor">
+            <a:schemeClr val="lt1"/>
+          </a:fontRef>
+        </p:style>
+        <p:txBody>
+          <a:bodyPr rtlCol="0" anchor="ctr"/>
+          <a:lstStyle/>
+          <a:p>
+            <a:pPr algn="ctr"/>
+            <a:endParaRPr lang="en-GB"/>
+          </a:p>
+        </p:txBody>
+      </p:sp>
+      <p:cxnSp>
+        <p:nvCxnSpPr>
+          <p:cNvPr id="13" name="Straight Connector 12"/>
+          <p:cNvCxnSpPr/>
+          <p:nvPr/>
+        </p:nvCxnSpPr>
+        <p:spPr>
+          <a:xfrm>
+            <a:off x="4811172" y="2689860"/>
+            <a:ext cx="0" cy="858520"/>
+          </a:xfrm>
+          <a:prstGeom prst="line">
+            <a:avLst/>
+          </a:prstGeom>
+          <a:ln w="38100">
+            <a:solidFill>
+              <a:schemeClr val="accent2"/>
+            </a:solidFill>
+          </a:ln>
+        </p:spPr>
+        <p:style>
+          <a:lnRef idx="1">
+            <a:schemeClr val="accent1"/>
+          </a:lnRef>
+          <a:fillRef idx="0">
+            <a:schemeClr val="accent1"/>
+          </a:fillRef>
+          <a:effectRef idx="0">
+            <a:schemeClr val="accent1"/>
+          </a:effectRef>
+          <a:fontRef idx="minor">
+            <a:schemeClr val="tx1"/>
+          </a:fontRef>
+        </p:style>
+      </p:cxnSp>
+      <p:cxnSp>
+        <p:nvCxnSpPr>
+          <p:cNvPr id="12" name="Straight Connector 11"/>
+          <p:cNvCxnSpPr/>
+          <p:nvPr/>
+        </p:nvCxnSpPr>
+        <p:spPr>
+          <a:xfrm>
+            <a:off x="4773295" y="2689860"/>
+            <a:ext cx="0" cy="2110740"/>
+          </a:xfrm>
+          <a:prstGeom prst="line">
+            <a:avLst/>
+          </a:prstGeom>
+          <a:ln w="38100">
+            <a:solidFill>
+              <a:srgbClr val="C00000"/>
+            </a:solidFill>
+          </a:ln>
+        </p:spPr>
+        <p:style>
+          <a:lnRef idx="1">
+            <a:schemeClr val="accent1"/>
+          </a:lnRef>
+          <a:fillRef idx="0">
+            <a:schemeClr val="accent1"/>
+          </a:fillRef>
+          <a:effectRef idx="0">
+            <a:schemeClr val="accent1"/>
+          </a:effectRef>
+          <a:fontRef idx="minor">
+            <a:schemeClr val="tx1"/>
+          </a:fontRef>
+        </p:style>
+      </p:cxnSp>
+      <p:cxnSp>
+        <p:nvCxnSpPr>
+          <p:cNvPr id="18" name="Straight Connector 17"/>
+          <p:cNvCxnSpPr/>
+          <p:nvPr/>
+        </p:nvCxnSpPr>
+        <p:spPr>
+          <a:xfrm>
+            <a:off x="4771707" y="4780916"/>
+            <a:ext cx="1796733" cy="0"/>
+          </a:xfrm>
+          <a:prstGeom prst="line">
+            <a:avLst/>
+          </a:prstGeom>
+          <a:ln w="38100">
+            <a:solidFill>
+              <a:srgbClr val="C00000"/>
+            </a:solidFill>
+          </a:ln>
+        </p:spPr>
+        <p:style>
+          <a:lnRef idx="1">
+            <a:schemeClr val="accent1"/>
+          </a:lnRef>
+          <a:fillRef idx="0">
+            <a:schemeClr val="accent1"/>
+          </a:fillRef>
+          <a:effectRef idx="0">
+            <a:schemeClr val="accent1"/>
+          </a:effectRef>
+          <a:fontRef idx="minor">
+            <a:schemeClr val="tx1"/>
+          </a:fontRef>
+        </p:style>
+      </p:cxnSp>
+      <p:cxnSp>
+        <p:nvCxnSpPr>
+          <p:cNvPr id="19" name="Straight Connector 18"/>
+          <p:cNvCxnSpPr/>
+          <p:nvPr/>
+        </p:nvCxnSpPr>
+        <p:spPr>
+          <a:xfrm>
+            <a:off x="3739515" y="3529330"/>
+            <a:ext cx="1078041" cy="0"/>
+          </a:xfrm>
+          <a:prstGeom prst="line">
+            <a:avLst/>
+          </a:prstGeom>
+          <a:ln w="38100">
+            <a:solidFill>
+              <a:schemeClr val="accent2"/>
+            </a:solidFill>
+          </a:ln>
+        </p:spPr>
+        <p:style>
+          <a:lnRef idx="1">
+            <a:schemeClr val="accent1"/>
+          </a:lnRef>
+          <a:fillRef idx="0">
+            <a:schemeClr val="accent1"/>
+          </a:fillRef>
+          <a:effectRef idx="0">
+            <a:schemeClr val="accent1"/>
+          </a:effectRef>
+          <a:fontRef idx="minor">
+            <a:schemeClr val="tx1"/>
+          </a:fontRef>
+        </p:style>
+      </p:cxnSp>
+      <p:sp>
+        <p:nvSpPr>
+          <p:cNvPr id="24" name="Rectangle 23"/>
+          <p:cNvSpPr/>
+          <p:nvPr/>
+        </p:nvSpPr>
+        <p:spPr>
+          <a:xfrm>
+            <a:off x="4714240" y="3306510"/>
+            <a:ext cx="132080" cy="396240"/>
+          </a:xfrm>
+          <a:prstGeom prst="rect">
+            <a:avLst/>
+          </a:prstGeom>
+          <a:solidFill>
+            <a:schemeClr val="accent1">
+              <a:alpha val="50000"/>
+            </a:schemeClr>
+          </a:solidFill>
+          <a:ln>
+            <a:solidFill>
+              <a:schemeClr val="accent1">
+                <a:lumMod val="75000"/>
+              </a:schemeClr>
+            </a:solidFill>
+          </a:ln>
+          <a:scene3d>
+            <a:camera prst="orthographicFront">
+              <a:rot lat="0" lon="0" rev="8100000"/>
+            </a:camera>
+            <a:lightRig rig="threePt" dir="t"/>
+          </a:scene3d>
+        </p:spPr>
+        <p:style>
+          <a:lnRef idx="2">
+            <a:schemeClr val="accent1">
+              <a:shade val="50000"/>
+            </a:schemeClr>
+          </a:lnRef>
+          <a:fillRef idx="1">
+            <a:schemeClr val="accent1"/>
+          </a:fillRef>
+          <a:effectRef idx="0">
+            <a:schemeClr val="accent1"/>
+          </a:effectRef>
+          <a:fontRef idx="minor">
+            <a:schemeClr val="lt1"/>
+          </a:fontRef>
+        </p:style>
+        <p:txBody>
+          <a:bodyPr rtlCol="0" anchor="ctr"/>
+          <a:lstStyle/>
+          <a:p>
+            <a:pPr algn="ctr"/>
+            <a:endParaRPr lang="en-GB"/>
+          </a:p>
+        </p:txBody>
+      </p:sp>
+      <p:cxnSp>
+        <p:nvCxnSpPr>
+          <p:cNvPr id="23" name="Straight Arrow Connector 22"/>
+          <p:cNvCxnSpPr/>
+          <p:nvPr/>
+        </p:nvCxnSpPr>
+        <p:spPr>
+          <a:xfrm>
+            <a:off x="4773168" y="2783840"/>
+            <a:ext cx="0" cy="1408176"/>
+          </a:xfrm>
+          <a:prstGeom prst="straightConnector1">
+            <a:avLst/>
+          </a:prstGeom>
+          <a:ln w="38100">
+            <a:solidFill>
+              <a:srgbClr val="C00000"/>
+            </a:solidFill>
+            <a:tailEnd type="triangle" w="lg" len="lg"/>
+          </a:ln>
+        </p:spPr>
+        <p:style>
+          <a:lnRef idx="1">
+            <a:schemeClr val="accent1"/>
+          </a:lnRef>
+          <a:fillRef idx="0">
+            <a:schemeClr val="accent1"/>
+          </a:fillRef>
+          <a:effectRef idx="0">
+            <a:schemeClr val="accent1"/>
+          </a:effectRef>
+          <a:fontRef idx="minor">
+            <a:schemeClr val="tx1"/>
+          </a:fontRef>
+        </p:style>
+      </p:cxnSp>
+      <p:cxnSp>
+        <p:nvCxnSpPr>
+          <p:cNvPr id="27" name="Straight Arrow Connector 26"/>
+          <p:cNvCxnSpPr/>
+          <p:nvPr/>
+        </p:nvCxnSpPr>
+        <p:spPr>
+          <a:xfrm>
+            <a:off x="3526155" y="3529330"/>
+            <a:ext cx="960120" cy="0"/>
+          </a:xfrm>
+          <a:prstGeom prst="straightConnector1">
+            <a:avLst/>
+          </a:prstGeom>
+          <a:ln w="38100">
+            <a:solidFill>
+              <a:schemeClr val="accent2"/>
+            </a:solidFill>
+            <a:tailEnd type="triangle" w="lg" len="lg"/>
+          </a:ln>
+        </p:spPr>
+        <p:style>
+          <a:lnRef idx="1">
+            <a:schemeClr val="accent1"/>
+          </a:lnRef>
+          <a:fillRef idx="0">
+            <a:schemeClr val="accent1"/>
+          </a:fillRef>
+          <a:effectRef idx="0">
+            <a:schemeClr val="accent1"/>
+          </a:effectRef>
+          <a:fontRef idx="minor">
+            <a:schemeClr val="tx1"/>
+          </a:fontRef>
+        </p:style>
+      </p:cxnSp>
+      <p:sp>
+        <p:nvSpPr>
+          <p:cNvPr id="30" name="Oval 29"/>
+          <p:cNvSpPr/>
+          <p:nvPr/>
+        </p:nvSpPr>
+        <p:spPr>
+          <a:xfrm>
+            <a:off x="3649156" y="3374390"/>
+            <a:ext cx="111760" cy="309880"/>
+          </a:xfrm>
+          <a:prstGeom prst="ellipse">
+            <a:avLst/>
+          </a:prstGeom>
+          <a:solidFill>
+            <a:schemeClr val="accent1">
+              <a:alpha val="50000"/>
+            </a:schemeClr>
+          </a:solidFill>
+        </p:spPr>
+        <p:style>
+          <a:lnRef idx="2">
+            <a:schemeClr val="accent1">
+              <a:shade val="50000"/>
+            </a:schemeClr>
+          </a:lnRef>
+          <a:fillRef idx="1">
+            <a:schemeClr val="accent1"/>
+          </a:fillRef>
+          <a:effectRef idx="0">
+            <a:schemeClr val="accent1"/>
+          </a:effectRef>
+          <a:fontRef idx="minor">
+            <a:schemeClr val="lt1"/>
+          </a:fontRef>
+        </p:style>
+        <p:txBody>
+          <a:bodyPr rtlCol="0" anchor="ctr"/>
+          <a:lstStyle/>
+          <a:p>
+            <a:pPr algn="ctr"/>
+            <a:endParaRPr lang="en-GB"/>
+          </a:p>
+        </p:txBody>
+      </p:sp>
+      <p:sp>
+        <p:nvSpPr>
+          <p:cNvPr id="31" name="Oval 30"/>
+          <p:cNvSpPr/>
+          <p:nvPr/>
+        </p:nvSpPr>
+        <p:spPr>
+          <a:xfrm>
+            <a:off x="3828037" y="3372550"/>
+            <a:ext cx="111760" cy="309880"/>
+          </a:xfrm>
+          <a:prstGeom prst="ellipse">
+            <a:avLst/>
+          </a:prstGeom>
+          <a:solidFill>
+            <a:schemeClr val="accent1">
+              <a:alpha val="50000"/>
+            </a:schemeClr>
+          </a:solidFill>
+        </p:spPr>
+        <p:style>
+          <a:lnRef idx="2">
+            <a:schemeClr val="accent1">
+              <a:shade val="50000"/>
+            </a:schemeClr>
+          </a:lnRef>
+          <a:fillRef idx="1">
+            <a:schemeClr val="accent1"/>
+          </a:fillRef>
+          <a:effectRef idx="0">
+            <a:schemeClr val="accent1"/>
+          </a:effectRef>
+          <a:fontRef idx="minor">
+            <a:schemeClr val="lt1"/>
+          </a:fontRef>
+        </p:style>
+        <p:txBody>
+          <a:bodyPr rtlCol="0" anchor="ctr"/>
+          <a:lstStyle/>
+          <a:p>
+            <a:pPr algn="ctr"/>
+            <a:endParaRPr lang="en-GB"/>
+          </a:p>
+        </p:txBody>
+      </p:sp>
+      <p:sp>
+        <p:nvSpPr>
+          <p:cNvPr id="32" name="Rectangle 31"/>
+          <p:cNvSpPr/>
+          <p:nvPr/>
+        </p:nvSpPr>
+        <p:spPr>
+          <a:xfrm>
+            <a:off x="2974687" y="3372550"/>
+            <a:ext cx="549721" cy="309880"/>
+          </a:xfrm>
+          <a:prstGeom prst="rect">
+            <a:avLst/>
+          </a:prstGeom>
+          <a:solidFill>
+            <a:schemeClr val="tx1">
+              <a:lumMod val="75000"/>
+              <a:lumOff val="25000"/>
+            </a:schemeClr>
+          </a:solidFill>
+          <a:ln>
+            <a:solidFill>
+              <a:schemeClr val="tx1"/>
+            </a:solidFill>
+          </a:ln>
+        </p:spPr>
+        <p:style>
+          <a:lnRef idx="2">
+            <a:schemeClr val="accent1">
+              <a:shade val="50000"/>
+            </a:schemeClr>
+          </a:lnRef>
+          <a:fillRef idx="1">
+            <a:schemeClr val="accent1"/>
+          </a:fillRef>
+          <a:effectRef idx="0">
+            <a:schemeClr val="accent1"/>
+          </a:effectRef>
+          <a:fontRef idx="minor">
+            <a:schemeClr val="lt1"/>
+          </a:fontRef>
+        </p:style>
+        <p:txBody>
+          <a:bodyPr rtlCol="0" anchor="ctr"/>
+          <a:lstStyle/>
+          <a:p>
+            <a:pPr algn="ctr"/>
+            <a:r>
+              <a:rPr lang="en-GB" sz="1200" dirty="0" smtClean="0"/>
+              <a:t>Laser</a:t>
+            </a:r>
+            <a:endParaRPr lang="en-GB" sz="1200" dirty="0"/>
+          </a:p>
+        </p:txBody>
+      </p:sp>
+      <p:cxnSp>
+        <p:nvCxnSpPr>
+          <p:cNvPr id="35" name="Straight Connector 34"/>
+          <p:cNvCxnSpPr/>
+          <p:nvPr/>
+        </p:nvCxnSpPr>
+        <p:spPr>
+          <a:xfrm>
+            <a:off x="6539035" y="2541096"/>
+            <a:ext cx="14165" cy="2259504"/>
+          </a:xfrm>
+          <a:prstGeom prst="line">
+            <a:avLst/>
+          </a:prstGeom>
+          <a:ln w="38100">
+            <a:solidFill>
+              <a:srgbClr val="C00000"/>
+            </a:solidFill>
+          </a:ln>
+        </p:spPr>
+        <p:style>
+          <a:lnRef idx="1">
+            <a:schemeClr val="accent1"/>
+          </a:lnRef>
+          <a:fillRef idx="0">
+            <a:schemeClr val="accent1"/>
+          </a:fillRef>
+          <a:effectRef idx="0">
+            <a:schemeClr val="accent1"/>
+          </a:effectRef>
+          <a:fontRef idx="minor">
+            <a:schemeClr val="tx1"/>
+          </a:fontRef>
+        </p:style>
+      </p:cxnSp>
+      <p:sp>
+        <p:nvSpPr>
+          <p:cNvPr id="33" name="Rectangle 32"/>
+          <p:cNvSpPr/>
+          <p:nvPr/>
+        </p:nvSpPr>
+        <p:spPr>
+          <a:xfrm>
+            <a:off x="6550342" y="4664711"/>
+            <a:ext cx="132080" cy="396240"/>
+          </a:xfrm>
+          <a:prstGeom prst="rect">
+            <a:avLst/>
+          </a:prstGeom>
+          <a:solidFill>
+            <a:schemeClr val="bg2">
+              <a:lumMod val="90000"/>
+            </a:schemeClr>
+          </a:solidFill>
+          <a:ln>
+            <a:solidFill>
+              <a:schemeClr val="bg1">
+                <a:lumMod val="75000"/>
+              </a:schemeClr>
+            </a:solidFill>
+          </a:ln>
+          <a:scene3d>
+            <a:camera prst="orthographicFront">
+              <a:rot lat="0" lon="0" rev="8100000"/>
+            </a:camera>
+            <a:lightRig rig="threePt" dir="t"/>
+          </a:scene3d>
+        </p:spPr>
+        <p:style>
+          <a:lnRef idx="2">
+            <a:schemeClr val="accent1">
+              <a:shade val="50000"/>
+            </a:schemeClr>
+          </a:lnRef>
+          <a:fillRef idx="1">
+            <a:schemeClr val="accent1"/>
+          </a:fillRef>
+          <a:effectRef idx="0">
+            <a:schemeClr val="accent1"/>
+          </a:effectRef>
+          <a:fontRef idx="minor">
+            <a:schemeClr val="lt1"/>
+          </a:fontRef>
+        </p:style>
+        <p:txBody>
+          <a:bodyPr rtlCol="0" anchor="ctr"/>
+          <a:lstStyle/>
+          <a:p>
+            <a:pPr algn="ctr"/>
+            <a:endParaRPr lang="en-GB"/>
+          </a:p>
+        </p:txBody>
+      </p:sp>
+      <p:grpSp>
+        <p:nvGrpSpPr>
+          <p:cNvPr id="43" name="Group 42"/>
+          <p:cNvGrpSpPr/>
+          <p:nvPr/>
+        </p:nvGrpSpPr>
+        <p:grpSpPr>
+          <a:xfrm>
+            <a:off x="6391781" y="4228817"/>
+            <a:ext cx="290641" cy="311720"/>
+            <a:chOff x="4201828" y="3462656"/>
+            <a:chExt cx="290641" cy="311720"/>
+          </a:xfrm>
+          <a:scene3d>
+            <a:camera prst="orthographicFront">
+              <a:rot lat="0" lon="0" rev="5400000"/>
+            </a:camera>
+            <a:lightRig rig="threePt" dir="t"/>
+          </a:scene3d>
+        </p:grpSpPr>
+        <p:sp>
+          <p:nvSpPr>
+            <p:cNvPr id="41" name="Oval 40"/>
+            <p:cNvSpPr/>
+            <p:nvPr/>
+          </p:nvSpPr>
+          <p:spPr>
+            <a:xfrm>
+              <a:off x="4201828" y="3464496"/>
+              <a:ext cx="111760" cy="309880"/>
+            </a:xfrm>
+            <a:prstGeom prst="ellipse">
+              <a:avLst/>
+            </a:prstGeom>
+            <a:solidFill>
+              <a:schemeClr val="accent1">
+                <a:alpha val="50000"/>
+              </a:schemeClr>
+            </a:solidFill>
+          </p:spPr>
+          <p:style>
+            <a:lnRef idx="2">
+              <a:schemeClr val="accent1">
+                <a:shade val="50000"/>
+              </a:schemeClr>
+            </a:lnRef>
+            <a:fillRef idx="1">
+              <a:schemeClr val="accent1"/>
+            </a:fillRef>
+            <a:effectRef idx="0">
+              <a:schemeClr val="accent1"/>
+            </a:effectRef>
+            <a:fontRef idx="minor">
+              <a:schemeClr val="lt1"/>
+            </a:fontRef>
+          </p:style>
+          <p:txBody>
+            <a:bodyPr rtlCol="0" anchor="ctr"/>
+            <a:lstStyle/>
+            <a:p>
+              <a:pPr algn="ctr"/>
+              <a:endParaRPr lang="en-GB"/>
+            </a:p>
+          </p:txBody>
+        </p:sp>
+        <p:sp>
+          <p:nvSpPr>
+            <p:cNvPr id="42" name="Oval 41"/>
+            <p:cNvSpPr/>
+            <p:nvPr/>
+          </p:nvSpPr>
+          <p:spPr>
+            <a:xfrm>
+              <a:off x="4380709" y="3462656"/>
+              <a:ext cx="111760" cy="309880"/>
+            </a:xfrm>
+            <a:prstGeom prst="ellipse">
+              <a:avLst/>
+            </a:prstGeom>
+            <a:solidFill>
+              <a:schemeClr val="accent1">
+                <a:alpha val="50000"/>
+              </a:schemeClr>
+            </a:solidFill>
+          </p:spPr>
+          <p:style>
+            <a:lnRef idx="2">
+              <a:schemeClr val="accent1">
+                <a:shade val="50000"/>
+              </a:schemeClr>
+            </a:lnRef>
+            <a:fillRef idx="1">
+              <a:schemeClr val="accent1"/>
+            </a:fillRef>
+            <a:effectRef idx="0">
+              <a:schemeClr val="accent1"/>
+            </a:effectRef>
+            <a:fontRef idx="minor">
+              <a:schemeClr val="lt1"/>
+            </a:fontRef>
+          </p:style>
+          <p:txBody>
+            <a:bodyPr rtlCol="0" anchor="ctr"/>
+            <a:lstStyle/>
+            <a:p>
+              <a:pPr algn="ctr"/>
+              <a:endParaRPr lang="en-GB"/>
+            </a:p>
+          </p:txBody>
+        </p:sp>
+      </p:grpSp>
+      <p:sp>
+        <p:nvSpPr>
+          <p:cNvPr id="44" name="Oval 43"/>
+          <p:cNvSpPr/>
+          <p:nvPr/>
+        </p:nvSpPr>
+        <p:spPr>
+          <a:xfrm>
+            <a:off x="6494461" y="2720737"/>
+            <a:ext cx="111760" cy="309880"/>
+          </a:xfrm>
+          <a:prstGeom prst="ellipse">
+            <a:avLst/>
+          </a:prstGeom>
+          <a:solidFill>
+            <a:schemeClr val="accent1">
+              <a:alpha val="50000"/>
+            </a:schemeClr>
+          </a:solidFill>
+          <a:scene3d>
+            <a:camera prst="orthographicFront">
+              <a:rot lat="0" lon="0" rev="5400000"/>
+            </a:camera>
+            <a:lightRig rig="threePt" dir="t"/>
+          </a:scene3d>
+        </p:spPr>
+        <p:style>
+          <a:lnRef idx="2">
+            <a:schemeClr val="accent1">
+              <a:shade val="50000"/>
+            </a:schemeClr>
+          </a:lnRef>
+          <a:fillRef idx="1">
+            <a:schemeClr val="accent1"/>
+          </a:fillRef>
+          <a:effectRef idx="0">
+            <a:schemeClr val="accent1"/>
+          </a:effectRef>
+          <a:fontRef idx="minor">
+            <a:schemeClr val="lt1"/>
+          </a:fontRef>
+        </p:style>
+        <p:txBody>
+          <a:bodyPr rtlCol="0" anchor="ctr"/>
+          <a:lstStyle/>
+          <a:p>
+            <a:pPr algn="ctr"/>
+            <a:endParaRPr lang="en-GB"/>
+          </a:p>
+        </p:txBody>
+      </p:sp>
+      <p:sp>
+        <p:nvSpPr>
+          <p:cNvPr id="45" name="Rectangle 44"/>
+          <p:cNvSpPr/>
+          <p:nvPr/>
+        </p:nvSpPr>
+        <p:spPr>
+          <a:xfrm>
+            <a:off x="6472997" y="3314417"/>
+            <a:ext cx="132080" cy="396240"/>
+          </a:xfrm>
+          <a:prstGeom prst="rect">
+            <a:avLst/>
+          </a:prstGeom>
+          <a:solidFill>
+            <a:schemeClr val="accent1">
+              <a:lumMod val="50000"/>
+            </a:schemeClr>
+          </a:solidFill>
+          <a:ln>
+            <a:solidFill>
+              <a:schemeClr val="tx1"/>
+            </a:solidFill>
+          </a:ln>
+          <a:scene3d>
+            <a:camera prst="orthographicFront">
+              <a:rot lat="0" lon="0" rev="5400000"/>
+            </a:camera>
+            <a:lightRig rig="threePt" dir="t"/>
+          </a:scene3d>
+        </p:spPr>
+        <p:style>
+          <a:lnRef idx="2">
+            <a:schemeClr val="accent1">
+              <a:shade val="50000"/>
+            </a:schemeClr>
+          </a:lnRef>
+          <a:fillRef idx="1">
+            <a:schemeClr val="accent1"/>
+          </a:fillRef>
+          <a:effectRef idx="0">
+            <a:schemeClr val="accent1"/>
+          </a:effectRef>
+          <a:fontRef idx="minor">
+            <a:schemeClr val="lt1"/>
+          </a:fontRef>
+        </p:style>
+        <p:txBody>
+          <a:bodyPr rtlCol="0" anchor="ctr"/>
+          <a:lstStyle/>
+          <a:p>
+            <a:pPr algn="ctr"/>
+            <a:endParaRPr lang="en-GB"/>
+          </a:p>
+        </p:txBody>
+      </p:sp>
+      <p:sp>
+        <p:nvSpPr>
+          <p:cNvPr id="48" name="Isosceles Triangle 47"/>
+          <p:cNvSpPr/>
+          <p:nvPr/>
+        </p:nvSpPr>
+        <p:spPr>
+          <a:xfrm flipV="1">
+            <a:off x="6485694" y="1987945"/>
+            <a:ext cx="106680" cy="345157"/>
+          </a:xfrm>
+          <a:prstGeom prst="triangle">
+            <a:avLst/>
+          </a:prstGeom>
+          <a:gradFill flip="none" rotWithShape="1">
+            <a:gsLst>
+              <a:gs pos="0">
+                <a:srgbClr val="FF0000"/>
+              </a:gs>
+              <a:gs pos="50000">
+                <a:srgbClr val="9AB36A"/>
+              </a:gs>
+              <a:gs pos="25000">
+                <a:srgbClr val="FFFF00"/>
+              </a:gs>
+              <a:gs pos="75000">
+                <a:schemeClr val="accent5"/>
+              </a:gs>
+              <a:gs pos="100000">
+                <a:srgbClr val="7030A0"/>
+              </a:gs>
+            </a:gsLst>
+            <a:lin ang="0" scaled="1"/>
+            <a:tileRect/>
+          </a:gradFill>
+          <a:ln>
+            <a:noFill/>
+          </a:ln>
+        </p:spPr>
+        <p:style>
+          <a:lnRef idx="2">
+            <a:schemeClr val="accent1">
+              <a:shade val="50000"/>
+            </a:schemeClr>
+          </a:lnRef>
+          <a:fillRef idx="1">
+            <a:schemeClr val="accent1"/>
+          </a:fillRef>
+          <a:effectRef idx="0">
+            <a:schemeClr val="accent1"/>
+          </a:effectRef>
+          <a:fontRef idx="minor">
+            <a:schemeClr val="lt1"/>
+          </a:fontRef>
+        </p:style>
+        <p:txBody>
+          <a:bodyPr rtlCol="0" anchor="ctr"/>
+          <a:lstStyle/>
+          <a:p>
+            <a:pPr algn="ctr"/>
+            <a:endParaRPr lang="en-GB"/>
+          </a:p>
+        </p:txBody>
+      </p:sp>
+      <p:sp>
+        <p:nvSpPr>
+          <p:cNvPr id="46" name="Isosceles Triangle 45"/>
+          <p:cNvSpPr/>
+          <p:nvPr/>
+        </p:nvSpPr>
+        <p:spPr>
+          <a:xfrm>
+            <a:off x="6290464" y="2218626"/>
+            <a:ext cx="497141" cy="428570"/>
+          </a:xfrm>
+          <a:prstGeom prst="triangle">
+            <a:avLst/>
+          </a:prstGeom>
+          <a:solidFill>
+            <a:schemeClr val="bg1">
+              <a:lumMod val="75000"/>
+            </a:schemeClr>
+          </a:solidFill>
+          <a:ln>
+            <a:solidFill>
+              <a:schemeClr val="bg1">
+                <a:lumMod val="50000"/>
+              </a:schemeClr>
+            </a:solidFill>
+          </a:ln>
+          <a:scene3d>
+            <a:camera prst="orthographicFront">
+              <a:rot lat="0" lon="0" rev="5400000"/>
+            </a:camera>
+            <a:lightRig rig="threePt" dir="t"/>
+          </a:scene3d>
+        </p:spPr>
+        <p:style>
+          <a:lnRef idx="2">
+            <a:schemeClr val="accent1">
+              <a:shade val="50000"/>
+            </a:schemeClr>
+          </a:lnRef>
+          <a:fillRef idx="1">
+            <a:schemeClr val="accent1"/>
+          </a:fillRef>
+          <a:effectRef idx="0">
+            <a:schemeClr val="accent1"/>
+          </a:effectRef>
+          <a:fontRef idx="minor">
+            <a:schemeClr val="lt1"/>
+          </a:fontRef>
+        </p:style>
+        <p:txBody>
+          <a:bodyPr rtlCol="0" anchor="ctr"/>
+          <a:lstStyle/>
+          <a:p>
+            <a:pPr algn="ctr"/>
+            <a:endParaRPr lang="en-GB"/>
+          </a:p>
+        </p:txBody>
+      </p:sp>
+      <p:sp>
+        <p:nvSpPr>
+          <p:cNvPr id="36" name="Rectangle 35"/>
+          <p:cNvSpPr/>
+          <p:nvPr/>
+        </p:nvSpPr>
+        <p:spPr>
+          <a:xfrm>
+            <a:off x="6264176" y="1350089"/>
+            <a:ext cx="549721" cy="640080"/>
+          </a:xfrm>
+          <a:prstGeom prst="rect">
+            <a:avLst/>
+          </a:prstGeom>
+          <a:solidFill>
+            <a:schemeClr val="tx1">
+              <a:lumMod val="75000"/>
+              <a:lumOff val="25000"/>
+            </a:schemeClr>
+          </a:solidFill>
+          <a:ln>
+            <a:solidFill>
+              <a:schemeClr val="tx1"/>
+            </a:solidFill>
+          </a:ln>
+        </p:spPr>
+        <p:style>
+          <a:lnRef idx="2">
+            <a:schemeClr val="accent1">
+              <a:shade val="50000"/>
+            </a:schemeClr>
+          </a:lnRef>
+          <a:fillRef idx="1">
+            <a:schemeClr val="accent1"/>
+          </a:fillRef>
+          <a:effectRef idx="0">
+            <a:schemeClr val="accent1"/>
+          </a:effectRef>
+          <a:fontRef idx="minor">
+            <a:schemeClr val="lt1"/>
+          </a:fontRef>
+        </p:style>
+        <p:txBody>
+          <a:bodyPr rtlCol="0" anchor="ctr"/>
+          <a:lstStyle/>
+          <a:p>
+            <a:pPr algn="ctr"/>
+            <a:r>
+              <a:rPr lang="en-GB" sz="1400" dirty="0" smtClean="0"/>
+              <a:t>CCD</a:t>
+            </a:r>
+            <a:endParaRPr lang="en-GB" sz="1400" dirty="0"/>
+          </a:p>
+        </p:txBody>
+      </p:sp>
+      <p:sp>
+        <p:nvSpPr>
+          <p:cNvPr id="49" name="Oval 48"/>
+          <p:cNvSpPr/>
+          <p:nvPr/>
+        </p:nvSpPr>
+        <p:spPr>
+          <a:xfrm>
+            <a:off x="6480614" y="1981216"/>
+            <a:ext cx="111760" cy="309880"/>
+          </a:xfrm>
+          <a:prstGeom prst="ellipse">
+            <a:avLst/>
+          </a:prstGeom>
+          <a:solidFill>
+            <a:schemeClr val="accent1">
+              <a:alpha val="50000"/>
+            </a:schemeClr>
+          </a:solidFill>
+          <a:scene3d>
+            <a:camera prst="orthographicFront">
+              <a:rot lat="0" lon="0" rev="5400000"/>
+            </a:camera>
+            <a:lightRig rig="threePt" dir="t"/>
+          </a:scene3d>
+        </p:spPr>
+        <p:style>
+          <a:lnRef idx="2">
+            <a:schemeClr val="accent1">
+              <a:shade val="50000"/>
+            </a:schemeClr>
+          </a:lnRef>
+          <a:fillRef idx="1">
+            <a:schemeClr val="accent1"/>
+          </a:fillRef>
+          <a:effectRef idx="0">
+            <a:schemeClr val="accent1"/>
+          </a:effectRef>
+          <a:fontRef idx="minor">
+            <a:schemeClr val="lt1"/>
+          </a:fontRef>
+        </p:style>
+        <p:txBody>
+          <a:bodyPr rtlCol="0" anchor="ctr"/>
+          <a:lstStyle/>
+          <a:p>
+            <a:pPr algn="ctr"/>
+            <a:endParaRPr lang="en-GB"/>
+          </a:p>
+        </p:txBody>
+      </p:sp>
+      <p:sp>
+        <p:nvSpPr>
+          <p:cNvPr id="50" name="Rectangle 49"/>
+          <p:cNvSpPr/>
+          <p:nvPr/>
+        </p:nvSpPr>
+        <p:spPr>
+          <a:xfrm>
+            <a:off x="3736221" y="5387771"/>
+            <a:ext cx="132080" cy="396240"/>
+          </a:xfrm>
+          <a:prstGeom prst="rect">
+            <a:avLst/>
+          </a:prstGeom>
+          <a:solidFill>
+            <a:schemeClr val="bg2">
+              <a:lumMod val="90000"/>
+            </a:schemeClr>
+          </a:solidFill>
+          <a:ln>
+            <a:solidFill>
+              <a:schemeClr val="bg1">
+                <a:lumMod val="75000"/>
+              </a:schemeClr>
+            </a:solidFill>
+          </a:ln>
+          <a:scene3d>
+            <a:camera prst="orthographicFront">
+              <a:rot lat="0" lon="0" rev="0"/>
+            </a:camera>
+            <a:lightRig rig="threePt" dir="t"/>
+          </a:scene3d>
+        </p:spPr>
+        <p:style>
+          <a:lnRef idx="2">
+            <a:schemeClr val="accent1">
+              <a:shade val="50000"/>
+            </a:schemeClr>
+          </a:lnRef>
+          <a:fillRef idx="1">
+            <a:schemeClr val="accent1"/>
+          </a:fillRef>
+          <a:effectRef idx="0">
+            <a:schemeClr val="accent1"/>
+          </a:effectRef>
+          <a:fontRef idx="minor">
+            <a:schemeClr val="lt1"/>
+          </a:fontRef>
+        </p:style>
+        <p:txBody>
+          <a:bodyPr rtlCol="0" anchor="ctr"/>
+          <a:lstStyle/>
+          <a:p>
+            <a:pPr algn="ctr"/>
+            <a:endParaRPr lang="en-GB"/>
+          </a:p>
+        </p:txBody>
+      </p:sp>
+      <p:sp>
+        <p:nvSpPr>
+          <p:cNvPr id="51" name="Rectangle 50"/>
+          <p:cNvSpPr/>
+          <p:nvPr/>
+        </p:nvSpPr>
+        <p:spPr>
+          <a:xfrm>
+            <a:off x="5303753" y="5387771"/>
+            <a:ext cx="132080" cy="396240"/>
+          </a:xfrm>
+          <a:prstGeom prst="rect">
+            <a:avLst/>
+          </a:prstGeom>
+          <a:solidFill>
+            <a:schemeClr val="accent1">
+              <a:lumMod val="50000"/>
+            </a:schemeClr>
+          </a:solidFill>
+          <a:ln>
+            <a:solidFill>
+              <a:schemeClr val="tx1"/>
+            </a:solidFill>
+          </a:ln>
+          <a:scene3d>
+            <a:camera prst="orthographicFront">
+              <a:rot lat="0" lon="0" rev="0"/>
+            </a:camera>
+            <a:lightRig rig="threePt" dir="t"/>
+          </a:scene3d>
+        </p:spPr>
+        <p:style>
+          <a:lnRef idx="2">
+            <a:schemeClr val="accent1">
+              <a:shade val="50000"/>
+            </a:schemeClr>
+          </a:lnRef>
+          <a:fillRef idx="1">
+            <a:schemeClr val="accent1"/>
+          </a:fillRef>
+          <a:effectRef idx="0">
+            <a:schemeClr val="accent1"/>
+          </a:effectRef>
+          <a:fontRef idx="minor">
+            <a:schemeClr val="lt1"/>
+          </a:fontRef>
+        </p:style>
+        <p:txBody>
+          <a:bodyPr rtlCol="0" anchor="ctr"/>
+          <a:lstStyle/>
+          <a:p>
+            <a:pPr algn="ctr"/>
+            <a:endParaRPr lang="en-GB"/>
+          </a:p>
+        </p:txBody>
+      </p:sp>
+      <p:sp>
+        <p:nvSpPr>
+          <p:cNvPr id="52" name="Rectangle 51"/>
+          <p:cNvSpPr/>
+          <p:nvPr/>
+        </p:nvSpPr>
+        <p:spPr>
+          <a:xfrm>
+            <a:off x="4392087" y="5396849"/>
+            <a:ext cx="132080" cy="396240"/>
+          </a:xfrm>
+          <a:prstGeom prst="rect">
+            <a:avLst/>
+          </a:prstGeom>
+          <a:solidFill>
+            <a:schemeClr val="accent1">
+              <a:alpha val="50000"/>
+            </a:schemeClr>
+          </a:solidFill>
+          <a:ln>
+            <a:solidFill>
+              <a:schemeClr val="accent1">
+                <a:lumMod val="75000"/>
+              </a:schemeClr>
+            </a:solidFill>
+          </a:ln>
+          <a:scene3d>
+            <a:camera prst="orthographicFront">
+              <a:rot lat="0" lon="0" rev="0"/>
+            </a:camera>
+            <a:lightRig rig="threePt" dir="t"/>
+          </a:scene3d>
+        </p:spPr>
+        <p:style>
+          <a:lnRef idx="2">
+            <a:schemeClr val="accent1">
+              <a:shade val="50000"/>
+            </a:schemeClr>
+          </a:lnRef>
+          <a:fillRef idx="1">
+            <a:schemeClr val="accent1"/>
+          </a:fillRef>
+          <a:effectRef idx="0">
+            <a:schemeClr val="accent1"/>
+          </a:effectRef>
+          <a:fontRef idx="minor">
+            <a:schemeClr val="lt1"/>
+          </a:fontRef>
+        </p:style>
+        <p:txBody>
+          <a:bodyPr rtlCol="0" anchor="ctr"/>
+          <a:lstStyle/>
+          <a:p>
+            <a:pPr algn="ctr"/>
+            <a:endParaRPr lang="en-GB"/>
+          </a:p>
+        </p:txBody>
+      </p:sp>
+      <p:sp>
+        <p:nvSpPr>
+          <p:cNvPr id="53" name="Oval 52"/>
+          <p:cNvSpPr/>
+          <p:nvPr/>
+        </p:nvSpPr>
+        <p:spPr>
+          <a:xfrm flipH="1">
+            <a:off x="3116635" y="5387771"/>
+            <a:ext cx="142906" cy="396240"/>
+          </a:xfrm>
+          <a:prstGeom prst="ellipse">
+            <a:avLst/>
+          </a:prstGeom>
+          <a:solidFill>
+            <a:schemeClr val="accent1">
+              <a:alpha val="50000"/>
+            </a:schemeClr>
+          </a:solidFill>
+        </p:spPr>
+        <p:style>
+          <a:lnRef idx="2">
+            <a:schemeClr val="accent1">
+              <a:shade val="50000"/>
+            </a:schemeClr>
+          </a:lnRef>
+          <a:fillRef idx="1">
+            <a:schemeClr val="accent1"/>
+          </a:fillRef>
+          <a:effectRef idx="0">
+            <a:schemeClr val="accent1"/>
+          </a:effectRef>
+          <a:fontRef idx="minor">
+            <a:schemeClr val="lt1"/>
+          </a:fontRef>
+        </p:style>
+        <p:txBody>
+          <a:bodyPr rtlCol="0" anchor="ctr"/>
+          <a:lstStyle/>
+          <a:p>
+            <a:pPr algn="ctr"/>
+            <a:endParaRPr lang="en-GB"/>
+          </a:p>
+        </p:txBody>
+      </p:sp>
+      <p:sp>
+        <p:nvSpPr>
+          <p:cNvPr id="54" name="Isosceles Triangle 53"/>
+          <p:cNvSpPr/>
+          <p:nvPr/>
+        </p:nvSpPr>
+        <p:spPr>
+          <a:xfrm>
+            <a:off x="6268964" y="5374706"/>
+            <a:ext cx="459638" cy="396240"/>
+          </a:xfrm>
+          <a:prstGeom prst="triangle">
+            <a:avLst/>
+          </a:prstGeom>
+          <a:solidFill>
+            <a:schemeClr val="bg1">
+              <a:lumMod val="75000"/>
+            </a:schemeClr>
+          </a:solidFill>
+          <a:ln>
+            <a:solidFill>
+              <a:schemeClr val="bg1">
+                <a:lumMod val="50000"/>
+              </a:schemeClr>
+            </a:solidFill>
+          </a:ln>
+          <a:scene3d>
+            <a:camera prst="orthographicFront">
+              <a:rot lat="0" lon="0" rev="0"/>
+            </a:camera>
+            <a:lightRig rig="threePt" dir="t"/>
+          </a:scene3d>
+        </p:spPr>
+        <p:style>
+          <a:lnRef idx="2">
+            <a:schemeClr val="accent1">
+              <a:shade val="50000"/>
+            </a:schemeClr>
+          </a:lnRef>
+          <a:fillRef idx="1">
+            <a:schemeClr val="accent1"/>
+          </a:fillRef>
+          <a:effectRef idx="0">
+            <a:schemeClr val="accent1"/>
+          </a:effectRef>
+          <a:fontRef idx="minor">
+            <a:schemeClr val="lt1"/>
+          </a:fontRef>
+        </p:style>
+        <p:txBody>
+          <a:bodyPr rtlCol="0" anchor="ctr"/>
+          <a:lstStyle/>
+          <a:p>
+            <a:pPr algn="ctr"/>
+            <a:endParaRPr lang="en-GB"/>
+          </a:p>
+        </p:txBody>
+      </p:sp>
+      <p:sp>
+        <p:nvSpPr>
+          <p:cNvPr id="55" name="TextBox 54"/>
+          <p:cNvSpPr txBox="1"/>
+          <p:nvPr/>
+        </p:nvSpPr>
+        <p:spPr>
+          <a:xfrm>
+            <a:off x="3415918" y="5784011"/>
+            <a:ext cx="727956" cy="338554"/>
+          </a:xfrm>
+          <a:prstGeom prst="rect">
+            <a:avLst/>
+          </a:prstGeom>
+          <a:noFill/>
+        </p:spPr>
+        <p:txBody>
+          <a:bodyPr wrap="none" rtlCol="0">
+            <a:spAutoFit/>
+          </a:bodyPr>
+          <a:lstStyle/>
+          <a:p>
+            <a:r>
+              <a:rPr lang="en-GB" sz="1600" dirty="0" smtClean="0"/>
+              <a:t>Mirror</a:t>
+            </a:r>
+            <a:endParaRPr lang="en-GB" sz="1600" dirty="0"/>
+          </a:p>
+        </p:txBody>
+      </p:sp>
+      <p:sp>
+        <p:nvSpPr>
+          <p:cNvPr id="56" name="TextBox 55"/>
+          <p:cNvSpPr txBox="1"/>
+          <p:nvPr/>
+        </p:nvSpPr>
+        <p:spPr>
+          <a:xfrm>
+            <a:off x="2924654" y="5784011"/>
+            <a:ext cx="561372" cy="338554"/>
+          </a:xfrm>
+          <a:prstGeom prst="rect">
+            <a:avLst/>
+          </a:prstGeom>
+          <a:noFill/>
+        </p:spPr>
+        <p:txBody>
+          <a:bodyPr wrap="none" rtlCol="0">
+            <a:spAutoFit/>
+          </a:bodyPr>
+          <a:lstStyle/>
+          <a:p>
+            <a:r>
+              <a:rPr lang="en-GB" sz="1600" dirty="0" smtClean="0"/>
+              <a:t>Lens</a:t>
+            </a:r>
+            <a:endParaRPr lang="en-GB" sz="1600" dirty="0"/>
+          </a:p>
+        </p:txBody>
+      </p:sp>
+      <p:sp>
+        <p:nvSpPr>
+          <p:cNvPr id="57" name="TextBox 56"/>
+          <p:cNvSpPr txBox="1"/>
+          <p:nvPr/>
+        </p:nvSpPr>
+        <p:spPr>
+          <a:xfrm>
+            <a:off x="4045600" y="5793089"/>
+            <a:ext cx="862608" cy="338554"/>
+          </a:xfrm>
+          <a:prstGeom prst="rect">
+            <a:avLst/>
+          </a:prstGeom>
+          <a:noFill/>
+        </p:spPr>
+        <p:txBody>
+          <a:bodyPr wrap="none" rtlCol="0">
+            <a:spAutoFit/>
+          </a:bodyPr>
+          <a:lstStyle/>
+          <a:p>
+            <a:r>
+              <a:rPr lang="en-GB" sz="1600" dirty="0" smtClean="0"/>
+              <a:t>Dichroic</a:t>
+            </a:r>
+            <a:endParaRPr lang="en-GB" sz="1600" dirty="0"/>
+          </a:p>
+        </p:txBody>
+      </p:sp>
+      <p:sp>
+        <p:nvSpPr>
+          <p:cNvPr id="58" name="TextBox 57"/>
+          <p:cNvSpPr txBox="1"/>
+          <p:nvPr/>
+        </p:nvSpPr>
+        <p:spPr>
+          <a:xfrm>
+            <a:off x="4829421" y="5793089"/>
+            <a:ext cx="1080744" cy="584775"/>
+          </a:xfrm>
+          <a:prstGeom prst="rect">
+            <a:avLst/>
+          </a:prstGeom>
+          <a:noFill/>
+        </p:spPr>
+        <p:txBody>
+          <a:bodyPr wrap="none" rtlCol="0">
+            <a:spAutoFit/>
+          </a:bodyPr>
+          <a:lstStyle/>
+          <a:p>
+            <a:pPr algn="ctr"/>
+            <a:r>
+              <a:rPr lang="en-GB" sz="1600" dirty="0" smtClean="0"/>
+              <a:t>Filter</a:t>
+            </a:r>
+          </a:p>
+          <a:p>
+            <a:pPr algn="ctr"/>
+            <a:r>
+              <a:rPr lang="en-GB" sz="1600" dirty="0" smtClean="0"/>
+              <a:t>(long pass)</a:t>
+            </a:r>
+            <a:endParaRPr lang="en-GB" sz="1600" dirty="0"/>
+          </a:p>
+        </p:txBody>
+      </p:sp>
+      <p:sp>
+        <p:nvSpPr>
+          <p:cNvPr id="59" name="TextBox 58"/>
+          <p:cNvSpPr txBox="1"/>
+          <p:nvPr/>
+        </p:nvSpPr>
+        <p:spPr>
+          <a:xfrm>
+            <a:off x="5884160" y="5784011"/>
+            <a:ext cx="1229247" cy="646331"/>
+          </a:xfrm>
+          <a:prstGeom prst="rect">
+            <a:avLst/>
+          </a:prstGeom>
+          <a:noFill/>
+        </p:spPr>
+        <p:txBody>
+          <a:bodyPr wrap="none" rtlCol="0">
+            <a:spAutoFit/>
+          </a:bodyPr>
+          <a:lstStyle/>
+          <a:p>
+            <a:pPr algn="ctr"/>
+            <a:r>
+              <a:rPr lang="en-GB" dirty="0" smtClean="0"/>
+              <a:t>Diffraction </a:t>
+            </a:r>
+          </a:p>
+          <a:p>
+            <a:pPr algn="ctr"/>
+            <a:r>
+              <a:rPr lang="en-GB" dirty="0" smtClean="0"/>
+              <a:t>grating</a:t>
+            </a:r>
+            <a:endParaRPr lang="en-GB" dirty="0"/>
+          </a:p>
+        </p:txBody>
+      </p:sp>
+      <p:sp>
+        <p:nvSpPr>
+          <p:cNvPr id="62" name="TextBox 61"/>
+          <p:cNvSpPr txBox="1"/>
+          <p:nvPr/>
+        </p:nvSpPr>
+        <p:spPr>
+          <a:xfrm>
+            <a:off x="4278535" y="5000187"/>
+            <a:ext cx="1033103" cy="307777"/>
+          </a:xfrm>
+          <a:prstGeom prst="rect">
+            <a:avLst/>
+          </a:prstGeom>
+          <a:noFill/>
+        </p:spPr>
+        <p:txBody>
+          <a:bodyPr wrap="none" rtlCol="0">
+            <a:spAutoFit/>
+          </a:bodyPr>
+          <a:lstStyle/>
+          <a:p>
+            <a:r>
+              <a:rPr lang="en-GB" sz="1400" dirty="0" smtClean="0"/>
+              <a:t>Microscope</a:t>
+            </a:r>
+            <a:endParaRPr lang="en-GB" sz="1400" dirty="0"/>
+          </a:p>
+        </p:txBody>
+      </p:sp>
+    </p:spTree>
+    <p:extLst>
+      <p:ext uri="{BB962C8B-B14F-4D97-AF65-F5344CB8AC3E}">
+        <p14:creationId xmlns:p14="http://schemas.microsoft.com/office/powerpoint/2010/main" val="1023342554"/>
       </p:ext>
     </p:extLst>
   </p:cSld>

--- a/Transfer Thesis Figures.pptx
+++ b/Transfer Thesis Figures.pptx
@@ -14,7 +14,7 @@
     <p:sldId id="262" r:id="rId5"/>
     <p:sldId id="260" r:id="rId6"/>
     <p:sldId id="261" r:id="rId7"/>
-    <p:sldId id="259" r:id="rId8"/>
+    <p:sldId id="263" r:id="rId8"/>
   </p:sldIdLst>
   <p:sldSz cx="12192000" cy="6858000"/>
   <p:notesSz cx="6858000" cy="9144000"/>
@@ -214,7 +214,7 @@
           <a:p>
             <a:fld id="{AF80148B-F47F-458D-AD6E-D10B702E967E}" type="datetimeFigureOut">
               <a:rPr lang="en-GB" smtClean="0"/>
-              <a:t>11/05/2018</a:t>
+              <a:t>12/05/2018</a:t>
             </a:fld>
             <a:endParaRPr lang="en-GB"/>
           </a:p>
@@ -697,7 +697,7 @@
           <a:p>
             <a:fld id="{984CDA32-28DD-447A-B6AF-64F315477357}" type="datetimeFigureOut">
               <a:rPr lang="en-GB" smtClean="0"/>
-              <a:t>10/05/2018</a:t>
+              <a:t>12/05/2018</a:t>
             </a:fld>
             <a:endParaRPr lang="en-GB"/>
           </a:p>
@@ -867,7 +867,7 @@
           <a:p>
             <a:fld id="{984CDA32-28DD-447A-B6AF-64F315477357}" type="datetimeFigureOut">
               <a:rPr lang="en-GB" smtClean="0"/>
-              <a:t>10/05/2018</a:t>
+              <a:t>12/05/2018</a:t>
             </a:fld>
             <a:endParaRPr lang="en-GB"/>
           </a:p>
@@ -1047,7 +1047,7 @@
           <a:p>
             <a:fld id="{984CDA32-28DD-447A-B6AF-64F315477357}" type="datetimeFigureOut">
               <a:rPr lang="en-GB" smtClean="0"/>
-              <a:t>10/05/2018</a:t>
+              <a:t>12/05/2018</a:t>
             </a:fld>
             <a:endParaRPr lang="en-GB"/>
           </a:p>
@@ -1217,7 +1217,7 @@
           <a:p>
             <a:fld id="{984CDA32-28DD-447A-B6AF-64F315477357}" type="datetimeFigureOut">
               <a:rPr lang="en-GB" smtClean="0"/>
-              <a:t>10/05/2018</a:t>
+              <a:t>12/05/2018</a:t>
             </a:fld>
             <a:endParaRPr lang="en-GB"/>
           </a:p>
@@ -1463,7 +1463,7 @@
           <a:p>
             <a:fld id="{984CDA32-28DD-447A-B6AF-64F315477357}" type="datetimeFigureOut">
               <a:rPr lang="en-GB" smtClean="0"/>
-              <a:t>10/05/2018</a:t>
+              <a:t>12/05/2018</a:t>
             </a:fld>
             <a:endParaRPr lang="en-GB"/>
           </a:p>
@@ -1695,7 +1695,7 @@
           <a:p>
             <a:fld id="{984CDA32-28DD-447A-B6AF-64F315477357}" type="datetimeFigureOut">
               <a:rPr lang="en-GB" smtClean="0"/>
-              <a:t>10/05/2018</a:t>
+              <a:t>12/05/2018</a:t>
             </a:fld>
             <a:endParaRPr lang="en-GB"/>
           </a:p>
@@ -2062,7 +2062,7 @@
           <a:p>
             <a:fld id="{984CDA32-28DD-447A-B6AF-64F315477357}" type="datetimeFigureOut">
               <a:rPr lang="en-GB" smtClean="0"/>
-              <a:t>10/05/2018</a:t>
+              <a:t>12/05/2018</a:t>
             </a:fld>
             <a:endParaRPr lang="en-GB"/>
           </a:p>
@@ -2180,7 +2180,7 @@
           <a:p>
             <a:fld id="{984CDA32-28DD-447A-B6AF-64F315477357}" type="datetimeFigureOut">
               <a:rPr lang="en-GB" smtClean="0"/>
-              <a:t>10/05/2018</a:t>
+              <a:t>12/05/2018</a:t>
             </a:fld>
             <a:endParaRPr lang="en-GB"/>
           </a:p>
@@ -2275,7 +2275,7 @@
           <a:p>
             <a:fld id="{984CDA32-28DD-447A-B6AF-64F315477357}" type="datetimeFigureOut">
               <a:rPr lang="en-GB" smtClean="0"/>
-              <a:t>10/05/2018</a:t>
+              <a:t>12/05/2018</a:t>
             </a:fld>
             <a:endParaRPr lang="en-GB"/>
           </a:p>
@@ -2552,7 +2552,7 @@
           <a:p>
             <a:fld id="{984CDA32-28DD-447A-B6AF-64F315477357}" type="datetimeFigureOut">
               <a:rPr lang="en-GB" smtClean="0"/>
-              <a:t>10/05/2018</a:t>
+              <a:t>12/05/2018</a:t>
             </a:fld>
             <a:endParaRPr lang="en-GB"/>
           </a:p>
@@ -2805,7 +2805,7 @@
           <a:p>
             <a:fld id="{984CDA32-28DD-447A-B6AF-64F315477357}" type="datetimeFigureOut">
               <a:rPr lang="en-GB" smtClean="0"/>
-              <a:t>10/05/2018</a:t>
+              <a:t>12/05/2018</a:t>
             </a:fld>
             <a:endParaRPr lang="en-GB"/>
           </a:p>
@@ -3018,7 +3018,7 @@
           <a:p>
             <a:fld id="{984CDA32-28DD-447A-B6AF-64F315477357}" type="datetimeFigureOut">
               <a:rPr lang="en-GB" smtClean="0"/>
-              <a:t>10/05/2018</a:t>
+              <a:t>12/05/2018</a:t>
             </a:fld>
             <a:endParaRPr lang="en-GB"/>
           </a:p>
@@ -10390,6 +10390,102 @@
               <a:t>Microscope</a:t>
             </a:r>
             <a:endParaRPr lang="en-GB" sz="1400" dirty="0"/>
+          </a:p>
+        </p:txBody>
+      </p:sp>
+      <p:sp>
+        <p:nvSpPr>
+          <p:cNvPr id="7" name="TextBox 6"/>
+          <p:cNvSpPr txBox="1"/>
+          <p:nvPr/>
+        </p:nvSpPr>
+        <p:spPr>
+          <a:xfrm>
+            <a:off x="8682182" y="1682576"/>
+            <a:ext cx="2100190" cy="923330"/>
+          </a:xfrm>
+          <a:prstGeom prst="rect">
+            <a:avLst/>
+          </a:prstGeom>
+          <a:noFill/>
+        </p:spPr>
+        <p:txBody>
+          <a:bodyPr wrap="none" rtlCol="0">
+            <a:spAutoFit/>
+          </a:bodyPr>
+          <a:lstStyle/>
+          <a:p>
+            <a:r>
+              <a:rPr lang="en-GB" dirty="0" smtClean="0"/>
+              <a:t>785 </a:t>
+            </a:r>
+            <a:r>
+              <a:rPr lang="en-GB" dirty="0" err="1" smtClean="0"/>
+              <a:t>RazorEdge</a:t>
+            </a:r>
+            <a:r>
+              <a:rPr lang="en-GB" dirty="0" smtClean="0"/>
+              <a:t> Filter</a:t>
+            </a:r>
+          </a:p>
+          <a:p>
+            <a:r>
+              <a:rPr lang="en-GB" dirty="0" smtClean="0"/>
+              <a:t># LPO2-785RU-25</a:t>
+            </a:r>
+            <a:endParaRPr lang="en-GB" dirty="0"/>
+          </a:p>
+          <a:p>
+            <a:endParaRPr lang="en-GB" dirty="0"/>
+          </a:p>
+        </p:txBody>
+      </p:sp>
+      <p:sp>
+        <p:nvSpPr>
+          <p:cNvPr id="10" name="TextBox 9"/>
+          <p:cNvSpPr txBox="1"/>
+          <p:nvPr/>
+        </p:nvSpPr>
+        <p:spPr>
+          <a:xfrm>
+            <a:off x="8488218" y="2456873"/>
+            <a:ext cx="3632085" cy="646331"/>
+          </a:xfrm>
+          <a:prstGeom prst="rect">
+            <a:avLst/>
+          </a:prstGeom>
+          <a:noFill/>
+        </p:spPr>
+        <p:txBody>
+          <a:bodyPr wrap="none" rtlCol="0">
+            <a:spAutoFit/>
+          </a:bodyPr>
+          <a:lstStyle/>
+          <a:p>
+            <a:r>
+              <a:rPr lang="en-GB" dirty="0" smtClean="0"/>
+              <a:t>785 </a:t>
+            </a:r>
+            <a:r>
+              <a:rPr lang="en-GB" dirty="0" err="1" smtClean="0"/>
+              <a:t>RazorEdge</a:t>
+            </a:r>
+            <a:r>
+              <a:rPr lang="en-GB" dirty="0" smtClean="0"/>
+              <a:t> Dichroic </a:t>
+            </a:r>
+            <a:r>
+              <a:rPr lang="en-GB" dirty="0" err="1" smtClean="0"/>
+              <a:t>Beamsplitter</a:t>
+            </a:r>
+            <a:endParaRPr lang="en-GB" dirty="0" smtClean="0"/>
+          </a:p>
+          <a:p>
+            <a:r>
+              <a:rPr lang="en-GB" dirty="0" smtClean="0"/>
+              <a:t># LPDO2-785RU-25</a:t>
+            </a:r>
+            <a:endParaRPr lang="en-GB" dirty="0"/>
           </a:p>
         </p:txBody>
       </p:sp>
@@ -22052,8 +22148,8 @@
           </a:fontRef>
         </p:style>
       </p:cxnSp>
-      <mc:AlternateContent xmlns:mc="http://schemas.openxmlformats.org/markup-compatibility/2006">
-        <mc:Choice xmlns:a14="http://schemas.microsoft.com/office/drawing/2010/main" Requires="a14">
+      <mc:AlternateContent xmlns:mc="http://schemas.openxmlformats.org/markup-compatibility/2006" xmlns:a14="http://schemas.microsoft.com/office/drawing/2010/main">
+        <mc:Choice Requires="a14">
           <p:sp>
             <p:nvSpPr>
               <p:cNvPr id="108" name="TextBox 107"/>
@@ -22076,6 +22172,7 @@
               </a:bodyPr>
               <a:lstStyle/>
               <a:p>
+                <a:pPr/>
                 <a14:m>
                   <m:oMathPara xmlns:m="http://schemas.openxmlformats.org/officeDocument/2006/math">
                     <m:oMathParaPr>
@@ -22130,7 +22227,7 @@
             </p:txBody>
           </p:sp>
         </mc:Choice>
-        <mc:Fallback>
+        <mc:Fallback xmlns="">
           <p:sp>
             <p:nvSpPr>
               <p:cNvPr id="108" name="TextBox 107"/>
@@ -22169,8 +22266,8 @@
           </p:sp>
         </mc:Fallback>
       </mc:AlternateContent>
-      <mc:AlternateContent xmlns:mc="http://schemas.openxmlformats.org/markup-compatibility/2006">
-        <mc:Choice xmlns:a14="http://schemas.microsoft.com/office/drawing/2010/main" Requires="a14">
+      <mc:AlternateContent xmlns:mc="http://schemas.openxmlformats.org/markup-compatibility/2006" xmlns:a14="http://schemas.microsoft.com/office/drawing/2010/main">
+        <mc:Choice Requires="a14">
           <p:sp>
             <p:nvSpPr>
               <p:cNvPr id="256" name="TextBox 255"/>
@@ -22193,6 +22290,7 @@
               </a:bodyPr>
               <a:lstStyle/>
               <a:p>
+                <a:pPr/>
                 <a14:m>
                   <m:oMathPara xmlns:m="http://schemas.openxmlformats.org/officeDocument/2006/math">
                     <m:oMathParaPr>
@@ -22254,7 +22352,7 @@
             </p:txBody>
           </p:sp>
         </mc:Choice>
-        <mc:Fallback>
+        <mc:Fallback xmlns="">
           <p:sp>
             <p:nvSpPr>
               <p:cNvPr id="256" name="TextBox 255"/>
@@ -22293,8 +22391,8 @@
           </p:sp>
         </mc:Fallback>
       </mc:AlternateContent>
-      <mc:AlternateContent xmlns:mc="http://schemas.openxmlformats.org/markup-compatibility/2006">
-        <mc:Choice xmlns:a14="http://schemas.microsoft.com/office/drawing/2010/main" Requires="a14">
+      <mc:AlternateContent xmlns:mc="http://schemas.openxmlformats.org/markup-compatibility/2006" xmlns:a14="http://schemas.microsoft.com/office/drawing/2010/main">
+        <mc:Choice Requires="a14">
           <p:sp>
             <p:nvSpPr>
               <p:cNvPr id="257" name="TextBox 256"/>
@@ -22317,6 +22415,7 @@
               </a:bodyPr>
               <a:lstStyle/>
               <a:p>
+                <a:pPr/>
                 <a14:m>
                   <m:oMathPara xmlns:m="http://schemas.openxmlformats.org/officeDocument/2006/math">
                     <m:oMathParaPr>
@@ -22378,7 +22477,7 @@
             </p:txBody>
           </p:sp>
         </mc:Choice>
-        <mc:Fallback>
+        <mc:Fallback xmlns="">
           <p:sp>
             <p:nvSpPr>
               <p:cNvPr id="257" name="TextBox 256"/>
@@ -22417,8 +22516,8 @@
           </p:sp>
         </mc:Fallback>
       </mc:AlternateContent>
-      <mc:AlternateContent xmlns:mc="http://schemas.openxmlformats.org/markup-compatibility/2006">
-        <mc:Choice xmlns:a14="http://schemas.microsoft.com/office/drawing/2010/main" Requires="a14">
+      <mc:AlternateContent xmlns:mc="http://schemas.openxmlformats.org/markup-compatibility/2006" xmlns:a14="http://schemas.microsoft.com/office/drawing/2010/main">
+        <mc:Choice Requires="a14">
           <p:sp>
             <p:nvSpPr>
               <p:cNvPr id="258" name="TextBox 257"/>
@@ -22441,6 +22540,7 @@
               </a:bodyPr>
               <a:lstStyle/>
               <a:p>
+                <a:pPr/>
                 <a14:m>
                   <m:oMathPara xmlns:m="http://schemas.openxmlformats.org/officeDocument/2006/math">
                     <m:oMathParaPr>
@@ -22495,7 +22595,7 @@
             </p:txBody>
           </p:sp>
         </mc:Choice>
-        <mc:Fallback>
+        <mc:Fallback xmlns="">
           <p:sp>
             <p:nvSpPr>
               <p:cNvPr id="258" name="TextBox 257"/>
@@ -22534,8 +22634,8 @@
           </p:sp>
         </mc:Fallback>
       </mc:AlternateContent>
-      <mc:AlternateContent xmlns:mc="http://schemas.openxmlformats.org/markup-compatibility/2006">
-        <mc:Choice xmlns:a14="http://schemas.microsoft.com/office/drawing/2010/main" Requires="a14">
+      <mc:AlternateContent xmlns:mc="http://schemas.openxmlformats.org/markup-compatibility/2006" xmlns:a14="http://schemas.microsoft.com/office/drawing/2010/main">
+        <mc:Choice Requires="a14">
           <p:sp>
             <p:nvSpPr>
               <p:cNvPr id="259" name="TextBox 258"/>
@@ -22558,6 +22658,7 @@
               </a:bodyPr>
               <a:lstStyle/>
               <a:p>
+                <a:pPr/>
                 <a14:m>
                   <m:oMathPara xmlns:m="http://schemas.openxmlformats.org/officeDocument/2006/math">
                     <m:oMathParaPr>
@@ -22619,7 +22720,7 @@
             </p:txBody>
           </p:sp>
         </mc:Choice>
-        <mc:Fallback>
+        <mc:Fallback xmlns="">
           <p:sp>
             <p:nvSpPr>
               <p:cNvPr id="259" name="TextBox 258"/>
@@ -22658,8 +22759,8 @@
           </p:sp>
         </mc:Fallback>
       </mc:AlternateContent>
-      <mc:AlternateContent xmlns:mc="http://schemas.openxmlformats.org/markup-compatibility/2006">
-        <mc:Choice xmlns:a14="http://schemas.microsoft.com/office/drawing/2010/main" Requires="a14">
+      <mc:AlternateContent xmlns:mc="http://schemas.openxmlformats.org/markup-compatibility/2006" xmlns:a14="http://schemas.microsoft.com/office/drawing/2010/main">
+        <mc:Choice Requires="a14">
           <p:sp>
             <p:nvSpPr>
               <p:cNvPr id="260" name="TextBox 259"/>
@@ -22682,6 +22783,7 @@
               </a:bodyPr>
               <a:lstStyle/>
               <a:p>
+                <a:pPr/>
                 <a14:m>
                   <m:oMathPara xmlns:m="http://schemas.openxmlformats.org/officeDocument/2006/math">
                     <m:oMathParaPr>
@@ -22736,7 +22838,7 @@
             </p:txBody>
           </p:sp>
         </mc:Choice>
-        <mc:Fallback>
+        <mc:Fallback xmlns="">
           <p:sp>
             <p:nvSpPr>
               <p:cNvPr id="260" name="TextBox 259"/>
@@ -25174,10 +25276,2070 @@
           <a:chExt cx="0" cy="0"/>
         </a:xfrm>
       </p:grpSpPr>
+      <p:sp>
+        <p:nvSpPr>
+          <p:cNvPr id="222" name="TextBox 221"/>
+          <p:cNvSpPr txBox="1"/>
+          <p:nvPr/>
+        </p:nvSpPr>
+        <p:spPr>
+          <a:xfrm>
+            <a:off x="3126982" y="-79142"/>
+            <a:ext cx="5938036" cy="1107996"/>
+          </a:xfrm>
+          <a:prstGeom prst="rect">
+            <a:avLst/>
+          </a:prstGeom>
+          <a:noFill/>
+        </p:spPr>
+        <p:txBody>
+          <a:bodyPr wrap="none" rtlCol="0">
+            <a:spAutoFit/>
+          </a:bodyPr>
+          <a:lstStyle/>
+          <a:p>
+            <a:r>
+              <a:rPr lang="en-GB" sz="6600" dirty="0" smtClean="0"/>
+              <a:t>NP Hybridisation</a:t>
+            </a:r>
+            <a:endParaRPr lang="en-GB" sz="6600" dirty="0"/>
+          </a:p>
+        </p:txBody>
+      </p:sp>
+      <p:sp>
+        <p:nvSpPr>
+          <p:cNvPr id="162" name="Oval 161"/>
+          <p:cNvSpPr/>
+          <p:nvPr/>
+        </p:nvSpPr>
+        <p:spPr>
+          <a:xfrm rot="9900000">
+            <a:off x="3510301" y="1971889"/>
+            <a:ext cx="1422400" cy="1422400"/>
+          </a:xfrm>
+          <a:prstGeom prst="ellipse">
+            <a:avLst/>
+          </a:prstGeom>
+          <a:solidFill>
+            <a:schemeClr val="accent4">
+              <a:lumMod val="75000"/>
+            </a:schemeClr>
+          </a:solidFill>
+          <a:ln>
+            <a:noFill/>
+          </a:ln>
+          <a:scene3d>
+            <a:camera prst="orthographicFront"/>
+            <a:lightRig rig="harsh" dir="t"/>
+          </a:scene3d>
+          <a:sp3d prstMaterial="metal">
+            <a:bevelT w="698500" h="698500"/>
+          </a:sp3d>
+        </p:spPr>
+        <p:style>
+          <a:lnRef idx="2">
+            <a:schemeClr val="accent1">
+              <a:shade val="50000"/>
+            </a:schemeClr>
+          </a:lnRef>
+          <a:fillRef idx="1">
+            <a:schemeClr val="accent1"/>
+          </a:fillRef>
+          <a:effectRef idx="0">
+            <a:schemeClr val="accent1"/>
+          </a:effectRef>
+          <a:fontRef idx="minor">
+            <a:schemeClr val="lt1"/>
+          </a:fontRef>
+        </p:style>
+        <p:txBody>
+          <a:bodyPr rtlCol="0" anchor="ctr"/>
+          <a:lstStyle/>
+          <a:p>
+            <a:pPr algn="ctr"/>
+            <a:endParaRPr lang="en-GB"/>
+          </a:p>
+        </p:txBody>
+      </p:sp>
+      <p:sp>
+        <p:nvSpPr>
+          <p:cNvPr id="72" name="Oval 71"/>
+          <p:cNvSpPr/>
+          <p:nvPr/>
+        </p:nvSpPr>
+        <p:spPr>
+          <a:xfrm rot="9900000">
+            <a:off x="6750462" y="1964269"/>
+            <a:ext cx="1422400" cy="1422400"/>
+          </a:xfrm>
+          <a:prstGeom prst="ellipse">
+            <a:avLst/>
+          </a:prstGeom>
+          <a:solidFill>
+            <a:schemeClr val="accent4">
+              <a:lumMod val="75000"/>
+            </a:schemeClr>
+          </a:solidFill>
+          <a:ln>
+            <a:noFill/>
+          </a:ln>
+          <a:scene3d>
+            <a:camera prst="orthographicFront"/>
+            <a:lightRig rig="harsh" dir="t"/>
+          </a:scene3d>
+          <a:sp3d prstMaterial="metal">
+            <a:bevelT w="698500" h="698500"/>
+          </a:sp3d>
+        </p:spPr>
+        <p:style>
+          <a:lnRef idx="2">
+            <a:schemeClr val="accent1">
+              <a:shade val="50000"/>
+            </a:schemeClr>
+          </a:lnRef>
+          <a:fillRef idx="1">
+            <a:schemeClr val="accent1"/>
+          </a:fillRef>
+          <a:effectRef idx="0">
+            <a:schemeClr val="accent1"/>
+          </a:effectRef>
+          <a:fontRef idx="minor">
+            <a:schemeClr val="lt1"/>
+          </a:fontRef>
+        </p:style>
+        <p:txBody>
+          <a:bodyPr rtlCol="0" anchor="ctr"/>
+          <a:lstStyle/>
+          <a:p>
+            <a:pPr algn="ctr"/>
+            <a:endParaRPr lang="en-GB"/>
+          </a:p>
+        </p:txBody>
+      </p:sp>
+      <p:cxnSp>
+        <p:nvCxnSpPr>
+          <p:cNvPr id="4" name="Straight Arrow Connector 3"/>
+          <p:cNvCxnSpPr/>
+          <p:nvPr/>
+        </p:nvCxnSpPr>
+        <p:spPr>
+          <a:xfrm flipH="1">
+            <a:off x="4221501" y="2683089"/>
+            <a:ext cx="3240162" cy="0"/>
+          </a:xfrm>
+          <a:prstGeom prst="straightConnector1">
+            <a:avLst/>
+          </a:prstGeom>
+          <a:ln w="44450">
+            <a:solidFill>
+              <a:schemeClr val="tx1"/>
+            </a:solidFill>
+            <a:headEnd type="triangle"/>
+            <a:tailEnd type="triangle"/>
+          </a:ln>
+        </p:spPr>
+        <p:style>
+          <a:lnRef idx="1">
+            <a:schemeClr val="accent1"/>
+          </a:lnRef>
+          <a:fillRef idx="0">
+            <a:schemeClr val="accent1"/>
+          </a:fillRef>
+          <a:effectRef idx="0">
+            <a:schemeClr val="accent1"/>
+          </a:effectRef>
+          <a:fontRef idx="minor">
+            <a:schemeClr val="tx1"/>
+          </a:fontRef>
+        </p:style>
+      </p:cxnSp>
+      <p:cxnSp>
+        <p:nvCxnSpPr>
+          <p:cNvPr id="75" name="Straight Arrow Connector 74"/>
+          <p:cNvCxnSpPr/>
+          <p:nvPr/>
+        </p:nvCxnSpPr>
+        <p:spPr>
+          <a:xfrm flipH="1" flipV="1">
+            <a:off x="4480050" y="2018030"/>
+            <a:ext cx="2888030" cy="657440"/>
+          </a:xfrm>
+          <a:prstGeom prst="straightConnector1">
+            <a:avLst/>
+          </a:prstGeom>
+          <a:ln w="44450">
+            <a:solidFill>
+              <a:schemeClr val="tx1"/>
+            </a:solidFill>
+            <a:tailEnd type="triangle"/>
+          </a:ln>
+        </p:spPr>
+        <p:style>
+          <a:lnRef idx="1">
+            <a:schemeClr val="accent1"/>
+          </a:lnRef>
+          <a:fillRef idx="0">
+            <a:schemeClr val="accent1"/>
+          </a:fillRef>
+          <a:effectRef idx="0">
+            <a:schemeClr val="accent1"/>
+          </a:effectRef>
+          <a:fontRef idx="minor">
+            <a:schemeClr val="tx1"/>
+          </a:fontRef>
+        </p:style>
+      </p:cxnSp>
+      <p:cxnSp>
+        <p:nvCxnSpPr>
+          <p:cNvPr id="77" name="Straight Arrow Connector 76"/>
+          <p:cNvCxnSpPr/>
+          <p:nvPr/>
+        </p:nvCxnSpPr>
+        <p:spPr>
+          <a:xfrm flipV="1">
+            <a:off x="4221501" y="2018030"/>
+            <a:ext cx="258549" cy="672680"/>
+          </a:xfrm>
+          <a:prstGeom prst="straightConnector1">
+            <a:avLst/>
+          </a:prstGeom>
+          <a:ln w="44450">
+            <a:solidFill>
+              <a:schemeClr val="tx1"/>
+            </a:solidFill>
+            <a:tailEnd type="triangle"/>
+          </a:ln>
+        </p:spPr>
+        <p:style>
+          <a:lnRef idx="1">
+            <a:schemeClr val="accent1"/>
+          </a:lnRef>
+          <a:fillRef idx="0">
+            <a:schemeClr val="accent1"/>
+          </a:fillRef>
+          <a:effectRef idx="0">
+            <a:schemeClr val="accent1"/>
+          </a:effectRef>
+          <a:fontRef idx="minor">
+            <a:schemeClr val="tx1"/>
+          </a:fontRef>
+        </p:style>
+      </p:cxnSp>
+      <p:sp>
+        <p:nvSpPr>
+          <p:cNvPr id="14" name="Arc 13"/>
+          <p:cNvSpPr/>
+          <p:nvPr/>
+        </p:nvSpPr>
+        <p:spPr>
+          <a:xfrm rot="900000">
+            <a:off x="4081664" y="2469625"/>
+            <a:ext cx="358140" cy="358140"/>
+          </a:xfrm>
+          <a:prstGeom prst="arc">
+            <a:avLst/>
+          </a:prstGeom>
+          <a:ln w="25400">
+            <a:solidFill>
+              <a:schemeClr val="tx1"/>
+            </a:solidFill>
+          </a:ln>
+        </p:spPr>
+        <p:style>
+          <a:lnRef idx="1">
+            <a:schemeClr val="accent1"/>
+          </a:lnRef>
+          <a:fillRef idx="0">
+            <a:schemeClr val="accent1"/>
+          </a:fillRef>
+          <a:effectRef idx="0">
+            <a:schemeClr val="accent1"/>
+          </a:effectRef>
+          <a:fontRef idx="minor">
+            <a:schemeClr val="tx1"/>
+          </a:fontRef>
+        </p:style>
+        <p:txBody>
+          <a:bodyPr rtlCol="0" anchor="ctr"/>
+          <a:lstStyle/>
+          <a:p>
+            <a:pPr algn="ctr"/>
+            <a:endParaRPr lang="en-GB"/>
+          </a:p>
+        </p:txBody>
+      </p:sp>
+      <p:sp>
+        <p:nvSpPr>
+          <p:cNvPr id="15" name="Arc 14"/>
+          <p:cNvSpPr/>
+          <p:nvPr/>
+        </p:nvSpPr>
+        <p:spPr>
+          <a:xfrm rot="14400000">
+            <a:off x="6661338" y="2515344"/>
+            <a:ext cx="200660" cy="200660"/>
+          </a:xfrm>
+          <a:prstGeom prst="arc">
+            <a:avLst/>
+          </a:prstGeom>
+          <a:ln w="25400">
+            <a:solidFill>
+              <a:schemeClr val="tx1"/>
+            </a:solidFill>
+          </a:ln>
+        </p:spPr>
+        <p:style>
+          <a:lnRef idx="1">
+            <a:schemeClr val="accent1"/>
+          </a:lnRef>
+          <a:fillRef idx="0">
+            <a:schemeClr val="accent1"/>
+          </a:fillRef>
+          <a:effectRef idx="0">
+            <a:schemeClr val="accent1"/>
+          </a:effectRef>
+          <a:fontRef idx="minor">
+            <a:schemeClr val="tx1"/>
+          </a:fontRef>
+        </p:style>
+        <p:txBody>
+          <a:bodyPr rtlCol="0" anchor="ctr"/>
+          <a:lstStyle/>
+          <a:p>
+            <a:pPr algn="ctr"/>
+            <a:endParaRPr lang="en-GB"/>
+          </a:p>
+        </p:txBody>
+      </p:sp>
+      <p:sp>
+        <p:nvSpPr>
+          <p:cNvPr id="16" name="TextBox 15"/>
+          <p:cNvSpPr txBox="1"/>
+          <p:nvPr/>
+        </p:nvSpPr>
+        <p:spPr>
+          <a:xfrm>
+            <a:off x="6505079" y="2648695"/>
+            <a:ext cx="308098" cy="307777"/>
+          </a:xfrm>
+          <a:prstGeom prst="rect">
+            <a:avLst/>
+          </a:prstGeom>
+          <a:noFill/>
+        </p:spPr>
+        <p:txBody>
+          <a:bodyPr wrap="none" rtlCol="0">
+            <a:spAutoFit/>
+          </a:bodyPr>
+          <a:lstStyle/>
+          <a:p>
+            <a:r>
+              <a:rPr lang="el-GR" sz="1400" dirty="0" smtClean="0"/>
+              <a:t>θ</a:t>
+            </a:r>
+            <a:r>
+              <a:rPr lang="en-GB" sz="1400" baseline="-25000" dirty="0" smtClean="0"/>
+              <a:t>i</a:t>
+            </a:r>
+            <a:endParaRPr lang="en-GB" sz="1400" baseline="-25000" dirty="0"/>
+          </a:p>
+        </p:txBody>
+      </p:sp>
+      <p:sp>
+        <p:nvSpPr>
+          <p:cNvPr id="98" name="TextBox 97"/>
+          <p:cNvSpPr txBox="1"/>
+          <p:nvPr/>
+        </p:nvSpPr>
+        <p:spPr>
+          <a:xfrm>
+            <a:off x="4367933" y="2377369"/>
+            <a:ext cx="308098" cy="307777"/>
+          </a:xfrm>
+          <a:prstGeom prst="rect">
+            <a:avLst/>
+          </a:prstGeom>
+          <a:noFill/>
+        </p:spPr>
+        <p:txBody>
+          <a:bodyPr wrap="none" rtlCol="0">
+            <a:spAutoFit/>
+          </a:bodyPr>
+          <a:lstStyle/>
+          <a:p>
+            <a:r>
+              <a:rPr lang="el-GR" sz="1400" dirty="0" smtClean="0"/>
+              <a:t>θ</a:t>
+            </a:r>
+            <a:r>
+              <a:rPr lang="en-GB" sz="1400" baseline="-25000" dirty="0" smtClean="0"/>
+              <a:t>j</a:t>
+            </a:r>
+            <a:endParaRPr lang="en-GB" sz="1400" baseline="-25000" dirty="0"/>
+          </a:p>
+        </p:txBody>
+      </p:sp>
+      <p:cxnSp>
+        <p:nvCxnSpPr>
+          <p:cNvPr id="28" name="Straight Connector 27"/>
+          <p:cNvCxnSpPr/>
+          <p:nvPr/>
+        </p:nvCxnSpPr>
+        <p:spPr>
+          <a:xfrm>
+            <a:off x="3833264" y="3573272"/>
+            <a:ext cx="646786" cy="0"/>
+          </a:xfrm>
+          <a:prstGeom prst="line">
+            <a:avLst/>
+          </a:prstGeom>
+          <a:ln w="31750">
+            <a:solidFill>
+              <a:schemeClr val="tx1"/>
+            </a:solidFill>
+          </a:ln>
+        </p:spPr>
+        <p:style>
+          <a:lnRef idx="1">
+            <a:schemeClr val="accent1"/>
+          </a:lnRef>
+          <a:fillRef idx="0">
+            <a:schemeClr val="accent1"/>
+          </a:fillRef>
+          <a:effectRef idx="0">
+            <a:schemeClr val="accent1"/>
+          </a:effectRef>
+          <a:fontRef idx="minor">
+            <a:schemeClr val="tx1"/>
+          </a:fontRef>
+        </p:style>
+      </p:cxnSp>
+      <p:cxnSp>
+        <p:nvCxnSpPr>
+          <p:cNvPr id="104" name="Straight Connector 103"/>
+          <p:cNvCxnSpPr/>
+          <p:nvPr/>
+        </p:nvCxnSpPr>
+        <p:spPr>
+          <a:xfrm>
+            <a:off x="3833264" y="3725672"/>
+            <a:ext cx="646786" cy="0"/>
+          </a:xfrm>
+          <a:prstGeom prst="line">
+            <a:avLst/>
+          </a:prstGeom>
+          <a:ln w="31750">
+            <a:solidFill>
+              <a:schemeClr val="tx1"/>
+            </a:solidFill>
+          </a:ln>
+        </p:spPr>
+        <p:style>
+          <a:lnRef idx="1">
+            <a:schemeClr val="accent1"/>
+          </a:lnRef>
+          <a:fillRef idx="0">
+            <a:schemeClr val="accent1"/>
+          </a:fillRef>
+          <a:effectRef idx="0">
+            <a:schemeClr val="accent1"/>
+          </a:effectRef>
+          <a:fontRef idx="minor">
+            <a:schemeClr val="tx1"/>
+          </a:fontRef>
+        </p:style>
+      </p:cxnSp>
+      <p:cxnSp>
+        <p:nvCxnSpPr>
+          <p:cNvPr id="115" name="Straight Connector 114"/>
+          <p:cNvCxnSpPr/>
+          <p:nvPr/>
+        </p:nvCxnSpPr>
+        <p:spPr>
+          <a:xfrm>
+            <a:off x="7138270" y="5133340"/>
+            <a:ext cx="646786" cy="0"/>
+          </a:xfrm>
+          <a:prstGeom prst="line">
+            <a:avLst/>
+          </a:prstGeom>
+          <a:ln w="31750">
+            <a:solidFill>
+              <a:schemeClr val="tx1"/>
+            </a:solidFill>
+          </a:ln>
+        </p:spPr>
+        <p:style>
+          <a:lnRef idx="1">
+            <a:schemeClr val="accent1"/>
+          </a:lnRef>
+          <a:fillRef idx="0">
+            <a:schemeClr val="accent1"/>
+          </a:fillRef>
+          <a:effectRef idx="0">
+            <a:schemeClr val="accent1"/>
+          </a:effectRef>
+          <a:fontRef idx="minor">
+            <a:schemeClr val="tx1"/>
+          </a:fontRef>
+        </p:style>
+      </p:cxnSp>
+      <p:cxnSp>
+        <p:nvCxnSpPr>
+          <p:cNvPr id="118" name="Straight Connector 117"/>
+          <p:cNvCxnSpPr/>
+          <p:nvPr/>
+        </p:nvCxnSpPr>
+        <p:spPr>
+          <a:xfrm>
+            <a:off x="5443624" y="4934712"/>
+            <a:ext cx="747165" cy="0"/>
+          </a:xfrm>
+          <a:prstGeom prst="line">
+            <a:avLst/>
+          </a:prstGeom>
+          <a:ln w="31750">
+            <a:solidFill>
+              <a:schemeClr val="accent2">
+                <a:lumMod val="50000"/>
+              </a:schemeClr>
+            </a:solidFill>
+          </a:ln>
+        </p:spPr>
+        <p:style>
+          <a:lnRef idx="1">
+            <a:schemeClr val="accent1"/>
+          </a:lnRef>
+          <a:fillRef idx="0">
+            <a:schemeClr val="accent1"/>
+          </a:fillRef>
+          <a:effectRef idx="0">
+            <a:schemeClr val="accent1"/>
+          </a:effectRef>
+          <a:fontRef idx="minor">
+            <a:schemeClr val="tx1"/>
+          </a:fontRef>
+        </p:style>
+      </p:cxnSp>
+      <p:cxnSp>
+        <p:nvCxnSpPr>
+          <p:cNvPr id="119" name="Straight Connector 118"/>
+          <p:cNvCxnSpPr/>
+          <p:nvPr/>
+        </p:nvCxnSpPr>
+        <p:spPr>
+          <a:xfrm>
+            <a:off x="5443624" y="5569712"/>
+            <a:ext cx="747165" cy="0"/>
+          </a:xfrm>
+          <a:prstGeom prst="line">
+            <a:avLst/>
+          </a:prstGeom>
+          <a:ln w="31750">
+            <a:solidFill>
+              <a:schemeClr val="accent2">
+                <a:lumMod val="50000"/>
+              </a:schemeClr>
+            </a:solidFill>
+          </a:ln>
+        </p:spPr>
+        <p:style>
+          <a:lnRef idx="1">
+            <a:schemeClr val="accent1"/>
+          </a:lnRef>
+          <a:fillRef idx="0">
+            <a:schemeClr val="accent1"/>
+          </a:fillRef>
+          <a:effectRef idx="0">
+            <a:schemeClr val="accent1"/>
+          </a:effectRef>
+          <a:fontRef idx="minor">
+            <a:schemeClr val="tx1"/>
+          </a:fontRef>
+        </p:style>
+      </p:cxnSp>
+      <p:cxnSp>
+        <p:nvCxnSpPr>
+          <p:cNvPr id="107" name="Straight Connector 106"/>
+          <p:cNvCxnSpPr/>
+          <p:nvPr/>
+        </p:nvCxnSpPr>
+        <p:spPr>
+          <a:xfrm>
+            <a:off x="3833264" y="4152392"/>
+            <a:ext cx="646786" cy="0"/>
+          </a:xfrm>
+          <a:prstGeom prst="line">
+            <a:avLst/>
+          </a:prstGeom>
+          <a:ln w="31750">
+            <a:solidFill>
+              <a:schemeClr val="tx1"/>
+            </a:solidFill>
+          </a:ln>
+        </p:spPr>
+        <p:style>
+          <a:lnRef idx="1">
+            <a:schemeClr val="accent1"/>
+          </a:lnRef>
+          <a:fillRef idx="0">
+            <a:schemeClr val="accent1"/>
+          </a:fillRef>
+          <a:effectRef idx="0">
+            <a:schemeClr val="accent1"/>
+          </a:effectRef>
+          <a:fontRef idx="minor">
+            <a:schemeClr val="tx1"/>
+          </a:fontRef>
+        </p:style>
+      </p:cxnSp>
+      <p:cxnSp>
+        <p:nvCxnSpPr>
+          <p:cNvPr id="116" name="Straight Connector 115"/>
+          <p:cNvCxnSpPr/>
+          <p:nvPr/>
+        </p:nvCxnSpPr>
+        <p:spPr>
+          <a:xfrm>
+            <a:off x="5443624" y="3913632"/>
+            <a:ext cx="747165" cy="0"/>
+          </a:xfrm>
+          <a:prstGeom prst="line">
+            <a:avLst/>
+          </a:prstGeom>
+          <a:ln w="31750">
+            <a:solidFill>
+              <a:schemeClr val="tx1"/>
+            </a:solidFill>
+          </a:ln>
+        </p:spPr>
+        <p:style>
+          <a:lnRef idx="1">
+            <a:schemeClr val="accent1"/>
+          </a:lnRef>
+          <a:fillRef idx="0">
+            <a:schemeClr val="accent1"/>
+          </a:fillRef>
+          <a:effectRef idx="0">
+            <a:schemeClr val="accent1"/>
+          </a:effectRef>
+          <a:fontRef idx="minor">
+            <a:schemeClr val="tx1"/>
+          </a:fontRef>
+        </p:style>
+      </p:cxnSp>
+      <p:cxnSp>
+        <p:nvCxnSpPr>
+          <p:cNvPr id="30" name="Straight Connector 29"/>
+          <p:cNvCxnSpPr/>
+          <p:nvPr/>
+        </p:nvCxnSpPr>
+        <p:spPr>
+          <a:xfrm flipV="1">
+            <a:off x="4480050" y="3913632"/>
+            <a:ext cx="963574" cy="238760"/>
+          </a:xfrm>
+          <a:prstGeom prst="line">
+            <a:avLst/>
+          </a:prstGeom>
+          <a:ln w="19050">
+            <a:solidFill>
+              <a:schemeClr val="tx1"/>
+            </a:solidFill>
+            <a:prstDash val="dash"/>
+          </a:ln>
+        </p:spPr>
+        <p:style>
+          <a:lnRef idx="1">
+            <a:schemeClr val="accent1"/>
+          </a:lnRef>
+          <a:fillRef idx="0">
+            <a:schemeClr val="accent1"/>
+          </a:fillRef>
+          <a:effectRef idx="0">
+            <a:schemeClr val="accent1"/>
+          </a:effectRef>
+          <a:fontRef idx="minor">
+            <a:schemeClr val="tx1"/>
+          </a:fontRef>
+        </p:style>
+      </p:cxnSp>
+      <p:cxnSp>
+        <p:nvCxnSpPr>
+          <p:cNvPr id="123" name="Straight Connector 122"/>
+          <p:cNvCxnSpPr/>
+          <p:nvPr/>
+        </p:nvCxnSpPr>
+        <p:spPr>
+          <a:xfrm>
+            <a:off x="5443624" y="4404393"/>
+            <a:ext cx="714667" cy="0"/>
+          </a:xfrm>
+          <a:prstGeom prst="line">
+            <a:avLst/>
+          </a:prstGeom>
+          <a:ln w="31750">
+            <a:solidFill>
+              <a:schemeClr val="tx1"/>
+            </a:solidFill>
+          </a:ln>
+          <a:scene3d>
+            <a:camera prst="orthographicFront">
+              <a:rot lat="0" lon="0" rev="10800000"/>
+            </a:camera>
+            <a:lightRig rig="threePt" dir="t"/>
+          </a:scene3d>
+        </p:spPr>
+        <p:style>
+          <a:lnRef idx="1">
+            <a:schemeClr val="accent1"/>
+          </a:lnRef>
+          <a:fillRef idx="0">
+            <a:schemeClr val="accent1"/>
+          </a:fillRef>
+          <a:effectRef idx="0">
+            <a:schemeClr val="accent1"/>
+          </a:effectRef>
+          <a:fontRef idx="minor">
+            <a:schemeClr val="tx1"/>
+          </a:fontRef>
+        </p:style>
+      </p:cxnSp>
+      <p:cxnSp>
+        <p:nvCxnSpPr>
+          <p:cNvPr id="125" name="Straight Connector 124"/>
+          <p:cNvCxnSpPr/>
+          <p:nvPr/>
+        </p:nvCxnSpPr>
+        <p:spPr>
+          <a:xfrm flipV="1">
+            <a:off x="6158291" y="4165633"/>
+            <a:ext cx="963574" cy="238760"/>
+          </a:xfrm>
+          <a:prstGeom prst="line">
+            <a:avLst/>
+          </a:prstGeom>
+          <a:ln w="19050">
+            <a:solidFill>
+              <a:schemeClr val="tx1"/>
+            </a:solidFill>
+            <a:prstDash val="dash"/>
+          </a:ln>
+          <a:scene3d>
+            <a:camera prst="orthographicFront">
+              <a:rot lat="0" lon="0" rev="10800000"/>
+            </a:camera>
+            <a:lightRig rig="threePt" dir="t"/>
+          </a:scene3d>
+        </p:spPr>
+        <p:style>
+          <a:lnRef idx="1">
+            <a:schemeClr val="accent1"/>
+          </a:lnRef>
+          <a:fillRef idx="0">
+            <a:schemeClr val="accent1"/>
+          </a:fillRef>
+          <a:effectRef idx="0">
+            <a:schemeClr val="accent1"/>
+          </a:effectRef>
+          <a:fontRef idx="minor">
+            <a:schemeClr val="tx1"/>
+          </a:fontRef>
+        </p:style>
+      </p:cxnSp>
+      <p:cxnSp>
+        <p:nvCxnSpPr>
+          <p:cNvPr id="126" name="Straight Connector 125"/>
+          <p:cNvCxnSpPr/>
+          <p:nvPr/>
+        </p:nvCxnSpPr>
+        <p:spPr>
+          <a:xfrm>
+            <a:off x="4480050" y="4149678"/>
+            <a:ext cx="979979" cy="254715"/>
+          </a:xfrm>
+          <a:prstGeom prst="line">
+            <a:avLst/>
+          </a:prstGeom>
+          <a:ln w="19050">
+            <a:solidFill>
+              <a:schemeClr val="tx1"/>
+            </a:solidFill>
+            <a:prstDash val="dash"/>
+          </a:ln>
+        </p:spPr>
+        <p:style>
+          <a:lnRef idx="1">
+            <a:schemeClr val="accent1"/>
+          </a:lnRef>
+          <a:fillRef idx="0">
+            <a:schemeClr val="accent1"/>
+          </a:fillRef>
+          <a:effectRef idx="0">
+            <a:schemeClr val="accent1"/>
+          </a:effectRef>
+          <a:fontRef idx="minor">
+            <a:schemeClr val="tx1"/>
+          </a:fontRef>
+        </p:style>
+      </p:cxnSp>
+      <p:cxnSp>
+        <p:nvCxnSpPr>
+          <p:cNvPr id="127" name="Straight Connector 126"/>
+          <p:cNvCxnSpPr/>
+          <p:nvPr/>
+        </p:nvCxnSpPr>
+        <p:spPr>
+          <a:xfrm>
+            <a:off x="6190789" y="3916861"/>
+            <a:ext cx="953079" cy="247723"/>
+          </a:xfrm>
+          <a:prstGeom prst="line">
+            <a:avLst/>
+          </a:prstGeom>
+          <a:ln w="19050">
+            <a:solidFill>
+              <a:schemeClr val="tx1"/>
+            </a:solidFill>
+            <a:prstDash val="dash"/>
+          </a:ln>
+        </p:spPr>
+        <p:style>
+          <a:lnRef idx="1">
+            <a:schemeClr val="accent1"/>
+          </a:lnRef>
+          <a:fillRef idx="0">
+            <a:schemeClr val="accent1"/>
+          </a:fillRef>
+          <a:effectRef idx="0">
+            <a:schemeClr val="accent1"/>
+          </a:effectRef>
+          <a:fontRef idx="minor">
+            <a:schemeClr val="tx1"/>
+          </a:fontRef>
+        </p:style>
+      </p:cxnSp>
+      <p:cxnSp>
+        <p:nvCxnSpPr>
+          <p:cNvPr id="128" name="Straight Connector 127"/>
+          <p:cNvCxnSpPr/>
+          <p:nvPr/>
+        </p:nvCxnSpPr>
+        <p:spPr>
+          <a:xfrm flipV="1">
+            <a:off x="4477890" y="4934712"/>
+            <a:ext cx="965734" cy="186436"/>
+          </a:xfrm>
+          <a:prstGeom prst="line">
+            <a:avLst/>
+          </a:prstGeom>
+          <a:ln w="19050">
+            <a:solidFill>
+              <a:schemeClr val="accent2">
+                <a:lumMod val="50000"/>
+              </a:schemeClr>
+            </a:solidFill>
+            <a:prstDash val="dash"/>
+          </a:ln>
+        </p:spPr>
+        <p:style>
+          <a:lnRef idx="1">
+            <a:schemeClr val="accent1"/>
+          </a:lnRef>
+          <a:fillRef idx="0">
+            <a:schemeClr val="accent1"/>
+          </a:fillRef>
+          <a:effectRef idx="0">
+            <a:schemeClr val="accent1"/>
+          </a:effectRef>
+          <a:fontRef idx="minor">
+            <a:schemeClr val="tx1"/>
+          </a:fontRef>
+        </p:style>
+      </p:cxnSp>
+      <p:cxnSp>
+        <p:nvCxnSpPr>
+          <p:cNvPr id="130" name="Straight Connector 129"/>
+          <p:cNvCxnSpPr/>
+          <p:nvPr/>
+        </p:nvCxnSpPr>
+        <p:spPr>
+          <a:xfrm>
+            <a:off x="6174540" y="4934712"/>
+            <a:ext cx="963730" cy="198628"/>
+          </a:xfrm>
+          <a:prstGeom prst="line">
+            <a:avLst/>
+          </a:prstGeom>
+          <a:ln w="19050">
+            <a:solidFill>
+              <a:schemeClr val="accent2">
+                <a:lumMod val="50000"/>
+              </a:schemeClr>
+            </a:solidFill>
+            <a:prstDash val="dash"/>
+          </a:ln>
+        </p:spPr>
+        <p:style>
+          <a:lnRef idx="1">
+            <a:schemeClr val="accent1"/>
+          </a:lnRef>
+          <a:fillRef idx="0">
+            <a:schemeClr val="accent1"/>
+          </a:fillRef>
+          <a:effectRef idx="0">
+            <a:schemeClr val="accent1"/>
+          </a:effectRef>
+          <a:fontRef idx="minor">
+            <a:schemeClr val="tx1"/>
+          </a:fontRef>
+        </p:style>
+      </p:cxnSp>
+      <p:cxnSp>
+        <p:nvCxnSpPr>
+          <p:cNvPr id="133" name="Straight Connector 132"/>
+          <p:cNvCxnSpPr/>
+          <p:nvPr/>
+        </p:nvCxnSpPr>
+        <p:spPr>
+          <a:xfrm flipV="1">
+            <a:off x="6174384" y="5132815"/>
+            <a:ext cx="980135" cy="436897"/>
+          </a:xfrm>
+          <a:prstGeom prst="line">
+            <a:avLst/>
+          </a:prstGeom>
+          <a:ln w="19050">
+            <a:solidFill>
+              <a:schemeClr val="accent2">
+                <a:lumMod val="50000"/>
+              </a:schemeClr>
+            </a:solidFill>
+            <a:prstDash val="dash"/>
+          </a:ln>
+        </p:spPr>
+        <p:style>
+          <a:lnRef idx="1">
+            <a:schemeClr val="accent1"/>
+          </a:lnRef>
+          <a:fillRef idx="0">
+            <a:schemeClr val="accent1"/>
+          </a:fillRef>
+          <a:effectRef idx="0">
+            <a:schemeClr val="accent1"/>
+          </a:effectRef>
+          <a:fontRef idx="minor">
+            <a:schemeClr val="tx1"/>
+          </a:fontRef>
+        </p:style>
+      </p:cxnSp>
+      <p:cxnSp>
+        <p:nvCxnSpPr>
+          <p:cNvPr id="137" name="Straight Connector 136"/>
+          <p:cNvCxnSpPr/>
+          <p:nvPr/>
+        </p:nvCxnSpPr>
+        <p:spPr>
+          <a:xfrm>
+            <a:off x="4477890" y="5121148"/>
+            <a:ext cx="965734" cy="448564"/>
+          </a:xfrm>
+          <a:prstGeom prst="line">
+            <a:avLst/>
+          </a:prstGeom>
+          <a:ln w="19050">
+            <a:solidFill>
+              <a:schemeClr val="accent2">
+                <a:lumMod val="50000"/>
+              </a:schemeClr>
+            </a:solidFill>
+            <a:prstDash val="dash"/>
+          </a:ln>
+        </p:spPr>
+        <p:style>
+          <a:lnRef idx="1">
+            <a:schemeClr val="accent1"/>
+          </a:lnRef>
+          <a:fillRef idx="0">
+            <a:schemeClr val="accent1"/>
+          </a:fillRef>
+          <a:effectRef idx="0">
+            <a:schemeClr val="accent1"/>
+          </a:effectRef>
+          <a:fontRef idx="minor">
+            <a:schemeClr val="tx1"/>
+          </a:fontRef>
+        </p:style>
+      </p:cxnSp>
+      <p:grpSp>
+        <p:nvGrpSpPr>
+          <p:cNvPr id="287" name="Group 286"/>
+          <p:cNvGrpSpPr/>
+          <p:nvPr/>
+        </p:nvGrpSpPr>
+        <p:grpSpPr>
+          <a:xfrm>
+            <a:off x="5469950" y="4602495"/>
+            <a:ext cx="306475" cy="306475"/>
+            <a:chOff x="5489804" y="3894559"/>
+            <a:chExt cx="306475" cy="306475"/>
+          </a:xfrm>
+        </p:grpSpPr>
+        <p:sp>
+          <p:nvSpPr>
+            <p:cNvPr id="281" name="Oval 280"/>
+            <p:cNvSpPr/>
+            <p:nvPr/>
+          </p:nvSpPr>
+          <p:spPr>
+            <a:xfrm>
+              <a:off x="5489804" y="3894559"/>
+              <a:ext cx="306475" cy="306475"/>
+            </a:xfrm>
+            <a:prstGeom prst="ellipse">
+              <a:avLst/>
+            </a:prstGeom>
+            <a:solidFill>
+              <a:schemeClr val="accent4">
+                <a:lumMod val="60000"/>
+                <a:lumOff val="40000"/>
+              </a:schemeClr>
+            </a:solidFill>
+            <a:ln>
+              <a:solidFill>
+                <a:schemeClr val="accent4">
+                  <a:lumMod val="75000"/>
+                </a:schemeClr>
+              </a:solidFill>
+            </a:ln>
+          </p:spPr>
+          <p:style>
+            <a:lnRef idx="2">
+              <a:schemeClr val="accent1">
+                <a:shade val="50000"/>
+              </a:schemeClr>
+            </a:lnRef>
+            <a:fillRef idx="1">
+              <a:schemeClr val="accent1"/>
+            </a:fillRef>
+            <a:effectRef idx="0">
+              <a:schemeClr val="accent1"/>
+            </a:effectRef>
+            <a:fontRef idx="minor">
+              <a:schemeClr val="lt1"/>
+            </a:fontRef>
+          </p:style>
+          <p:txBody>
+            <a:bodyPr rtlCol="0" anchor="ctr"/>
+            <a:lstStyle/>
+            <a:p>
+              <a:pPr algn="ctr"/>
+              <a:endParaRPr lang="en-GB"/>
+            </a:p>
+          </p:txBody>
+        </p:sp>
+        <p:cxnSp>
+          <p:nvCxnSpPr>
+            <p:cNvPr id="283" name="Straight Arrow Connector 282"/>
+            <p:cNvCxnSpPr/>
+            <p:nvPr/>
+          </p:nvCxnSpPr>
+          <p:spPr>
+            <a:xfrm>
+              <a:off x="5506210" y="4051809"/>
+              <a:ext cx="284480" cy="0"/>
+            </a:xfrm>
+            <a:prstGeom prst="straightConnector1">
+              <a:avLst/>
+            </a:prstGeom>
+            <a:ln w="25400">
+              <a:solidFill>
+                <a:schemeClr val="tx1"/>
+              </a:solidFill>
+              <a:tailEnd type="triangle"/>
+            </a:ln>
+          </p:spPr>
+          <p:style>
+            <a:lnRef idx="1">
+              <a:schemeClr val="accent1"/>
+            </a:lnRef>
+            <a:fillRef idx="0">
+              <a:schemeClr val="accent1"/>
+            </a:fillRef>
+            <a:effectRef idx="0">
+              <a:schemeClr val="accent1"/>
+            </a:effectRef>
+            <a:fontRef idx="minor">
+              <a:schemeClr val="tx1"/>
+            </a:fontRef>
+          </p:style>
+        </p:cxnSp>
+        <p:cxnSp>
+          <p:nvCxnSpPr>
+            <p:cNvPr id="286" name="Straight Connector 285"/>
+            <p:cNvCxnSpPr/>
+            <p:nvPr/>
+          </p:nvCxnSpPr>
+          <p:spPr>
+            <a:xfrm>
+              <a:off x="5572760" y="4006989"/>
+              <a:ext cx="0" cy="89639"/>
+            </a:xfrm>
+            <a:prstGeom prst="line">
+              <a:avLst/>
+            </a:prstGeom>
+            <a:ln w="25400">
+              <a:solidFill>
+                <a:schemeClr val="tx1"/>
+              </a:solidFill>
+            </a:ln>
+          </p:spPr>
+          <p:style>
+            <a:lnRef idx="1">
+              <a:schemeClr val="accent1"/>
+            </a:lnRef>
+            <a:fillRef idx="0">
+              <a:schemeClr val="accent1"/>
+            </a:fillRef>
+            <a:effectRef idx="0">
+              <a:schemeClr val="accent1"/>
+            </a:effectRef>
+            <a:fontRef idx="minor">
+              <a:schemeClr val="tx1"/>
+            </a:fontRef>
+          </p:style>
+        </p:cxnSp>
+      </p:grpSp>
+      <p:grpSp>
+        <p:nvGrpSpPr>
+          <p:cNvPr id="157" name="Group 156"/>
+          <p:cNvGrpSpPr/>
+          <p:nvPr/>
+        </p:nvGrpSpPr>
+        <p:grpSpPr>
+          <a:xfrm rot="10800000">
+            <a:off x="5867909" y="4602494"/>
+            <a:ext cx="306475" cy="306475"/>
+            <a:chOff x="5489804" y="3894559"/>
+            <a:chExt cx="306475" cy="306475"/>
+          </a:xfrm>
+        </p:grpSpPr>
+        <p:sp>
+          <p:nvSpPr>
+            <p:cNvPr id="158" name="Oval 157"/>
+            <p:cNvSpPr/>
+            <p:nvPr/>
+          </p:nvSpPr>
+          <p:spPr>
+            <a:xfrm>
+              <a:off x="5489804" y="3894559"/>
+              <a:ext cx="306475" cy="306475"/>
+            </a:xfrm>
+            <a:prstGeom prst="ellipse">
+              <a:avLst/>
+            </a:prstGeom>
+            <a:solidFill>
+              <a:schemeClr val="accent4">
+                <a:lumMod val="60000"/>
+                <a:lumOff val="40000"/>
+              </a:schemeClr>
+            </a:solidFill>
+            <a:ln>
+              <a:solidFill>
+                <a:schemeClr val="accent4">
+                  <a:lumMod val="75000"/>
+                </a:schemeClr>
+              </a:solidFill>
+            </a:ln>
+          </p:spPr>
+          <p:style>
+            <a:lnRef idx="2">
+              <a:schemeClr val="accent1">
+                <a:shade val="50000"/>
+              </a:schemeClr>
+            </a:lnRef>
+            <a:fillRef idx="1">
+              <a:schemeClr val="accent1"/>
+            </a:fillRef>
+            <a:effectRef idx="0">
+              <a:schemeClr val="accent1"/>
+            </a:effectRef>
+            <a:fontRef idx="minor">
+              <a:schemeClr val="lt1"/>
+            </a:fontRef>
+          </p:style>
+          <p:txBody>
+            <a:bodyPr rtlCol="0" anchor="ctr"/>
+            <a:lstStyle/>
+            <a:p>
+              <a:pPr algn="ctr"/>
+              <a:endParaRPr lang="en-GB"/>
+            </a:p>
+          </p:txBody>
+        </p:sp>
+        <p:cxnSp>
+          <p:nvCxnSpPr>
+            <p:cNvPr id="159" name="Straight Arrow Connector 158"/>
+            <p:cNvCxnSpPr/>
+            <p:nvPr/>
+          </p:nvCxnSpPr>
+          <p:spPr>
+            <a:xfrm>
+              <a:off x="5506210" y="4051809"/>
+              <a:ext cx="284480" cy="0"/>
+            </a:xfrm>
+            <a:prstGeom prst="straightConnector1">
+              <a:avLst/>
+            </a:prstGeom>
+            <a:ln w="25400">
+              <a:solidFill>
+                <a:schemeClr val="tx1"/>
+              </a:solidFill>
+              <a:tailEnd type="triangle"/>
+            </a:ln>
+          </p:spPr>
+          <p:style>
+            <a:lnRef idx="1">
+              <a:schemeClr val="accent1"/>
+            </a:lnRef>
+            <a:fillRef idx="0">
+              <a:schemeClr val="accent1"/>
+            </a:fillRef>
+            <a:effectRef idx="0">
+              <a:schemeClr val="accent1"/>
+            </a:effectRef>
+            <a:fontRef idx="minor">
+              <a:schemeClr val="tx1"/>
+            </a:fontRef>
+          </p:style>
+        </p:cxnSp>
+        <p:cxnSp>
+          <p:nvCxnSpPr>
+            <p:cNvPr id="160" name="Straight Connector 159"/>
+            <p:cNvCxnSpPr/>
+            <p:nvPr/>
+          </p:nvCxnSpPr>
+          <p:spPr>
+            <a:xfrm>
+              <a:off x="5572760" y="4006989"/>
+              <a:ext cx="0" cy="89639"/>
+            </a:xfrm>
+            <a:prstGeom prst="line">
+              <a:avLst/>
+            </a:prstGeom>
+            <a:ln w="25400">
+              <a:solidFill>
+                <a:schemeClr val="tx1"/>
+              </a:solidFill>
+            </a:ln>
+          </p:spPr>
+          <p:style>
+            <a:lnRef idx="1">
+              <a:schemeClr val="accent1"/>
+            </a:lnRef>
+            <a:fillRef idx="0">
+              <a:schemeClr val="accent1"/>
+            </a:fillRef>
+            <a:effectRef idx="0">
+              <a:schemeClr val="accent1"/>
+            </a:effectRef>
+            <a:fontRef idx="minor">
+              <a:schemeClr val="tx1"/>
+            </a:fontRef>
+          </p:style>
+        </p:cxnSp>
+      </p:grpSp>
+      <p:grpSp>
+        <p:nvGrpSpPr>
+          <p:cNvPr id="161" name="Group 160"/>
+          <p:cNvGrpSpPr/>
+          <p:nvPr/>
+        </p:nvGrpSpPr>
+        <p:grpSpPr>
+          <a:xfrm>
+            <a:off x="5477466" y="5237493"/>
+            <a:ext cx="306475" cy="306475"/>
+            <a:chOff x="5489804" y="3894559"/>
+            <a:chExt cx="306475" cy="306475"/>
+          </a:xfrm>
+        </p:grpSpPr>
+        <p:sp>
+          <p:nvSpPr>
+            <p:cNvPr id="165" name="Oval 164"/>
+            <p:cNvSpPr/>
+            <p:nvPr/>
+          </p:nvSpPr>
+          <p:spPr>
+            <a:xfrm>
+              <a:off x="5489804" y="3894559"/>
+              <a:ext cx="306475" cy="306475"/>
+            </a:xfrm>
+            <a:prstGeom prst="ellipse">
+              <a:avLst/>
+            </a:prstGeom>
+            <a:solidFill>
+              <a:schemeClr val="accent4">
+                <a:lumMod val="60000"/>
+                <a:lumOff val="40000"/>
+              </a:schemeClr>
+            </a:solidFill>
+            <a:ln>
+              <a:solidFill>
+                <a:schemeClr val="accent4">
+                  <a:lumMod val="75000"/>
+                </a:schemeClr>
+              </a:solidFill>
+            </a:ln>
+          </p:spPr>
+          <p:style>
+            <a:lnRef idx="2">
+              <a:schemeClr val="accent1">
+                <a:shade val="50000"/>
+              </a:schemeClr>
+            </a:lnRef>
+            <a:fillRef idx="1">
+              <a:schemeClr val="accent1"/>
+            </a:fillRef>
+            <a:effectRef idx="0">
+              <a:schemeClr val="accent1"/>
+            </a:effectRef>
+            <a:fontRef idx="minor">
+              <a:schemeClr val="lt1"/>
+            </a:fontRef>
+          </p:style>
+          <p:txBody>
+            <a:bodyPr rtlCol="0" anchor="ctr"/>
+            <a:lstStyle/>
+            <a:p>
+              <a:pPr algn="ctr"/>
+              <a:endParaRPr lang="en-GB"/>
+            </a:p>
+          </p:txBody>
+        </p:sp>
+        <p:cxnSp>
+          <p:nvCxnSpPr>
+            <p:cNvPr id="166" name="Straight Arrow Connector 165"/>
+            <p:cNvCxnSpPr/>
+            <p:nvPr/>
+          </p:nvCxnSpPr>
+          <p:spPr>
+            <a:xfrm>
+              <a:off x="5506210" y="4051809"/>
+              <a:ext cx="284480" cy="0"/>
+            </a:xfrm>
+            <a:prstGeom prst="straightConnector1">
+              <a:avLst/>
+            </a:prstGeom>
+            <a:ln w="25400">
+              <a:solidFill>
+                <a:schemeClr val="tx1"/>
+              </a:solidFill>
+              <a:tailEnd type="triangle"/>
+            </a:ln>
+          </p:spPr>
+          <p:style>
+            <a:lnRef idx="1">
+              <a:schemeClr val="accent1"/>
+            </a:lnRef>
+            <a:fillRef idx="0">
+              <a:schemeClr val="accent1"/>
+            </a:fillRef>
+            <a:effectRef idx="0">
+              <a:schemeClr val="accent1"/>
+            </a:effectRef>
+            <a:fontRef idx="minor">
+              <a:schemeClr val="tx1"/>
+            </a:fontRef>
+          </p:style>
+        </p:cxnSp>
+        <p:cxnSp>
+          <p:nvCxnSpPr>
+            <p:cNvPr id="167" name="Straight Connector 166"/>
+            <p:cNvCxnSpPr/>
+            <p:nvPr/>
+          </p:nvCxnSpPr>
+          <p:spPr>
+            <a:xfrm>
+              <a:off x="5572760" y="4006989"/>
+              <a:ext cx="0" cy="89639"/>
+            </a:xfrm>
+            <a:prstGeom prst="line">
+              <a:avLst/>
+            </a:prstGeom>
+            <a:ln w="25400">
+              <a:solidFill>
+                <a:schemeClr val="tx1"/>
+              </a:solidFill>
+            </a:ln>
+          </p:spPr>
+          <p:style>
+            <a:lnRef idx="1">
+              <a:schemeClr val="accent1"/>
+            </a:lnRef>
+            <a:fillRef idx="0">
+              <a:schemeClr val="accent1"/>
+            </a:fillRef>
+            <a:effectRef idx="0">
+              <a:schemeClr val="accent1"/>
+            </a:effectRef>
+            <a:fontRef idx="minor">
+              <a:schemeClr val="tx1"/>
+            </a:fontRef>
+          </p:style>
+        </p:cxnSp>
+      </p:grpSp>
+      <p:grpSp>
+        <p:nvGrpSpPr>
+          <p:cNvPr id="168" name="Group 167"/>
+          <p:cNvGrpSpPr/>
+          <p:nvPr/>
+        </p:nvGrpSpPr>
+        <p:grpSpPr>
+          <a:xfrm>
+            <a:off x="5875425" y="5237492"/>
+            <a:ext cx="306475" cy="306475"/>
+            <a:chOff x="5489804" y="3894559"/>
+            <a:chExt cx="306475" cy="306475"/>
+          </a:xfrm>
+        </p:grpSpPr>
+        <p:sp>
+          <p:nvSpPr>
+            <p:cNvPr id="169" name="Oval 168"/>
+            <p:cNvSpPr/>
+            <p:nvPr/>
+          </p:nvSpPr>
+          <p:spPr>
+            <a:xfrm>
+              <a:off x="5489804" y="3894559"/>
+              <a:ext cx="306475" cy="306475"/>
+            </a:xfrm>
+            <a:prstGeom prst="ellipse">
+              <a:avLst/>
+            </a:prstGeom>
+            <a:solidFill>
+              <a:schemeClr val="accent4">
+                <a:lumMod val="60000"/>
+                <a:lumOff val="40000"/>
+              </a:schemeClr>
+            </a:solidFill>
+            <a:ln>
+              <a:solidFill>
+                <a:schemeClr val="accent4">
+                  <a:lumMod val="75000"/>
+                </a:schemeClr>
+              </a:solidFill>
+            </a:ln>
+          </p:spPr>
+          <p:style>
+            <a:lnRef idx="2">
+              <a:schemeClr val="accent1">
+                <a:shade val="50000"/>
+              </a:schemeClr>
+            </a:lnRef>
+            <a:fillRef idx="1">
+              <a:schemeClr val="accent1"/>
+            </a:fillRef>
+            <a:effectRef idx="0">
+              <a:schemeClr val="accent1"/>
+            </a:effectRef>
+            <a:fontRef idx="minor">
+              <a:schemeClr val="lt1"/>
+            </a:fontRef>
+          </p:style>
+          <p:txBody>
+            <a:bodyPr rtlCol="0" anchor="ctr"/>
+            <a:lstStyle/>
+            <a:p>
+              <a:pPr algn="ctr"/>
+              <a:endParaRPr lang="en-GB"/>
+            </a:p>
+          </p:txBody>
+        </p:sp>
+        <p:cxnSp>
+          <p:nvCxnSpPr>
+            <p:cNvPr id="170" name="Straight Arrow Connector 169"/>
+            <p:cNvCxnSpPr/>
+            <p:nvPr/>
+          </p:nvCxnSpPr>
+          <p:spPr>
+            <a:xfrm>
+              <a:off x="5506210" y="4051809"/>
+              <a:ext cx="284480" cy="0"/>
+            </a:xfrm>
+            <a:prstGeom prst="straightConnector1">
+              <a:avLst/>
+            </a:prstGeom>
+            <a:ln w="25400">
+              <a:solidFill>
+                <a:schemeClr val="tx1"/>
+              </a:solidFill>
+              <a:tailEnd type="triangle"/>
+            </a:ln>
+          </p:spPr>
+          <p:style>
+            <a:lnRef idx="1">
+              <a:schemeClr val="accent1"/>
+            </a:lnRef>
+            <a:fillRef idx="0">
+              <a:schemeClr val="accent1"/>
+            </a:fillRef>
+            <a:effectRef idx="0">
+              <a:schemeClr val="accent1"/>
+            </a:effectRef>
+            <a:fontRef idx="minor">
+              <a:schemeClr val="tx1"/>
+            </a:fontRef>
+          </p:style>
+        </p:cxnSp>
+        <p:cxnSp>
+          <p:nvCxnSpPr>
+            <p:cNvPr id="171" name="Straight Connector 170"/>
+            <p:cNvCxnSpPr/>
+            <p:nvPr/>
+          </p:nvCxnSpPr>
+          <p:spPr>
+            <a:xfrm>
+              <a:off x="5572760" y="4006989"/>
+              <a:ext cx="0" cy="89639"/>
+            </a:xfrm>
+            <a:prstGeom prst="line">
+              <a:avLst/>
+            </a:prstGeom>
+            <a:ln w="25400">
+              <a:solidFill>
+                <a:schemeClr val="tx1"/>
+              </a:solidFill>
+            </a:ln>
+          </p:spPr>
+          <p:style>
+            <a:lnRef idx="1">
+              <a:schemeClr val="accent1"/>
+            </a:lnRef>
+            <a:fillRef idx="0">
+              <a:schemeClr val="accent1"/>
+            </a:fillRef>
+            <a:effectRef idx="0">
+              <a:schemeClr val="accent1"/>
+            </a:effectRef>
+            <a:fontRef idx="minor">
+              <a:schemeClr val="tx1"/>
+            </a:fontRef>
+          </p:style>
+        </p:cxnSp>
+      </p:grpSp>
+      <p:sp>
+        <p:nvSpPr>
+          <p:cNvPr id="32" name="TextBox 31"/>
+          <p:cNvSpPr txBox="1"/>
+          <p:nvPr/>
+        </p:nvSpPr>
+        <p:spPr>
+          <a:xfrm>
+            <a:off x="6066329" y="4491333"/>
+            <a:ext cx="248920" cy="369332"/>
+          </a:xfrm>
+          <a:prstGeom prst="rect">
+            <a:avLst/>
+          </a:prstGeom>
+          <a:noFill/>
+        </p:spPr>
+        <p:txBody>
+          <a:bodyPr wrap="square" rtlCol="0">
+            <a:spAutoFit/>
+          </a:bodyPr>
+          <a:lstStyle/>
+          <a:p>
+            <a:r>
+              <a:rPr lang="en-GB" dirty="0" smtClean="0"/>
+              <a:t>*</a:t>
+            </a:r>
+            <a:endParaRPr lang="en-GB" dirty="0"/>
+          </a:p>
+        </p:txBody>
+      </p:sp>
+      <p:sp>
+        <p:nvSpPr>
+          <p:cNvPr id="33" name="TextBox 32"/>
+          <p:cNvSpPr txBox="1"/>
+          <p:nvPr/>
+        </p:nvSpPr>
+        <p:spPr>
+          <a:xfrm>
+            <a:off x="3912840" y="3886833"/>
+            <a:ext cx="487634" cy="307777"/>
+          </a:xfrm>
+          <a:prstGeom prst="rect">
+            <a:avLst/>
+          </a:prstGeom>
+          <a:noFill/>
+        </p:spPr>
+        <p:txBody>
+          <a:bodyPr wrap="none" rtlCol="0">
+            <a:spAutoFit/>
+          </a:bodyPr>
+          <a:lstStyle/>
+          <a:p>
+            <a:r>
+              <a:rPr lang="en-GB" sz="1400" dirty="0" smtClean="0"/>
+              <a:t>l = 2</a:t>
+            </a:r>
+            <a:endParaRPr lang="en-GB" sz="1400" dirty="0"/>
+          </a:p>
+        </p:txBody>
+      </p:sp>
+      <p:sp>
+        <p:nvSpPr>
+          <p:cNvPr id="173" name="TextBox 172"/>
+          <p:cNvSpPr txBox="1"/>
+          <p:nvPr/>
+        </p:nvSpPr>
+        <p:spPr>
+          <a:xfrm>
+            <a:off x="7225970" y="4874041"/>
+            <a:ext cx="487634" cy="307777"/>
+          </a:xfrm>
+          <a:prstGeom prst="rect">
+            <a:avLst/>
+          </a:prstGeom>
+          <a:noFill/>
+        </p:spPr>
+        <p:txBody>
+          <a:bodyPr wrap="none" rtlCol="0">
+            <a:spAutoFit/>
+          </a:bodyPr>
+          <a:lstStyle/>
+          <a:p>
+            <a:r>
+              <a:rPr lang="en-GB" sz="1400" dirty="0" smtClean="0"/>
+              <a:t>l = 1</a:t>
+            </a:r>
+            <a:endParaRPr lang="en-GB" sz="1400" dirty="0"/>
+          </a:p>
+        </p:txBody>
+      </p:sp>
+      <p:sp>
+        <p:nvSpPr>
+          <p:cNvPr id="174" name="TextBox 173"/>
+          <p:cNvSpPr txBox="1"/>
+          <p:nvPr/>
+        </p:nvSpPr>
+        <p:spPr>
+          <a:xfrm>
+            <a:off x="3911760" y="4860665"/>
+            <a:ext cx="487634" cy="307777"/>
+          </a:xfrm>
+          <a:prstGeom prst="rect">
+            <a:avLst/>
+          </a:prstGeom>
+          <a:noFill/>
+        </p:spPr>
+        <p:txBody>
+          <a:bodyPr wrap="none" rtlCol="0">
+            <a:spAutoFit/>
+          </a:bodyPr>
+          <a:lstStyle/>
+          <a:p>
+            <a:r>
+              <a:rPr lang="en-GB" sz="1400" dirty="0" smtClean="0"/>
+              <a:t>l = 1</a:t>
+            </a:r>
+            <a:endParaRPr lang="en-GB" sz="1400" dirty="0"/>
+          </a:p>
+        </p:txBody>
+      </p:sp>
+      <p:cxnSp>
+        <p:nvCxnSpPr>
+          <p:cNvPr id="35" name="Straight Connector 34"/>
+          <p:cNvCxnSpPr/>
+          <p:nvPr/>
+        </p:nvCxnSpPr>
+        <p:spPr>
+          <a:xfrm flipV="1">
+            <a:off x="4477890" y="3585464"/>
+            <a:ext cx="2660380" cy="1535684"/>
+          </a:xfrm>
+          <a:prstGeom prst="line">
+            <a:avLst/>
+          </a:prstGeom>
+          <a:ln w="19050">
+            <a:solidFill>
+              <a:schemeClr val="accent1">
+                <a:lumMod val="75000"/>
+              </a:schemeClr>
+            </a:solidFill>
+            <a:prstDash val="dash"/>
+          </a:ln>
+        </p:spPr>
+        <p:style>
+          <a:lnRef idx="1">
+            <a:schemeClr val="accent1"/>
+          </a:lnRef>
+          <a:fillRef idx="0">
+            <a:schemeClr val="accent1"/>
+          </a:fillRef>
+          <a:effectRef idx="0">
+            <a:schemeClr val="accent1"/>
+          </a:effectRef>
+          <a:fontRef idx="minor">
+            <a:schemeClr val="tx1"/>
+          </a:fontRef>
+        </p:style>
+      </p:cxnSp>
+      <p:cxnSp>
+        <p:nvCxnSpPr>
+          <p:cNvPr id="37" name="Straight Connector 36"/>
+          <p:cNvCxnSpPr/>
+          <p:nvPr/>
+        </p:nvCxnSpPr>
+        <p:spPr>
+          <a:xfrm flipV="1">
+            <a:off x="4477890" y="3737864"/>
+            <a:ext cx="2660380" cy="1383284"/>
+          </a:xfrm>
+          <a:prstGeom prst="line">
+            <a:avLst/>
+          </a:prstGeom>
+          <a:ln w="19050">
+            <a:solidFill>
+              <a:schemeClr val="accent1">
+                <a:lumMod val="75000"/>
+              </a:schemeClr>
+            </a:solidFill>
+            <a:prstDash val="dash"/>
+          </a:ln>
+        </p:spPr>
+        <p:style>
+          <a:lnRef idx="1">
+            <a:schemeClr val="accent1"/>
+          </a:lnRef>
+          <a:fillRef idx="0">
+            <a:schemeClr val="accent1"/>
+          </a:fillRef>
+          <a:effectRef idx="0">
+            <a:schemeClr val="accent1"/>
+          </a:effectRef>
+          <a:fontRef idx="minor">
+            <a:schemeClr val="tx1"/>
+          </a:fontRef>
+        </p:style>
+      </p:cxnSp>
+      <p:cxnSp>
+        <p:nvCxnSpPr>
+          <p:cNvPr id="39" name="Straight Connector 38"/>
+          <p:cNvCxnSpPr/>
+          <p:nvPr/>
+        </p:nvCxnSpPr>
+        <p:spPr>
+          <a:xfrm flipV="1">
+            <a:off x="4470845" y="4162045"/>
+            <a:ext cx="2678663" cy="970769"/>
+          </a:xfrm>
+          <a:prstGeom prst="line">
+            <a:avLst/>
+          </a:prstGeom>
+          <a:ln w="19050">
+            <a:solidFill>
+              <a:schemeClr val="accent1">
+                <a:lumMod val="75000"/>
+              </a:schemeClr>
+            </a:solidFill>
+            <a:prstDash val="dash"/>
+          </a:ln>
+        </p:spPr>
+        <p:style>
+          <a:lnRef idx="1">
+            <a:schemeClr val="accent1"/>
+          </a:lnRef>
+          <a:fillRef idx="0">
+            <a:schemeClr val="accent1"/>
+          </a:fillRef>
+          <a:effectRef idx="0">
+            <a:schemeClr val="accent1"/>
+          </a:effectRef>
+          <a:fontRef idx="minor">
+            <a:schemeClr val="tx1"/>
+          </a:fontRef>
+        </p:style>
+      </p:cxnSp>
+      <p:cxnSp>
+        <p:nvCxnSpPr>
+          <p:cNvPr id="111" name="Straight Connector 110"/>
+          <p:cNvCxnSpPr/>
+          <p:nvPr/>
+        </p:nvCxnSpPr>
+        <p:spPr>
+          <a:xfrm>
+            <a:off x="3833264" y="5121148"/>
+            <a:ext cx="646786" cy="0"/>
+          </a:xfrm>
+          <a:prstGeom prst="line">
+            <a:avLst/>
+          </a:prstGeom>
+          <a:ln w="31750">
+            <a:solidFill>
+              <a:schemeClr val="tx1"/>
+            </a:solidFill>
+          </a:ln>
+        </p:spPr>
+        <p:style>
+          <a:lnRef idx="1">
+            <a:schemeClr val="accent1"/>
+          </a:lnRef>
+          <a:fillRef idx="0">
+            <a:schemeClr val="accent1"/>
+          </a:fillRef>
+          <a:effectRef idx="0">
+            <a:schemeClr val="accent1"/>
+          </a:effectRef>
+          <a:fontRef idx="minor">
+            <a:schemeClr val="tx1"/>
+          </a:fontRef>
+        </p:style>
+      </p:cxnSp>
+      <p:cxnSp>
+        <p:nvCxnSpPr>
+          <p:cNvPr id="112" name="Straight Connector 111"/>
+          <p:cNvCxnSpPr/>
+          <p:nvPr/>
+        </p:nvCxnSpPr>
+        <p:spPr>
+          <a:xfrm>
+            <a:off x="7138270" y="3585464"/>
+            <a:ext cx="646786" cy="0"/>
+          </a:xfrm>
+          <a:prstGeom prst="line">
+            <a:avLst/>
+          </a:prstGeom>
+          <a:ln w="31750">
+            <a:solidFill>
+              <a:schemeClr val="tx1"/>
+            </a:solidFill>
+          </a:ln>
+        </p:spPr>
+        <p:style>
+          <a:lnRef idx="1">
+            <a:schemeClr val="accent1"/>
+          </a:lnRef>
+          <a:fillRef idx="0">
+            <a:schemeClr val="accent1"/>
+          </a:fillRef>
+          <a:effectRef idx="0">
+            <a:schemeClr val="accent1"/>
+          </a:effectRef>
+          <a:fontRef idx="minor">
+            <a:schemeClr val="tx1"/>
+          </a:fontRef>
+        </p:style>
+      </p:cxnSp>
+      <p:cxnSp>
+        <p:nvCxnSpPr>
+          <p:cNvPr id="113" name="Straight Connector 112"/>
+          <p:cNvCxnSpPr/>
+          <p:nvPr/>
+        </p:nvCxnSpPr>
+        <p:spPr>
+          <a:xfrm>
+            <a:off x="7138270" y="3737864"/>
+            <a:ext cx="646786" cy="0"/>
+          </a:xfrm>
+          <a:prstGeom prst="line">
+            <a:avLst/>
+          </a:prstGeom>
+          <a:ln w="31750">
+            <a:solidFill>
+              <a:schemeClr val="tx1"/>
+            </a:solidFill>
+          </a:ln>
+        </p:spPr>
+        <p:style>
+          <a:lnRef idx="1">
+            <a:schemeClr val="accent1"/>
+          </a:lnRef>
+          <a:fillRef idx="0">
+            <a:schemeClr val="accent1"/>
+          </a:fillRef>
+          <a:effectRef idx="0">
+            <a:schemeClr val="accent1"/>
+          </a:effectRef>
+          <a:fontRef idx="minor">
+            <a:schemeClr val="tx1"/>
+          </a:fontRef>
+        </p:style>
+      </p:cxnSp>
+      <p:cxnSp>
+        <p:nvCxnSpPr>
+          <p:cNvPr id="114" name="Straight Connector 113"/>
+          <p:cNvCxnSpPr/>
+          <p:nvPr/>
+        </p:nvCxnSpPr>
+        <p:spPr>
+          <a:xfrm>
+            <a:off x="7138270" y="4164584"/>
+            <a:ext cx="646786" cy="0"/>
+          </a:xfrm>
+          <a:prstGeom prst="line">
+            <a:avLst/>
+          </a:prstGeom>
+          <a:ln w="31750">
+            <a:solidFill>
+              <a:schemeClr val="tx1"/>
+            </a:solidFill>
+          </a:ln>
+        </p:spPr>
+        <p:style>
+          <a:lnRef idx="1">
+            <a:schemeClr val="accent1"/>
+          </a:lnRef>
+          <a:fillRef idx="0">
+            <a:schemeClr val="accent1"/>
+          </a:fillRef>
+          <a:effectRef idx="0">
+            <a:schemeClr val="accent1"/>
+          </a:effectRef>
+          <a:fontRef idx="minor">
+            <a:schemeClr val="tx1"/>
+          </a:fontRef>
+        </p:style>
+      </p:cxnSp>
+      <p:cxnSp>
+        <p:nvCxnSpPr>
+          <p:cNvPr id="124" name="Straight Connector 123"/>
+          <p:cNvCxnSpPr/>
+          <p:nvPr/>
+        </p:nvCxnSpPr>
+        <p:spPr>
+          <a:xfrm>
+            <a:off x="7121865" y="4165633"/>
+            <a:ext cx="646786" cy="0"/>
+          </a:xfrm>
+          <a:prstGeom prst="line">
+            <a:avLst/>
+          </a:prstGeom>
+          <a:ln w="31750">
+            <a:solidFill>
+              <a:schemeClr val="tx1"/>
+            </a:solidFill>
+          </a:ln>
+          <a:scene3d>
+            <a:camera prst="orthographicFront">
+              <a:rot lat="0" lon="0" rev="10800000"/>
+            </a:camera>
+            <a:lightRig rig="threePt" dir="t"/>
+          </a:scene3d>
+        </p:spPr>
+        <p:style>
+          <a:lnRef idx="1">
+            <a:schemeClr val="accent1"/>
+          </a:lnRef>
+          <a:fillRef idx="0">
+            <a:schemeClr val="accent1"/>
+          </a:fillRef>
+          <a:effectRef idx="0">
+            <a:schemeClr val="accent1"/>
+          </a:effectRef>
+          <a:fontRef idx="minor">
+            <a:schemeClr val="tx1"/>
+          </a:fontRef>
+        </p:style>
+      </p:cxnSp>
+      <p:sp>
+        <p:nvSpPr>
+          <p:cNvPr id="172" name="TextBox 171"/>
+          <p:cNvSpPr txBox="1"/>
+          <p:nvPr/>
+        </p:nvSpPr>
+        <p:spPr>
+          <a:xfrm>
+            <a:off x="7223465" y="3913632"/>
+            <a:ext cx="487634" cy="307777"/>
+          </a:xfrm>
+          <a:prstGeom prst="rect">
+            <a:avLst/>
+          </a:prstGeom>
+          <a:noFill/>
+        </p:spPr>
+        <p:txBody>
+          <a:bodyPr wrap="none" rtlCol="0">
+            <a:spAutoFit/>
+          </a:bodyPr>
+          <a:lstStyle/>
+          <a:p>
+            <a:r>
+              <a:rPr lang="en-GB" sz="1400" dirty="0" smtClean="0"/>
+              <a:t>l = 2</a:t>
+            </a:r>
+            <a:endParaRPr lang="en-GB" sz="1400" dirty="0"/>
+          </a:p>
+        </p:txBody>
+      </p:sp>
+      <p:sp>
+        <p:nvSpPr>
+          <p:cNvPr id="40" name="TextBox 39"/>
+          <p:cNvSpPr txBox="1"/>
+          <p:nvPr/>
+        </p:nvSpPr>
+        <p:spPr>
+          <a:xfrm>
+            <a:off x="5535088" y="2696525"/>
+            <a:ext cx="306494" cy="369332"/>
+          </a:xfrm>
+          <a:prstGeom prst="rect">
+            <a:avLst/>
+          </a:prstGeom>
+          <a:noFill/>
+        </p:spPr>
+        <p:txBody>
+          <a:bodyPr wrap="none" rtlCol="0">
+            <a:spAutoFit/>
+          </a:bodyPr>
+          <a:lstStyle/>
+          <a:p>
+            <a:r>
+              <a:rPr lang="en-GB" b="1" dirty="0" smtClean="0"/>
+              <a:t>d</a:t>
+            </a:r>
+            <a:endParaRPr lang="en-GB" b="1" dirty="0"/>
+          </a:p>
+        </p:txBody>
+      </p:sp>
+      <p:sp>
+        <p:nvSpPr>
+          <p:cNvPr id="41" name="TextBox 40"/>
+          <p:cNvSpPr txBox="1"/>
+          <p:nvPr/>
+        </p:nvSpPr>
+        <p:spPr>
+          <a:xfrm>
+            <a:off x="5560422" y="1906450"/>
+            <a:ext cx="328936" cy="369332"/>
+          </a:xfrm>
+          <a:prstGeom prst="rect">
+            <a:avLst/>
+          </a:prstGeom>
+          <a:noFill/>
+        </p:spPr>
+        <p:txBody>
+          <a:bodyPr wrap="none" rtlCol="0">
+            <a:spAutoFit/>
+          </a:bodyPr>
+          <a:lstStyle/>
+          <a:p>
+            <a:r>
+              <a:rPr lang="en-GB" b="1" dirty="0" smtClean="0"/>
+              <a:t>x</a:t>
+            </a:r>
+            <a:r>
+              <a:rPr lang="en-GB" b="1" baseline="-25000" dirty="0" smtClean="0"/>
+              <a:t>i</a:t>
+            </a:r>
+            <a:endParaRPr lang="en-GB" b="1" baseline="-25000" dirty="0"/>
+          </a:p>
+        </p:txBody>
+      </p:sp>
     </p:spTree>
     <p:extLst>
       <p:ext uri="{BB962C8B-B14F-4D97-AF65-F5344CB8AC3E}">
-        <p14:creationId xmlns:p14="http://schemas.microsoft.com/office/powerpoint/2010/main" val="2733752413"/>
+        <p14:creationId xmlns:p14="http://schemas.microsoft.com/office/powerpoint/2010/main" val="2620421137"/>
       </p:ext>
     </p:extLst>
   </p:cSld>

--- a/Transfer Thesis Figures.pptx
+++ b/Transfer Thesis Figures.pptx
@@ -5,7 +5,7 @@
     <p:sldMasterId id="2147483648" r:id="rId1"/>
   </p:sldMasterIdLst>
   <p:notesMasterIdLst>
-    <p:notesMasterId r:id="rId9"/>
+    <p:notesMasterId r:id="rId11"/>
   </p:notesMasterIdLst>
   <p:sldIdLst>
     <p:sldId id="256" r:id="rId2"/>
@@ -14,7 +14,9 @@
     <p:sldId id="262" r:id="rId5"/>
     <p:sldId id="260" r:id="rId6"/>
     <p:sldId id="261" r:id="rId7"/>
-    <p:sldId id="263" r:id="rId8"/>
+    <p:sldId id="264" r:id="rId8"/>
+    <p:sldId id="263" r:id="rId9"/>
+    <p:sldId id="265" r:id="rId10"/>
   </p:sldIdLst>
   <p:sldSz cx="12192000" cy="6858000"/>
   <p:notesSz cx="6858000" cy="9144000"/>
@@ -25278,14 +25280,435 @@
       </p:grpSpPr>
       <p:sp>
         <p:nvSpPr>
+          <p:cNvPr id="260" name="Oval 259"/>
+          <p:cNvSpPr/>
+          <p:nvPr/>
+        </p:nvSpPr>
+        <p:spPr>
+          <a:xfrm>
+            <a:off x="6189317" y="4273296"/>
+            <a:ext cx="676656" cy="1688592"/>
+          </a:xfrm>
+          <a:prstGeom prst="ellipse">
+            <a:avLst/>
+          </a:prstGeom>
+          <a:ln>
+            <a:noFill/>
+          </a:ln>
+          <a:effectLst>
+            <a:glow rad="533400">
+              <a:srgbClr val="00B01D">
+                <a:alpha val="69804"/>
+              </a:srgbClr>
+            </a:glow>
+          </a:effectLst>
+        </p:spPr>
+        <p:style>
+          <a:lnRef idx="2">
+            <a:schemeClr val="accent1">
+              <a:shade val="50000"/>
+            </a:schemeClr>
+          </a:lnRef>
+          <a:fillRef idx="1">
+            <a:schemeClr val="accent1"/>
+          </a:fillRef>
+          <a:effectRef idx="0">
+            <a:schemeClr val="accent1"/>
+          </a:effectRef>
+          <a:fontRef idx="minor">
+            <a:schemeClr val="lt1"/>
+          </a:fontRef>
+        </p:style>
+        <p:txBody>
+          <a:bodyPr rtlCol="0" anchor="ctr"/>
+          <a:lstStyle/>
+          <a:p>
+            <a:pPr algn="ctr"/>
+            <a:endParaRPr lang="en-GB"/>
+          </a:p>
+        </p:txBody>
+      </p:sp>
+      <p:sp>
+        <p:nvSpPr>
+          <p:cNvPr id="259" name="Oval 258"/>
+          <p:cNvSpPr/>
+          <p:nvPr/>
+        </p:nvSpPr>
+        <p:spPr>
+          <a:xfrm>
+            <a:off x="6163056" y="4062412"/>
+            <a:ext cx="1249680" cy="2097024"/>
+          </a:xfrm>
+          <a:prstGeom prst="ellipse">
+            <a:avLst/>
+          </a:prstGeom>
+          <a:gradFill flip="none" rotWithShape="1">
+            <a:gsLst>
+              <a:gs pos="100000">
+                <a:srgbClr val="00B050">
+                  <a:alpha val="56000"/>
+                  <a:lumMod val="90000"/>
+                  <a:lumOff val="10000"/>
+                </a:srgbClr>
+              </a:gs>
+              <a:gs pos="83000">
+                <a:srgbClr val="00B050"/>
+              </a:gs>
+              <a:gs pos="70000">
+                <a:srgbClr val="FFFF00"/>
+              </a:gs>
+              <a:gs pos="56000">
+                <a:srgbClr val="FF0000"/>
+              </a:gs>
+            </a:gsLst>
+            <a:path path="circle">
+              <a:fillToRect l="50000" t="50000" r="50000" b="50000"/>
+            </a:path>
+            <a:tileRect/>
+          </a:gradFill>
+          <a:ln>
+            <a:noFill/>
+          </a:ln>
+          <a:effectLst/>
+        </p:spPr>
+        <p:style>
+          <a:lnRef idx="2">
+            <a:schemeClr val="accent1">
+              <a:shade val="50000"/>
+            </a:schemeClr>
+          </a:lnRef>
+          <a:fillRef idx="1">
+            <a:schemeClr val="accent1"/>
+          </a:fillRef>
+          <a:effectRef idx="0">
+            <a:schemeClr val="accent1"/>
+          </a:effectRef>
+          <a:fontRef idx="minor">
+            <a:schemeClr val="lt1"/>
+          </a:fontRef>
+        </p:style>
+        <p:txBody>
+          <a:bodyPr rtlCol="0" anchor="ctr"/>
+          <a:lstStyle/>
+          <a:p>
+            <a:pPr algn="ctr"/>
+            <a:endParaRPr lang="en-GB"/>
+          </a:p>
+        </p:txBody>
+      </p:sp>
+      <p:cxnSp>
+        <p:nvCxnSpPr>
+          <p:cNvPr id="258" name="Straight Connector 257"/>
+          <p:cNvCxnSpPr/>
+          <p:nvPr/>
+        </p:nvCxnSpPr>
+        <p:spPr>
+          <a:xfrm>
+            <a:off x="7335190" y="5110924"/>
+            <a:ext cx="716214" cy="0"/>
+          </a:xfrm>
+          <a:prstGeom prst="line">
+            <a:avLst/>
+          </a:prstGeom>
+          <a:ln>
+            <a:solidFill>
+              <a:srgbClr val="0099FF"/>
+            </a:solidFill>
+          </a:ln>
+          <a:effectLst>
+            <a:glow rad="1016000">
+              <a:schemeClr val="accent5">
+                <a:satMod val="175000"/>
+                <a:alpha val="72000"/>
+              </a:schemeClr>
+            </a:glow>
+          </a:effectLst>
+        </p:spPr>
+        <p:style>
+          <a:lnRef idx="1">
+            <a:schemeClr val="accent1"/>
+          </a:lnRef>
+          <a:fillRef idx="0">
+            <a:schemeClr val="accent1"/>
+          </a:fillRef>
+          <a:effectRef idx="0">
+            <a:schemeClr val="accent1"/>
+          </a:effectRef>
+          <a:fontRef idx="minor">
+            <a:schemeClr val="tx1"/>
+          </a:fontRef>
+        </p:style>
+      </p:cxnSp>
+      <p:grpSp>
+        <p:nvGrpSpPr>
+          <p:cNvPr id="30" name="Group 29"/>
+          <p:cNvGrpSpPr/>
+          <p:nvPr/>
+        </p:nvGrpSpPr>
+        <p:grpSpPr>
+          <a:xfrm>
+            <a:off x="2160762" y="4682934"/>
+            <a:ext cx="1460440" cy="855980"/>
+            <a:chOff x="2158321" y="4360307"/>
+            <a:chExt cx="1460440" cy="855980"/>
+          </a:xfrm>
+          <a:gradFill flip="none" rotWithShape="1">
+            <a:gsLst>
+              <a:gs pos="0">
+                <a:srgbClr val="FF0000"/>
+              </a:gs>
+              <a:gs pos="22000">
+                <a:srgbClr val="FFC000"/>
+              </a:gs>
+              <a:gs pos="33000">
+                <a:srgbClr val="00B050"/>
+              </a:gs>
+              <a:gs pos="35000">
+                <a:srgbClr val="0CA16A"/>
+              </a:gs>
+              <a:gs pos="41000">
+                <a:schemeClr val="accent1">
+                  <a:lumMod val="75000"/>
+                </a:schemeClr>
+              </a:gs>
+            </a:gsLst>
+            <a:path path="circle">
+              <a:fillToRect l="50000" t="50000" r="50000" b="50000"/>
+            </a:path>
+            <a:tileRect/>
+          </a:gradFill>
+          <a:effectLst>
+            <a:glow rad="279400">
+              <a:schemeClr val="accent1">
+                <a:lumMod val="75000"/>
+                <a:alpha val="95000"/>
+              </a:schemeClr>
+            </a:glow>
+          </a:effectLst>
+        </p:grpSpPr>
+        <p:sp>
+          <p:nvSpPr>
+            <p:cNvPr id="118" name="Oval 117"/>
+            <p:cNvSpPr/>
+            <p:nvPr/>
+          </p:nvSpPr>
+          <p:spPr>
+            <a:xfrm>
+              <a:off x="2753178" y="4360307"/>
+              <a:ext cx="865583" cy="855980"/>
+            </a:xfrm>
+            <a:prstGeom prst="ellipse">
+              <a:avLst/>
+            </a:prstGeom>
+            <a:grpFill/>
+            <a:ln>
+              <a:noFill/>
+            </a:ln>
+          </p:spPr>
+          <p:style>
+            <a:lnRef idx="2">
+              <a:schemeClr val="accent1">
+                <a:shade val="50000"/>
+              </a:schemeClr>
+            </a:lnRef>
+            <a:fillRef idx="1">
+              <a:schemeClr val="accent1"/>
+            </a:fillRef>
+            <a:effectRef idx="0">
+              <a:schemeClr val="accent1"/>
+            </a:effectRef>
+            <a:fontRef idx="minor">
+              <a:schemeClr val="lt1"/>
+            </a:fontRef>
+          </p:style>
+          <p:txBody>
+            <a:bodyPr rtlCol="0" anchor="ctr"/>
+            <a:lstStyle/>
+            <a:p>
+              <a:pPr algn="ctr"/>
+              <a:endParaRPr lang="en-GB"/>
+            </a:p>
+          </p:txBody>
+        </p:sp>
+        <p:sp>
+          <p:nvSpPr>
+            <p:cNvPr id="119" name="Oval 118"/>
+            <p:cNvSpPr/>
+            <p:nvPr/>
+          </p:nvSpPr>
+          <p:spPr>
+            <a:xfrm>
+              <a:off x="2158321" y="4360307"/>
+              <a:ext cx="865583" cy="855980"/>
+            </a:xfrm>
+            <a:prstGeom prst="ellipse">
+              <a:avLst/>
+            </a:prstGeom>
+            <a:grpFill/>
+            <a:ln>
+              <a:noFill/>
+            </a:ln>
+          </p:spPr>
+          <p:style>
+            <a:lnRef idx="2">
+              <a:schemeClr val="accent1">
+                <a:shade val="50000"/>
+              </a:schemeClr>
+            </a:lnRef>
+            <a:fillRef idx="1">
+              <a:schemeClr val="accent1"/>
+            </a:fillRef>
+            <a:effectRef idx="0">
+              <a:schemeClr val="accent1"/>
+            </a:effectRef>
+            <a:fontRef idx="minor">
+              <a:schemeClr val="lt1"/>
+            </a:fontRef>
+          </p:style>
+          <p:txBody>
+            <a:bodyPr rtlCol="0" anchor="ctr"/>
+            <a:lstStyle/>
+            <a:p>
+              <a:pPr algn="ctr"/>
+              <a:endParaRPr lang="en-GB"/>
+            </a:p>
+          </p:txBody>
+        </p:sp>
+      </p:grpSp>
+      <p:cxnSp>
+        <p:nvCxnSpPr>
+          <p:cNvPr id="256" name="Straight Connector 255"/>
+          <p:cNvCxnSpPr/>
+          <p:nvPr/>
+        </p:nvCxnSpPr>
+        <p:spPr>
+          <a:xfrm>
+            <a:off x="2509982" y="5110924"/>
+            <a:ext cx="762000" cy="0"/>
+          </a:xfrm>
+          <a:prstGeom prst="line">
+            <a:avLst/>
+          </a:prstGeom>
+          <a:ln>
+            <a:solidFill>
+              <a:srgbClr val="FF0000"/>
+            </a:solidFill>
+          </a:ln>
+          <a:effectLst>
+            <a:glow rad="190500">
+              <a:srgbClr val="FF0000">
+                <a:alpha val="98000"/>
+              </a:srgbClr>
+            </a:glow>
+          </a:effectLst>
+        </p:spPr>
+        <p:style>
+          <a:lnRef idx="1">
+            <a:schemeClr val="accent1"/>
+          </a:lnRef>
+          <a:fillRef idx="0">
+            <a:schemeClr val="accent1"/>
+          </a:fillRef>
+          <a:effectRef idx="0">
+            <a:schemeClr val="accent1"/>
+          </a:effectRef>
+          <a:fontRef idx="minor">
+            <a:schemeClr val="tx1"/>
+          </a:fontRef>
+        </p:style>
+      </p:cxnSp>
+      <p:sp>
+        <p:nvSpPr>
+          <p:cNvPr id="24" name="Oval 23"/>
+          <p:cNvSpPr/>
+          <p:nvPr/>
+        </p:nvSpPr>
+        <p:spPr>
+          <a:xfrm>
+            <a:off x="3065879" y="4441073"/>
+            <a:ext cx="1538910" cy="1339703"/>
+          </a:xfrm>
+          <a:prstGeom prst="ellipse">
+            <a:avLst/>
+          </a:prstGeom>
+          <a:gradFill flip="none" rotWithShape="1">
+            <a:gsLst>
+              <a:gs pos="100000">
+                <a:schemeClr val="accent1">
+                  <a:lumMod val="5000"/>
+                  <a:lumOff val="95000"/>
+                </a:schemeClr>
+              </a:gs>
+              <a:gs pos="27000">
+                <a:srgbClr val="0070C0"/>
+              </a:gs>
+              <a:gs pos="61000">
+                <a:schemeClr val="accent1">
+                  <a:lumMod val="75000"/>
+                </a:schemeClr>
+              </a:gs>
+              <a:gs pos="2000">
+                <a:srgbClr val="0070C0"/>
+              </a:gs>
+              <a:gs pos="71000">
+                <a:schemeClr val="accent1">
+                  <a:lumMod val="60000"/>
+                  <a:lumOff val="40000"/>
+                </a:schemeClr>
+              </a:gs>
+            </a:gsLst>
+            <a:path path="circle">
+              <a:fillToRect l="50000" t="50000" r="50000" b="50000"/>
+            </a:path>
+            <a:tileRect/>
+          </a:gradFill>
+          <a:ln>
+            <a:noFill/>
+          </a:ln>
+          <a:effectLst>
+            <a:glow rad="266700">
+              <a:schemeClr val="accent1">
+                <a:satMod val="175000"/>
+                <a:alpha val="29000"/>
+              </a:schemeClr>
+            </a:glow>
+          </a:effectLst>
+        </p:spPr>
+        <p:style>
+          <a:lnRef idx="2">
+            <a:schemeClr val="accent1">
+              <a:shade val="50000"/>
+            </a:schemeClr>
+          </a:lnRef>
+          <a:fillRef idx="1">
+            <a:schemeClr val="accent1"/>
+          </a:fillRef>
+          <a:effectRef idx="0">
+            <a:schemeClr val="accent1"/>
+          </a:effectRef>
+          <a:fontRef idx="minor">
+            <a:schemeClr val="lt1"/>
+          </a:fontRef>
+        </p:style>
+        <p:txBody>
+          <a:bodyPr rtlCol="0" anchor="ctr"/>
+          <a:lstStyle/>
+          <a:p>
+            <a:pPr algn="ctr"/>
+            <a:endParaRPr lang="en-GB"/>
+          </a:p>
+        </p:txBody>
+      </p:sp>
+      <p:sp>
+        <p:nvSpPr>
           <p:cNvPr id="222" name="TextBox 221"/>
           <p:cNvSpPr txBox="1"/>
           <p:nvPr/>
         </p:nvSpPr>
         <p:spPr>
           <a:xfrm>
-            <a:off x="3126982" y="-79142"/>
-            <a:ext cx="5938036" cy="1107996"/>
+            <a:off x="689328" y="0"/>
+            <a:ext cx="10813345" cy="1107996"/>
           </a:xfrm>
           <a:prstGeom prst="rect">
             <a:avLst/>
@@ -25300,21 +25723,601 @@
           <a:p>
             <a:r>
               <a:rPr lang="en-GB" sz="6600" dirty="0" smtClean="0"/>
-              <a:t>NP Hybridisation</a:t>
+              <a:t>Parallel vs perpendicular dimer</a:t>
             </a:r>
             <a:endParaRPr lang="en-GB" sz="6600" dirty="0"/>
+          </a:p>
+        </p:txBody>
+      </p:sp>
+      <p:grpSp>
+        <p:nvGrpSpPr>
+          <p:cNvPr id="12" name="Group 11"/>
+          <p:cNvGrpSpPr/>
+          <p:nvPr/>
+        </p:nvGrpSpPr>
+        <p:grpSpPr>
+          <a:xfrm>
+            <a:off x="1293685" y="2138615"/>
+            <a:ext cx="3194594" cy="1646892"/>
+            <a:chOff x="1293685" y="2138615"/>
+            <a:chExt cx="3194594" cy="1646892"/>
+          </a:xfrm>
+        </p:grpSpPr>
+        <p:grpSp>
+          <p:nvGrpSpPr>
+            <p:cNvPr id="6" name="Group 5"/>
+            <p:cNvGrpSpPr/>
+            <p:nvPr/>
+          </p:nvGrpSpPr>
+          <p:grpSpPr>
+            <a:xfrm>
+              <a:off x="1293685" y="2363107"/>
+              <a:ext cx="3194594" cy="1422400"/>
+              <a:chOff x="2074685" y="2363107"/>
+              <a:chExt cx="3194594" cy="1422400"/>
+            </a:xfrm>
+          </p:grpSpPr>
+          <p:sp>
+            <p:nvSpPr>
+              <p:cNvPr id="72" name="Oval 71"/>
+              <p:cNvSpPr/>
+              <p:nvPr/>
+            </p:nvSpPr>
+            <p:spPr>
+              <a:xfrm>
+                <a:off x="2074685" y="2363107"/>
+                <a:ext cx="1422400" cy="1422400"/>
+              </a:xfrm>
+              <a:prstGeom prst="ellipse">
+                <a:avLst/>
+              </a:prstGeom>
+              <a:solidFill>
+                <a:schemeClr val="accent4">
+                  <a:lumMod val="75000"/>
+                </a:schemeClr>
+              </a:solidFill>
+              <a:ln>
+                <a:noFill/>
+              </a:ln>
+              <a:scene3d>
+                <a:camera prst="orthographicFront"/>
+                <a:lightRig rig="harsh" dir="t"/>
+              </a:scene3d>
+              <a:sp3d prstMaterial="metal">
+                <a:bevelT w="698500" h="698500"/>
+              </a:sp3d>
+            </p:spPr>
+            <p:style>
+              <a:lnRef idx="2">
+                <a:schemeClr val="accent1">
+                  <a:shade val="50000"/>
+                </a:schemeClr>
+              </a:lnRef>
+              <a:fillRef idx="1">
+                <a:schemeClr val="accent1"/>
+              </a:fillRef>
+              <a:effectRef idx="0">
+                <a:schemeClr val="accent1"/>
+              </a:effectRef>
+              <a:fontRef idx="minor">
+                <a:schemeClr val="lt1"/>
+              </a:fontRef>
+            </p:style>
+            <p:txBody>
+              <a:bodyPr rtlCol="0" anchor="ctr"/>
+              <a:lstStyle/>
+              <a:p>
+                <a:pPr algn="ctr"/>
+                <a:endParaRPr lang="en-GB"/>
+              </a:p>
+            </p:txBody>
+          </p:sp>
+          <p:sp>
+            <p:nvSpPr>
+              <p:cNvPr id="75" name="Oval 74"/>
+              <p:cNvSpPr/>
+              <p:nvPr/>
+            </p:nvSpPr>
+            <p:spPr>
+              <a:xfrm>
+                <a:off x="3846879" y="2363107"/>
+                <a:ext cx="1422400" cy="1422400"/>
+              </a:xfrm>
+              <a:prstGeom prst="ellipse">
+                <a:avLst/>
+              </a:prstGeom>
+              <a:solidFill>
+                <a:schemeClr val="accent4">
+                  <a:lumMod val="75000"/>
+                </a:schemeClr>
+              </a:solidFill>
+              <a:ln>
+                <a:noFill/>
+              </a:ln>
+              <a:scene3d>
+                <a:camera prst="orthographicFront"/>
+                <a:lightRig rig="harsh" dir="t"/>
+              </a:scene3d>
+              <a:sp3d prstMaterial="metal">
+                <a:bevelT w="698500" h="698500"/>
+              </a:sp3d>
+            </p:spPr>
+            <p:style>
+              <a:lnRef idx="2">
+                <a:schemeClr val="accent1">
+                  <a:shade val="50000"/>
+                </a:schemeClr>
+              </a:lnRef>
+              <a:fillRef idx="1">
+                <a:schemeClr val="accent1"/>
+              </a:fillRef>
+              <a:effectRef idx="0">
+                <a:schemeClr val="accent1"/>
+              </a:effectRef>
+              <a:fontRef idx="minor">
+                <a:schemeClr val="lt1"/>
+              </a:fontRef>
+            </p:style>
+            <p:txBody>
+              <a:bodyPr rtlCol="0" anchor="ctr"/>
+              <a:lstStyle/>
+              <a:p>
+                <a:pPr algn="ctr"/>
+                <a:endParaRPr lang="en-GB"/>
+              </a:p>
+            </p:txBody>
+          </p:sp>
+        </p:grpSp>
+        <p:cxnSp>
+          <p:nvCxnSpPr>
+            <p:cNvPr id="4" name="Straight Arrow Connector 3"/>
+            <p:cNvCxnSpPr/>
+            <p:nvPr/>
+          </p:nvCxnSpPr>
+          <p:spPr>
+            <a:xfrm>
+              <a:off x="2532875" y="2138615"/>
+              <a:ext cx="716214" cy="0"/>
+            </a:xfrm>
+            <a:prstGeom prst="straightConnector1">
+              <a:avLst/>
+            </a:prstGeom>
+            <a:ln w="38100">
+              <a:solidFill>
+                <a:schemeClr val="tx1"/>
+              </a:solidFill>
+              <a:headEnd type="triangle"/>
+              <a:tailEnd type="triangle"/>
+            </a:ln>
+          </p:spPr>
+          <p:style>
+            <a:lnRef idx="1">
+              <a:schemeClr val="accent1"/>
+            </a:lnRef>
+            <a:fillRef idx="0">
+              <a:schemeClr val="accent1"/>
+            </a:fillRef>
+            <a:effectRef idx="0">
+              <a:schemeClr val="accent1"/>
+            </a:effectRef>
+            <a:fontRef idx="minor">
+              <a:schemeClr val="tx1"/>
+            </a:fontRef>
+          </p:style>
+        </p:cxnSp>
+      </p:grpSp>
+      <p:grpSp>
+        <p:nvGrpSpPr>
+          <p:cNvPr id="11" name="Group 10"/>
+          <p:cNvGrpSpPr/>
+          <p:nvPr/>
+        </p:nvGrpSpPr>
+        <p:grpSpPr>
+          <a:xfrm>
+            <a:off x="6096000" y="2318721"/>
+            <a:ext cx="3194594" cy="1466786"/>
+            <a:chOff x="4498703" y="2318721"/>
+            <a:chExt cx="3194594" cy="1466786"/>
+          </a:xfrm>
+        </p:grpSpPr>
+        <p:grpSp>
+          <p:nvGrpSpPr>
+            <p:cNvPr id="8" name="Group 7"/>
+            <p:cNvGrpSpPr/>
+            <p:nvPr/>
+          </p:nvGrpSpPr>
+          <p:grpSpPr>
+            <a:xfrm>
+              <a:off x="4498703" y="2363107"/>
+              <a:ext cx="3194594" cy="1422400"/>
+              <a:chOff x="7182262" y="2363107"/>
+              <a:chExt cx="3194594" cy="1422400"/>
+            </a:xfrm>
+          </p:grpSpPr>
+          <p:sp>
+            <p:nvSpPr>
+              <p:cNvPr id="76" name="Oval 75"/>
+              <p:cNvSpPr/>
+              <p:nvPr/>
+            </p:nvSpPr>
+            <p:spPr>
+              <a:xfrm>
+                <a:off x="7182262" y="2363107"/>
+                <a:ext cx="1422400" cy="1422400"/>
+              </a:xfrm>
+              <a:prstGeom prst="ellipse">
+                <a:avLst/>
+              </a:prstGeom>
+              <a:solidFill>
+                <a:schemeClr val="accent4">
+                  <a:lumMod val="75000"/>
+                </a:schemeClr>
+              </a:solidFill>
+              <a:ln>
+                <a:noFill/>
+              </a:ln>
+              <a:scene3d>
+                <a:camera prst="orthographicFront"/>
+                <a:lightRig rig="harsh" dir="t"/>
+              </a:scene3d>
+              <a:sp3d prstMaterial="metal">
+                <a:bevelT w="698500" h="698500"/>
+              </a:sp3d>
+            </p:spPr>
+            <p:style>
+              <a:lnRef idx="2">
+                <a:schemeClr val="accent1">
+                  <a:shade val="50000"/>
+                </a:schemeClr>
+              </a:lnRef>
+              <a:fillRef idx="1">
+                <a:schemeClr val="accent1"/>
+              </a:fillRef>
+              <a:effectRef idx="0">
+                <a:schemeClr val="accent1"/>
+              </a:effectRef>
+              <a:fontRef idx="minor">
+                <a:schemeClr val="lt1"/>
+              </a:fontRef>
+            </p:style>
+            <p:txBody>
+              <a:bodyPr rtlCol="0" anchor="ctr"/>
+              <a:lstStyle/>
+              <a:p>
+                <a:pPr algn="ctr"/>
+                <a:endParaRPr lang="en-GB"/>
+              </a:p>
+            </p:txBody>
+          </p:sp>
+          <p:sp>
+            <p:nvSpPr>
+              <p:cNvPr id="77" name="Oval 76"/>
+              <p:cNvSpPr/>
+              <p:nvPr/>
+            </p:nvSpPr>
+            <p:spPr>
+              <a:xfrm>
+                <a:off x="8954456" y="2363107"/>
+                <a:ext cx="1422400" cy="1422400"/>
+              </a:xfrm>
+              <a:prstGeom prst="ellipse">
+                <a:avLst/>
+              </a:prstGeom>
+              <a:solidFill>
+                <a:schemeClr val="accent4">
+                  <a:lumMod val="75000"/>
+                </a:schemeClr>
+              </a:solidFill>
+              <a:ln>
+                <a:noFill/>
+              </a:ln>
+              <a:scene3d>
+                <a:camera prst="orthographicFront"/>
+                <a:lightRig rig="harsh" dir="t"/>
+              </a:scene3d>
+              <a:sp3d prstMaterial="metal">
+                <a:bevelT w="698500" h="698500"/>
+              </a:sp3d>
+            </p:spPr>
+            <p:style>
+              <a:lnRef idx="2">
+                <a:schemeClr val="accent1">
+                  <a:shade val="50000"/>
+                </a:schemeClr>
+              </a:lnRef>
+              <a:fillRef idx="1">
+                <a:schemeClr val="accent1"/>
+              </a:fillRef>
+              <a:effectRef idx="0">
+                <a:schemeClr val="accent1"/>
+              </a:effectRef>
+              <a:fontRef idx="minor">
+                <a:schemeClr val="lt1"/>
+              </a:fontRef>
+            </p:style>
+            <p:txBody>
+              <a:bodyPr rtlCol="0" anchor="ctr"/>
+              <a:lstStyle/>
+              <a:p>
+                <a:pPr algn="ctr"/>
+                <a:endParaRPr lang="en-GB"/>
+              </a:p>
+            </p:txBody>
+          </p:sp>
+        </p:grpSp>
+        <p:cxnSp>
+          <p:nvCxnSpPr>
+            <p:cNvPr id="98" name="Straight Arrow Connector 97"/>
+            <p:cNvCxnSpPr/>
+            <p:nvPr/>
+          </p:nvCxnSpPr>
+          <p:spPr>
+            <a:xfrm>
+              <a:off x="5737893" y="2318721"/>
+              <a:ext cx="716214" cy="0"/>
+            </a:xfrm>
+            <a:prstGeom prst="straightConnector1">
+              <a:avLst/>
+            </a:prstGeom>
+            <a:ln w="38100">
+              <a:solidFill>
+                <a:schemeClr val="tx1"/>
+              </a:solidFill>
+              <a:headEnd type="triangle"/>
+              <a:tailEnd type="triangle"/>
+            </a:ln>
+            <a:scene3d>
+              <a:camera prst="orthographicFront">
+                <a:rot lat="0" lon="0" rev="5400000"/>
+              </a:camera>
+              <a:lightRig rig="threePt" dir="t"/>
+            </a:scene3d>
+          </p:spPr>
+          <p:style>
+            <a:lnRef idx="1">
+              <a:schemeClr val="accent1"/>
+            </a:lnRef>
+            <a:fillRef idx="0">
+              <a:schemeClr val="accent1"/>
+            </a:fillRef>
+            <a:effectRef idx="0">
+              <a:schemeClr val="accent1"/>
+            </a:effectRef>
+            <a:fontRef idx="minor">
+              <a:schemeClr val="tx1"/>
+            </a:fontRef>
+          </p:style>
+        </p:cxnSp>
+      </p:grpSp>
+      <p:sp>
+        <p:nvSpPr>
+          <p:cNvPr id="14" name="TextBox 13"/>
+          <p:cNvSpPr txBox="1"/>
+          <p:nvPr/>
+        </p:nvSpPr>
+        <p:spPr>
+          <a:xfrm>
+            <a:off x="2769003" y="1797386"/>
+            <a:ext cx="296876" cy="369332"/>
+          </a:xfrm>
+          <a:prstGeom prst="rect">
+            <a:avLst/>
+          </a:prstGeom>
+          <a:noFill/>
+        </p:spPr>
+        <p:txBody>
+          <a:bodyPr wrap="none" rtlCol="0">
+            <a:spAutoFit/>
+          </a:bodyPr>
+          <a:lstStyle/>
+          <a:p>
+            <a:r>
+              <a:rPr lang="en-GB" b="1" dirty="0" smtClean="0"/>
+              <a:t>E</a:t>
+            </a:r>
+            <a:endParaRPr lang="en-GB" b="1" dirty="0"/>
           </a:p>
         </p:txBody>
       </p:sp>
       <p:sp>
         <p:nvSpPr>
-          <p:cNvPr id="162" name="Oval 161"/>
+          <p:cNvPr id="104" name="TextBox 103"/>
+          <p:cNvSpPr txBox="1"/>
+          <p:nvPr/>
+        </p:nvSpPr>
+        <p:spPr>
+          <a:xfrm>
+            <a:off x="7335190" y="1797386"/>
+            <a:ext cx="296876" cy="369332"/>
+          </a:xfrm>
+          <a:prstGeom prst="rect">
+            <a:avLst/>
+          </a:prstGeom>
+          <a:noFill/>
+        </p:spPr>
+        <p:txBody>
+          <a:bodyPr wrap="none" rtlCol="0">
+            <a:spAutoFit/>
+          </a:bodyPr>
+          <a:lstStyle/>
+          <a:p>
+            <a:r>
+              <a:rPr lang="en-GB" b="1" dirty="0" smtClean="0"/>
+              <a:t>E</a:t>
+            </a:r>
+            <a:endParaRPr lang="en-GB" b="1" dirty="0"/>
+          </a:p>
+        </p:txBody>
+      </p:sp>
+      <p:cxnSp>
+        <p:nvCxnSpPr>
+          <p:cNvPr id="16" name="Straight Arrow Connector 15"/>
+          <p:cNvCxnSpPr/>
+          <p:nvPr/>
+        </p:nvCxnSpPr>
+        <p:spPr>
+          <a:xfrm>
+            <a:off x="1630812" y="3074307"/>
+            <a:ext cx="748145" cy="0"/>
+          </a:xfrm>
+          <a:prstGeom prst="straightConnector1">
+            <a:avLst/>
+          </a:prstGeom>
+          <a:ln w="38100">
+            <a:solidFill>
+              <a:srgbClr val="FF0000"/>
+            </a:solidFill>
+            <a:tailEnd type="triangle"/>
+          </a:ln>
+        </p:spPr>
+        <p:style>
+          <a:lnRef idx="1">
+            <a:schemeClr val="accent1"/>
+          </a:lnRef>
+          <a:fillRef idx="0">
+            <a:schemeClr val="accent1"/>
+          </a:fillRef>
+          <a:effectRef idx="0">
+            <a:schemeClr val="accent1"/>
+          </a:effectRef>
+          <a:fontRef idx="minor">
+            <a:schemeClr val="tx1"/>
+          </a:fontRef>
+        </p:style>
+      </p:cxnSp>
+      <p:cxnSp>
+        <p:nvCxnSpPr>
+          <p:cNvPr id="105" name="Straight Arrow Connector 104"/>
+          <p:cNvCxnSpPr/>
+          <p:nvPr/>
+        </p:nvCxnSpPr>
+        <p:spPr>
+          <a:xfrm>
+            <a:off x="3403006" y="3074307"/>
+            <a:ext cx="748145" cy="0"/>
+          </a:xfrm>
+          <a:prstGeom prst="straightConnector1">
+            <a:avLst/>
+          </a:prstGeom>
+          <a:ln w="38100">
+            <a:solidFill>
+              <a:srgbClr val="FF0000"/>
+            </a:solidFill>
+            <a:tailEnd type="triangle"/>
+          </a:ln>
+        </p:spPr>
+        <p:style>
+          <a:lnRef idx="1">
+            <a:schemeClr val="accent1"/>
+          </a:lnRef>
+          <a:fillRef idx="0">
+            <a:schemeClr val="accent1"/>
+          </a:fillRef>
+          <a:effectRef idx="0">
+            <a:schemeClr val="accent1"/>
+          </a:effectRef>
+          <a:fontRef idx="minor">
+            <a:schemeClr val="tx1"/>
+          </a:fontRef>
+        </p:style>
+      </p:cxnSp>
+      <p:cxnSp>
+        <p:nvCxnSpPr>
+          <p:cNvPr id="106" name="Straight Arrow Connector 105"/>
+          <p:cNvCxnSpPr/>
+          <p:nvPr/>
+        </p:nvCxnSpPr>
+        <p:spPr>
+          <a:xfrm>
+            <a:off x="6372497" y="2977325"/>
+            <a:ext cx="748145" cy="0"/>
+          </a:xfrm>
+          <a:prstGeom prst="straightConnector1">
+            <a:avLst/>
+          </a:prstGeom>
+          <a:ln w="38100">
+            <a:solidFill>
+              <a:schemeClr val="accent1">
+                <a:lumMod val="50000"/>
+              </a:schemeClr>
+            </a:solidFill>
+            <a:tailEnd type="triangle"/>
+          </a:ln>
+          <a:scene3d>
+            <a:camera prst="orthographicFront">
+              <a:rot lat="0" lon="0" rev="5400000"/>
+            </a:camera>
+            <a:lightRig rig="threePt" dir="t"/>
+          </a:scene3d>
+        </p:spPr>
+        <p:style>
+          <a:lnRef idx="1">
+            <a:schemeClr val="accent1"/>
+          </a:lnRef>
+          <a:fillRef idx="0">
+            <a:schemeClr val="accent1"/>
+          </a:fillRef>
+          <a:effectRef idx="0">
+            <a:schemeClr val="accent1"/>
+          </a:effectRef>
+          <a:fontRef idx="minor">
+            <a:schemeClr val="tx1"/>
+          </a:fontRef>
+        </p:style>
+      </p:cxnSp>
+      <p:cxnSp>
+        <p:nvCxnSpPr>
+          <p:cNvPr id="107" name="Straight Arrow Connector 106"/>
+          <p:cNvCxnSpPr/>
+          <p:nvPr/>
+        </p:nvCxnSpPr>
+        <p:spPr>
+          <a:xfrm>
+            <a:off x="8167188" y="2977325"/>
+            <a:ext cx="748145" cy="0"/>
+          </a:xfrm>
+          <a:prstGeom prst="straightConnector1">
+            <a:avLst/>
+          </a:prstGeom>
+          <a:ln w="38100">
+            <a:solidFill>
+              <a:schemeClr val="accent1">
+                <a:lumMod val="50000"/>
+              </a:schemeClr>
+            </a:solidFill>
+            <a:tailEnd type="triangle"/>
+          </a:ln>
+          <a:scene3d>
+            <a:camera prst="orthographicFront">
+              <a:rot lat="0" lon="0" rev="5400000"/>
+            </a:camera>
+            <a:lightRig rig="threePt" dir="t"/>
+          </a:scene3d>
+        </p:spPr>
+        <p:style>
+          <a:lnRef idx="1">
+            <a:schemeClr val="accent1"/>
+          </a:lnRef>
+          <a:fillRef idx="0">
+            <a:schemeClr val="accent1"/>
+          </a:fillRef>
+          <a:effectRef idx="0">
+            <a:schemeClr val="accent1"/>
+          </a:effectRef>
+          <a:fontRef idx="minor">
+            <a:schemeClr val="tx1"/>
+          </a:fontRef>
+        </p:style>
+      </p:cxnSp>
+      <p:sp>
+        <p:nvSpPr>
+          <p:cNvPr id="112" name="Oval 111"/>
           <p:cNvSpPr/>
           <p:nvPr/>
         </p:nvSpPr>
         <p:spPr>
-          <a:xfrm rot="9900000">
-            <a:off x="3510301" y="1971889"/>
+          <a:xfrm>
+            <a:off x="3065879" y="4399725"/>
             <a:ext cx="1422400" cy="1422400"/>
           </a:xfrm>
           <a:prstGeom prst="ellipse">
@@ -25363,13 +26366,13 @@
       </p:sp>
       <p:sp>
         <p:nvSpPr>
-          <p:cNvPr id="72" name="Oval 71"/>
+          <p:cNvPr id="114" name="Oval 113"/>
           <p:cNvSpPr/>
           <p:nvPr/>
         </p:nvSpPr>
         <p:spPr>
-          <a:xfrm rot="9900000">
-            <a:off x="6750462" y="1964269"/>
+          <a:xfrm>
+            <a:off x="6096000" y="4399725"/>
             <a:ext cx="1422400" cy="1422400"/>
           </a:xfrm>
           <a:prstGeom prst="ellipse">
@@ -25416,6 +26419,516 @@
           </a:p>
         </p:txBody>
       </p:sp>
+      <p:grpSp>
+        <p:nvGrpSpPr>
+          <p:cNvPr id="25" name="Group 24"/>
+          <p:cNvGrpSpPr/>
+          <p:nvPr/>
+        </p:nvGrpSpPr>
+        <p:grpSpPr>
+          <a:xfrm rot="10800000">
+            <a:off x="1177175" y="4399725"/>
+            <a:ext cx="1538910" cy="1422400"/>
+            <a:chOff x="1023719" y="4232041"/>
+            <a:chExt cx="1538910" cy="1422400"/>
+          </a:xfrm>
+          <a:effectLst>
+            <a:glow rad="266700">
+              <a:schemeClr val="accent1">
+                <a:satMod val="175000"/>
+                <a:alpha val="29000"/>
+              </a:schemeClr>
+            </a:glow>
+          </a:effectLst>
+        </p:grpSpPr>
+        <p:sp>
+          <p:nvSpPr>
+            <p:cNvPr id="116" name="Oval 115"/>
+            <p:cNvSpPr/>
+            <p:nvPr/>
+          </p:nvSpPr>
+          <p:spPr>
+            <a:xfrm>
+              <a:off x="1023719" y="4273389"/>
+              <a:ext cx="1538910" cy="1339703"/>
+            </a:xfrm>
+            <a:prstGeom prst="ellipse">
+              <a:avLst/>
+            </a:prstGeom>
+            <a:gradFill flip="none" rotWithShape="1">
+              <a:gsLst>
+                <a:gs pos="100000">
+                  <a:schemeClr val="accent1">
+                    <a:lumMod val="5000"/>
+                    <a:lumOff val="95000"/>
+                  </a:schemeClr>
+                </a:gs>
+                <a:gs pos="27000">
+                  <a:srgbClr val="0070C0"/>
+                </a:gs>
+                <a:gs pos="61000">
+                  <a:schemeClr val="accent1">
+                    <a:lumMod val="75000"/>
+                  </a:schemeClr>
+                </a:gs>
+                <a:gs pos="2000">
+                  <a:srgbClr val="0070C0"/>
+                </a:gs>
+                <a:gs pos="71000">
+                  <a:schemeClr val="accent1">
+                    <a:lumMod val="60000"/>
+                    <a:lumOff val="40000"/>
+                  </a:schemeClr>
+                </a:gs>
+              </a:gsLst>
+              <a:path path="circle">
+                <a:fillToRect l="50000" t="50000" r="50000" b="50000"/>
+              </a:path>
+              <a:tileRect/>
+            </a:gradFill>
+            <a:ln>
+              <a:noFill/>
+            </a:ln>
+          </p:spPr>
+          <p:style>
+            <a:lnRef idx="2">
+              <a:schemeClr val="accent1">
+                <a:shade val="50000"/>
+              </a:schemeClr>
+            </a:lnRef>
+            <a:fillRef idx="1">
+              <a:schemeClr val="accent1"/>
+            </a:fillRef>
+            <a:effectRef idx="0">
+              <a:schemeClr val="accent1"/>
+            </a:effectRef>
+            <a:fontRef idx="minor">
+              <a:schemeClr val="lt1"/>
+            </a:fontRef>
+          </p:style>
+          <p:txBody>
+            <a:bodyPr rtlCol="0" anchor="ctr"/>
+            <a:lstStyle/>
+            <a:p>
+              <a:pPr algn="ctr"/>
+              <a:endParaRPr lang="en-GB"/>
+            </a:p>
+          </p:txBody>
+        </p:sp>
+        <p:sp>
+          <p:nvSpPr>
+            <p:cNvPr id="117" name="Oval 116"/>
+            <p:cNvSpPr/>
+            <p:nvPr/>
+          </p:nvSpPr>
+          <p:spPr>
+            <a:xfrm>
+              <a:off x="1023719" y="4232041"/>
+              <a:ext cx="1422400" cy="1422400"/>
+            </a:xfrm>
+            <a:prstGeom prst="ellipse">
+              <a:avLst/>
+            </a:prstGeom>
+            <a:solidFill>
+              <a:schemeClr val="accent4">
+                <a:lumMod val="75000"/>
+              </a:schemeClr>
+            </a:solidFill>
+            <a:ln>
+              <a:noFill/>
+            </a:ln>
+            <a:scene3d>
+              <a:camera prst="orthographicFront"/>
+              <a:lightRig rig="harsh" dir="t"/>
+            </a:scene3d>
+            <a:sp3d prstMaterial="metal">
+              <a:bevelT w="698500" h="698500"/>
+            </a:sp3d>
+          </p:spPr>
+          <p:style>
+            <a:lnRef idx="2">
+              <a:schemeClr val="accent1">
+                <a:shade val="50000"/>
+              </a:schemeClr>
+            </a:lnRef>
+            <a:fillRef idx="1">
+              <a:schemeClr val="accent1"/>
+            </a:fillRef>
+            <a:effectRef idx="0">
+              <a:schemeClr val="accent1"/>
+            </a:effectRef>
+            <a:fontRef idx="minor">
+              <a:schemeClr val="lt1"/>
+            </a:fontRef>
+          </p:style>
+          <p:txBody>
+            <a:bodyPr rtlCol="0" anchor="ctr"/>
+            <a:lstStyle/>
+            <a:p>
+              <a:pPr algn="ctr"/>
+              <a:endParaRPr lang="en-GB"/>
+            </a:p>
+          </p:txBody>
+        </p:sp>
+      </p:grpSp>
+      <p:grpSp>
+        <p:nvGrpSpPr>
+          <p:cNvPr id="261" name="Group 260"/>
+          <p:cNvGrpSpPr/>
+          <p:nvPr/>
+        </p:nvGrpSpPr>
+        <p:grpSpPr>
+          <a:xfrm rot="10800000">
+            <a:off x="7868194" y="4062412"/>
+            <a:ext cx="1422400" cy="2097024"/>
+            <a:chOff x="6248400" y="4214812"/>
+            <a:chExt cx="1422400" cy="2097024"/>
+          </a:xfrm>
+        </p:grpSpPr>
+        <p:sp>
+          <p:nvSpPr>
+            <p:cNvPr id="120" name="Oval 119"/>
+            <p:cNvSpPr/>
+            <p:nvPr/>
+          </p:nvSpPr>
+          <p:spPr>
+            <a:xfrm>
+              <a:off x="6341717" y="4425696"/>
+              <a:ext cx="676656" cy="1688592"/>
+            </a:xfrm>
+            <a:prstGeom prst="ellipse">
+              <a:avLst/>
+            </a:prstGeom>
+            <a:ln>
+              <a:noFill/>
+            </a:ln>
+            <a:effectLst>
+              <a:glow rad="533400">
+                <a:srgbClr val="00B01D">
+                  <a:alpha val="69804"/>
+                </a:srgbClr>
+              </a:glow>
+            </a:effectLst>
+          </p:spPr>
+          <p:style>
+            <a:lnRef idx="2">
+              <a:schemeClr val="accent1">
+                <a:shade val="50000"/>
+              </a:schemeClr>
+            </a:lnRef>
+            <a:fillRef idx="1">
+              <a:schemeClr val="accent1"/>
+            </a:fillRef>
+            <a:effectRef idx="0">
+              <a:schemeClr val="accent1"/>
+            </a:effectRef>
+            <a:fontRef idx="minor">
+              <a:schemeClr val="lt1"/>
+            </a:fontRef>
+          </p:style>
+          <p:txBody>
+            <a:bodyPr rtlCol="0" anchor="ctr"/>
+            <a:lstStyle/>
+            <a:p>
+              <a:pPr algn="ctr"/>
+              <a:endParaRPr lang="en-GB"/>
+            </a:p>
+          </p:txBody>
+        </p:sp>
+        <p:sp>
+          <p:nvSpPr>
+            <p:cNvPr id="121" name="Oval 120"/>
+            <p:cNvSpPr/>
+            <p:nvPr/>
+          </p:nvSpPr>
+          <p:spPr>
+            <a:xfrm>
+              <a:off x="6315456" y="4214812"/>
+              <a:ext cx="1249680" cy="2097024"/>
+            </a:xfrm>
+            <a:prstGeom prst="ellipse">
+              <a:avLst/>
+            </a:prstGeom>
+            <a:gradFill flip="none" rotWithShape="1">
+              <a:gsLst>
+                <a:gs pos="100000">
+                  <a:srgbClr val="00B050">
+                    <a:alpha val="56000"/>
+                    <a:lumMod val="90000"/>
+                    <a:lumOff val="10000"/>
+                  </a:srgbClr>
+                </a:gs>
+                <a:gs pos="83000">
+                  <a:srgbClr val="00B050"/>
+                </a:gs>
+                <a:gs pos="70000">
+                  <a:srgbClr val="FFFF00"/>
+                </a:gs>
+                <a:gs pos="56000">
+                  <a:srgbClr val="FF0000"/>
+                </a:gs>
+              </a:gsLst>
+              <a:path path="circle">
+                <a:fillToRect l="50000" t="50000" r="50000" b="50000"/>
+              </a:path>
+              <a:tileRect/>
+            </a:gradFill>
+            <a:ln>
+              <a:noFill/>
+            </a:ln>
+            <a:effectLst/>
+          </p:spPr>
+          <p:style>
+            <a:lnRef idx="2">
+              <a:schemeClr val="accent1">
+                <a:shade val="50000"/>
+              </a:schemeClr>
+            </a:lnRef>
+            <a:fillRef idx="1">
+              <a:schemeClr val="accent1"/>
+            </a:fillRef>
+            <a:effectRef idx="0">
+              <a:schemeClr val="accent1"/>
+            </a:effectRef>
+            <a:fontRef idx="minor">
+              <a:schemeClr val="lt1"/>
+            </a:fontRef>
+          </p:style>
+          <p:txBody>
+            <a:bodyPr rtlCol="0" anchor="ctr"/>
+            <a:lstStyle/>
+            <a:p>
+              <a:pPr algn="ctr"/>
+              <a:endParaRPr lang="en-GB"/>
+            </a:p>
+          </p:txBody>
+        </p:sp>
+        <p:sp>
+          <p:nvSpPr>
+            <p:cNvPr id="122" name="Oval 121"/>
+            <p:cNvSpPr/>
+            <p:nvPr/>
+          </p:nvSpPr>
+          <p:spPr>
+            <a:xfrm>
+              <a:off x="6248400" y="4552125"/>
+              <a:ext cx="1422400" cy="1422400"/>
+            </a:xfrm>
+            <a:prstGeom prst="ellipse">
+              <a:avLst/>
+            </a:prstGeom>
+            <a:solidFill>
+              <a:schemeClr val="accent4">
+                <a:lumMod val="75000"/>
+              </a:schemeClr>
+            </a:solidFill>
+            <a:ln>
+              <a:noFill/>
+            </a:ln>
+            <a:scene3d>
+              <a:camera prst="orthographicFront"/>
+              <a:lightRig rig="harsh" dir="t"/>
+            </a:scene3d>
+            <a:sp3d prstMaterial="metal">
+              <a:bevelT w="698500" h="698500"/>
+            </a:sp3d>
+          </p:spPr>
+          <p:style>
+            <a:lnRef idx="2">
+              <a:schemeClr val="accent1">
+                <a:shade val="50000"/>
+              </a:schemeClr>
+            </a:lnRef>
+            <a:fillRef idx="1">
+              <a:schemeClr val="accent1"/>
+            </a:fillRef>
+            <a:effectRef idx="0">
+              <a:schemeClr val="accent1"/>
+            </a:effectRef>
+            <a:fontRef idx="minor">
+              <a:schemeClr val="lt1"/>
+            </a:fontRef>
+          </p:style>
+          <p:txBody>
+            <a:bodyPr rtlCol="0" anchor="ctr"/>
+            <a:lstStyle/>
+            <a:p>
+              <a:pPr algn="ctr"/>
+              <a:endParaRPr lang="en-GB"/>
+            </a:p>
+          </p:txBody>
+        </p:sp>
+      </p:grpSp>
+    </p:spTree>
+    <p:extLst>
+      <p:ext uri="{BB962C8B-B14F-4D97-AF65-F5344CB8AC3E}">
+        <p14:creationId xmlns:p14="http://schemas.microsoft.com/office/powerpoint/2010/main" val="2149000995"/>
+      </p:ext>
+    </p:extLst>
+  </p:cSld>
+  <p:clrMapOvr>
+    <a:masterClrMapping/>
+  </p:clrMapOvr>
+</p:sld>
+</file>
+
+<file path=ppt/slides/slide8.xml><?xml version="1.0" encoding="utf-8"?>
+<p:sld xmlns:a="http://schemas.openxmlformats.org/drawingml/2006/main" xmlns:r="http://schemas.openxmlformats.org/officeDocument/2006/relationships" xmlns:p="http://schemas.openxmlformats.org/presentationml/2006/main">
+  <p:cSld>
+    <p:spTree>
+      <p:nvGrpSpPr>
+        <p:cNvPr id="1" name=""/>
+        <p:cNvGrpSpPr/>
+        <p:nvPr/>
+      </p:nvGrpSpPr>
+      <p:grpSpPr>
+        <a:xfrm>
+          <a:off x="0" y="0"/>
+          <a:ext cx="0" cy="0"/>
+          <a:chOff x="0" y="0"/>
+          <a:chExt cx="0" cy="0"/>
+        </a:xfrm>
+      </p:grpSpPr>
+      <p:sp>
+        <p:nvSpPr>
+          <p:cNvPr id="222" name="TextBox 221"/>
+          <p:cNvSpPr txBox="1"/>
+          <p:nvPr/>
+        </p:nvSpPr>
+        <p:spPr>
+          <a:xfrm>
+            <a:off x="3126982" y="-79142"/>
+            <a:ext cx="5938036" cy="1107996"/>
+          </a:xfrm>
+          <a:prstGeom prst="rect">
+            <a:avLst/>
+          </a:prstGeom>
+          <a:noFill/>
+        </p:spPr>
+        <p:txBody>
+          <a:bodyPr wrap="none" rtlCol="0">
+            <a:spAutoFit/>
+          </a:bodyPr>
+          <a:lstStyle/>
+          <a:p>
+            <a:r>
+              <a:rPr lang="en-GB" sz="6600" dirty="0" smtClean="0"/>
+              <a:t>NP Hybridisation</a:t>
+            </a:r>
+            <a:endParaRPr lang="en-GB" sz="6600" dirty="0"/>
+          </a:p>
+        </p:txBody>
+      </p:sp>
+      <p:sp>
+        <p:nvSpPr>
+          <p:cNvPr id="162" name="Oval 161"/>
+          <p:cNvSpPr/>
+          <p:nvPr/>
+        </p:nvSpPr>
+        <p:spPr>
+          <a:xfrm rot="9900000">
+            <a:off x="3510301" y="1971889"/>
+            <a:ext cx="1422400" cy="1422400"/>
+          </a:xfrm>
+          <a:prstGeom prst="ellipse">
+            <a:avLst/>
+          </a:prstGeom>
+          <a:solidFill>
+            <a:schemeClr val="accent4">
+              <a:lumMod val="75000"/>
+            </a:schemeClr>
+          </a:solidFill>
+          <a:ln>
+            <a:noFill/>
+          </a:ln>
+          <a:scene3d>
+            <a:camera prst="orthographicFront"/>
+            <a:lightRig rig="harsh" dir="t"/>
+          </a:scene3d>
+          <a:sp3d prstMaterial="metal">
+            <a:bevelT w="698500" h="698500"/>
+          </a:sp3d>
+        </p:spPr>
+        <p:style>
+          <a:lnRef idx="2">
+            <a:schemeClr val="accent1">
+              <a:shade val="50000"/>
+            </a:schemeClr>
+          </a:lnRef>
+          <a:fillRef idx="1">
+            <a:schemeClr val="accent1"/>
+          </a:fillRef>
+          <a:effectRef idx="0">
+            <a:schemeClr val="accent1"/>
+          </a:effectRef>
+          <a:fontRef idx="minor">
+            <a:schemeClr val="lt1"/>
+          </a:fontRef>
+        </p:style>
+        <p:txBody>
+          <a:bodyPr rtlCol="0" anchor="ctr"/>
+          <a:lstStyle/>
+          <a:p>
+            <a:pPr algn="ctr"/>
+            <a:endParaRPr lang="en-GB"/>
+          </a:p>
+        </p:txBody>
+      </p:sp>
+      <p:sp>
+        <p:nvSpPr>
+          <p:cNvPr id="72" name="Oval 71"/>
+          <p:cNvSpPr/>
+          <p:nvPr/>
+        </p:nvSpPr>
+        <p:spPr>
+          <a:xfrm rot="9900000">
+            <a:off x="6750462" y="1964269"/>
+            <a:ext cx="1422400" cy="1422400"/>
+          </a:xfrm>
+          <a:prstGeom prst="ellipse">
+            <a:avLst/>
+          </a:prstGeom>
+          <a:solidFill>
+            <a:schemeClr val="accent4">
+              <a:lumMod val="75000"/>
+            </a:schemeClr>
+          </a:solidFill>
+          <a:ln>
+            <a:noFill/>
+          </a:ln>
+          <a:scene3d>
+            <a:camera prst="orthographicFront"/>
+            <a:lightRig rig="harsh" dir="t"/>
+          </a:scene3d>
+          <a:sp3d prstMaterial="metal">
+            <a:bevelT w="698500" h="698500"/>
+          </a:sp3d>
+        </p:spPr>
+        <p:style>
+          <a:lnRef idx="2">
+            <a:schemeClr val="accent1">
+              <a:shade val="50000"/>
+            </a:schemeClr>
+          </a:lnRef>
+          <a:fillRef idx="1">
+            <a:schemeClr val="accent1"/>
+          </a:fillRef>
+          <a:effectRef idx="0">
+            <a:schemeClr val="accent1"/>
+          </a:effectRef>
+          <a:fontRef idx="minor">
+            <a:schemeClr val="lt1"/>
+          </a:fontRef>
+        </p:style>
+        <p:txBody>
+          <a:bodyPr rtlCol="0" anchor="ctr"/>
+          <a:lstStyle/>
+          <a:p>
+            <a:pPr algn="ctr"/>
+            <a:endParaRPr lang="en-GB"/>
+          </a:p>
+        </p:txBody>
+      </p:sp>
       <p:cxnSp>
         <p:nvCxnSpPr>
           <p:cNvPr id="4" name="Straight Arrow Connector 3"/>
@@ -25619,8 +27132,8 @@
         </p:nvSpPr>
         <p:spPr>
           <a:xfrm>
-            <a:off x="6505079" y="2648695"/>
-            <a:ext cx="308098" cy="307777"/>
+            <a:off x="6474808" y="2615674"/>
+            <a:ext cx="330540" cy="307777"/>
           </a:xfrm>
           <a:prstGeom prst="rect">
             <a:avLst/>
@@ -25634,8 +27147,8 @@
           <a:lstStyle/>
           <a:p>
             <a:r>
-              <a:rPr lang="el-GR" sz="1400" dirty="0" smtClean="0"/>
-              <a:t>θ</a:t>
+              <a:rPr lang="el-GR" sz="1400" dirty="0"/>
+              <a:t>Θ</a:t>
             </a:r>
             <a:r>
               <a:rPr lang="en-GB" sz="1400" baseline="-25000" dirty="0" smtClean="0"/>
@@ -27336,10 +28849,1135 @@
           </a:p>
         </p:txBody>
       </p:sp>
+      <p:cxnSp>
+        <p:nvCxnSpPr>
+          <p:cNvPr id="44" name="Straight Arrow Connector 43"/>
+          <p:cNvCxnSpPr/>
+          <p:nvPr/>
+        </p:nvCxnSpPr>
+        <p:spPr>
+          <a:xfrm>
+            <a:off x="5836502" y="4948067"/>
+            <a:ext cx="0" cy="220375"/>
+          </a:xfrm>
+          <a:prstGeom prst="straightConnector1">
+            <a:avLst/>
+          </a:prstGeom>
+          <a:ln w="19050">
+            <a:tailEnd type="triangle"/>
+          </a:ln>
+        </p:spPr>
+        <p:style>
+          <a:lnRef idx="1">
+            <a:schemeClr val="accent1"/>
+          </a:lnRef>
+          <a:fillRef idx="0">
+            <a:schemeClr val="accent1"/>
+          </a:fillRef>
+          <a:effectRef idx="0">
+            <a:schemeClr val="accent1"/>
+          </a:effectRef>
+          <a:fontRef idx="minor">
+            <a:schemeClr val="tx1"/>
+          </a:fontRef>
+        </p:style>
+      </p:cxnSp>
+      <p:cxnSp>
+        <p:nvCxnSpPr>
+          <p:cNvPr id="183" name="Straight Arrow Connector 182"/>
+          <p:cNvCxnSpPr/>
+          <p:nvPr/>
+        </p:nvCxnSpPr>
+        <p:spPr>
+          <a:xfrm>
+            <a:off x="5836502" y="5584952"/>
+            <a:ext cx="0" cy="220375"/>
+          </a:xfrm>
+          <a:prstGeom prst="straightConnector1">
+            <a:avLst/>
+          </a:prstGeom>
+          <a:ln w="19050">
+            <a:tailEnd type="triangle"/>
+          </a:ln>
+        </p:spPr>
+        <p:style>
+          <a:lnRef idx="1">
+            <a:schemeClr val="accent1"/>
+          </a:lnRef>
+          <a:fillRef idx="0">
+            <a:schemeClr val="accent1"/>
+          </a:fillRef>
+          <a:effectRef idx="0">
+            <a:schemeClr val="accent1"/>
+          </a:effectRef>
+          <a:fontRef idx="minor">
+            <a:schemeClr val="tx1"/>
+          </a:fontRef>
+        </p:style>
+      </p:cxnSp>
     </p:spTree>
     <p:extLst>
       <p:ext uri="{BB962C8B-B14F-4D97-AF65-F5344CB8AC3E}">
         <p14:creationId xmlns:p14="http://schemas.microsoft.com/office/powerpoint/2010/main" val="2620421137"/>
+      </p:ext>
+    </p:extLst>
+  </p:cSld>
+  <p:clrMapOvr>
+    <a:masterClrMapping/>
+  </p:clrMapOvr>
+</p:sld>
+</file>
+
+<file path=ppt/slides/slide9.xml><?xml version="1.0" encoding="utf-8"?>
+<p:sld xmlns:a="http://schemas.openxmlformats.org/drawingml/2006/main" xmlns:r="http://schemas.openxmlformats.org/officeDocument/2006/relationships" xmlns:p="http://schemas.openxmlformats.org/presentationml/2006/main">
+  <p:cSld>
+    <p:spTree>
+      <p:nvGrpSpPr>
+        <p:cNvPr id="1" name=""/>
+        <p:cNvGrpSpPr/>
+        <p:nvPr/>
+      </p:nvGrpSpPr>
+      <p:grpSpPr>
+        <a:xfrm>
+          <a:off x="0" y="0"/>
+          <a:ext cx="0" cy="0"/>
+          <a:chOff x="0" y="0"/>
+          <a:chExt cx="0" cy="0"/>
+        </a:xfrm>
+      </p:grpSpPr>
+      <p:sp>
+        <p:nvSpPr>
+          <p:cNvPr id="222" name="TextBox 221"/>
+          <p:cNvSpPr txBox="1"/>
+          <p:nvPr/>
+        </p:nvSpPr>
+        <p:spPr>
+          <a:xfrm>
+            <a:off x="1397470" y="-79142"/>
+            <a:ext cx="9397060" cy="1107996"/>
+          </a:xfrm>
+          <a:prstGeom prst="rect">
+            <a:avLst/>
+          </a:prstGeom>
+          <a:noFill/>
+        </p:spPr>
+        <p:txBody>
+          <a:bodyPr wrap="none" rtlCol="0">
+            <a:spAutoFit/>
+          </a:bodyPr>
+          <a:lstStyle/>
+          <a:p>
+            <a:r>
+              <a:rPr lang="en-GB" sz="6600" dirty="0" smtClean="0"/>
+              <a:t>Energy transfer in EM SERS</a:t>
+            </a:r>
+            <a:endParaRPr lang="en-GB" sz="6600" dirty="0"/>
+          </a:p>
+        </p:txBody>
+      </p:sp>
+      <p:sp>
+        <p:nvSpPr>
+          <p:cNvPr id="13" name="TextBox 12"/>
+          <p:cNvSpPr txBox="1"/>
+          <p:nvPr/>
+        </p:nvSpPr>
+        <p:spPr>
+          <a:xfrm>
+            <a:off x="2768920" y="3190050"/>
+            <a:ext cx="345894" cy="430313"/>
+          </a:xfrm>
+          <a:prstGeom prst="rect">
+            <a:avLst/>
+          </a:prstGeom>
+          <a:noFill/>
+        </p:spPr>
+        <p:txBody>
+          <a:bodyPr wrap="none" rtlCol="0">
+            <a:spAutoFit/>
+          </a:bodyPr>
+          <a:lstStyle/>
+          <a:p>
+            <a:r>
+              <a:rPr lang="en-GB" b="1" dirty="0" smtClean="0"/>
+              <a:t>E</a:t>
+            </a:r>
+            <a:endParaRPr lang="en-GB" b="1" dirty="0"/>
+          </a:p>
+        </p:txBody>
+      </p:sp>
+      <p:sp>
+        <p:nvSpPr>
+          <p:cNvPr id="117" name="Oval 116"/>
+          <p:cNvSpPr/>
+          <p:nvPr/>
+        </p:nvSpPr>
+        <p:spPr>
+          <a:xfrm rot="10800000">
+            <a:off x="3194612" y="2204030"/>
+            <a:ext cx="2402353" cy="2402353"/>
+          </a:xfrm>
+          <a:prstGeom prst="ellipse">
+            <a:avLst/>
+          </a:prstGeom>
+          <a:solidFill>
+            <a:schemeClr val="accent4">
+              <a:lumMod val="75000"/>
+            </a:schemeClr>
+          </a:solidFill>
+          <a:ln>
+            <a:noFill/>
+          </a:ln>
+          <a:scene3d>
+            <a:camera prst="orthographicFront"/>
+            <a:lightRig rig="harsh" dir="t"/>
+          </a:scene3d>
+          <a:sp3d prstMaterial="metal">
+            <a:bevelT w="1193800" h="1193800"/>
+          </a:sp3d>
+        </p:spPr>
+        <p:style>
+          <a:lnRef idx="2">
+            <a:schemeClr val="accent1">
+              <a:shade val="50000"/>
+            </a:schemeClr>
+          </a:lnRef>
+          <a:fillRef idx="1">
+            <a:schemeClr val="accent1"/>
+          </a:fillRef>
+          <a:effectRef idx="0">
+            <a:schemeClr val="accent1"/>
+          </a:effectRef>
+          <a:fontRef idx="minor">
+            <a:schemeClr val="lt1"/>
+          </a:fontRef>
+        </p:style>
+        <p:txBody>
+          <a:bodyPr rtlCol="0" anchor="ctr"/>
+          <a:lstStyle/>
+          <a:p>
+            <a:pPr algn="ctr"/>
+            <a:endParaRPr lang="en-GB"/>
+          </a:p>
+        </p:txBody>
+      </p:sp>
+      <p:sp>
+        <p:nvSpPr>
+          <p:cNvPr id="6" name="Rectangle 5"/>
+          <p:cNvSpPr/>
+          <p:nvPr/>
+        </p:nvSpPr>
+        <p:spPr>
+          <a:xfrm>
+            <a:off x="3114814" y="1925714"/>
+            <a:ext cx="2500710" cy="1600394"/>
+          </a:xfrm>
+          <a:prstGeom prst="rect">
+            <a:avLst/>
+          </a:prstGeom>
+          <a:solidFill>
+            <a:schemeClr val="bg1"/>
+          </a:solidFill>
+          <a:ln>
+            <a:noFill/>
+          </a:ln>
+        </p:spPr>
+        <p:style>
+          <a:lnRef idx="2">
+            <a:schemeClr val="accent1">
+              <a:shade val="50000"/>
+            </a:schemeClr>
+          </a:lnRef>
+          <a:fillRef idx="1">
+            <a:schemeClr val="accent1"/>
+          </a:fillRef>
+          <a:effectRef idx="0">
+            <a:schemeClr val="accent1"/>
+          </a:effectRef>
+          <a:fontRef idx="minor">
+            <a:schemeClr val="lt1"/>
+          </a:fontRef>
+        </p:style>
+        <p:txBody>
+          <a:bodyPr rtlCol="0" anchor="ctr"/>
+          <a:lstStyle/>
+          <a:p>
+            <a:pPr algn="ctr"/>
+            <a:endParaRPr lang="en-GB"/>
+          </a:p>
+        </p:txBody>
+      </p:sp>
+      <p:sp>
+        <p:nvSpPr>
+          <p:cNvPr id="120" name="Oval 119"/>
+          <p:cNvSpPr/>
+          <p:nvPr/>
+        </p:nvSpPr>
+        <p:spPr>
+          <a:xfrm rot="10800000">
+            <a:off x="3194611" y="2205094"/>
+            <a:ext cx="2402353" cy="2402353"/>
+          </a:xfrm>
+          <a:prstGeom prst="ellipse">
+            <a:avLst/>
+          </a:prstGeom>
+          <a:solidFill>
+            <a:schemeClr val="accent4">
+              <a:lumMod val="75000"/>
+              <a:alpha val="34000"/>
+            </a:schemeClr>
+          </a:solidFill>
+          <a:ln>
+            <a:noFill/>
+          </a:ln>
+          <a:scene3d>
+            <a:camera prst="orthographicFront"/>
+            <a:lightRig rig="harsh" dir="t"/>
+          </a:scene3d>
+          <a:sp3d prstMaterial="metal">
+            <a:bevelT w="1193800" h="1193800"/>
+          </a:sp3d>
+        </p:spPr>
+        <p:style>
+          <a:lnRef idx="2">
+            <a:schemeClr val="accent1">
+              <a:shade val="50000"/>
+            </a:schemeClr>
+          </a:lnRef>
+          <a:fillRef idx="1">
+            <a:schemeClr val="accent1"/>
+          </a:fillRef>
+          <a:effectRef idx="0">
+            <a:schemeClr val="accent1"/>
+          </a:effectRef>
+          <a:fontRef idx="minor">
+            <a:schemeClr val="lt1"/>
+          </a:fontRef>
+        </p:style>
+        <p:txBody>
+          <a:bodyPr rtlCol="0" anchor="ctr"/>
+          <a:lstStyle/>
+          <a:p>
+            <a:pPr algn="ctr"/>
+            <a:endParaRPr lang="en-GB"/>
+          </a:p>
+        </p:txBody>
+      </p:sp>
+      <p:grpSp>
+        <p:nvGrpSpPr>
+          <p:cNvPr id="257" name="Group 256"/>
+          <p:cNvGrpSpPr/>
+          <p:nvPr/>
+        </p:nvGrpSpPr>
+        <p:grpSpPr>
+          <a:xfrm>
+            <a:off x="3176051" y="2041538"/>
+            <a:ext cx="6247030" cy="2895826"/>
+            <a:chOff x="1951192" y="2163574"/>
+            <a:chExt cx="5361739" cy="2485447"/>
+          </a:xfrm>
+        </p:grpSpPr>
+        <p:sp>
+          <p:nvSpPr>
+            <p:cNvPr id="31" name="Rectangle 30"/>
+            <p:cNvSpPr/>
+            <p:nvPr/>
+          </p:nvSpPr>
+          <p:spPr>
+            <a:xfrm>
+              <a:off x="5130552" y="2744004"/>
+              <a:ext cx="1351020" cy="1351020"/>
+            </a:xfrm>
+            <a:prstGeom prst="rect">
+              <a:avLst/>
+            </a:prstGeom>
+            <a:solidFill>
+              <a:schemeClr val="accent1">
+                <a:lumMod val="60000"/>
+                <a:lumOff val="40000"/>
+              </a:schemeClr>
+            </a:solidFill>
+            <a:ln>
+              <a:noFill/>
+            </a:ln>
+          </p:spPr>
+          <p:style>
+            <a:lnRef idx="2">
+              <a:schemeClr val="accent1">
+                <a:shade val="50000"/>
+              </a:schemeClr>
+            </a:lnRef>
+            <a:fillRef idx="1">
+              <a:schemeClr val="accent1"/>
+            </a:fillRef>
+            <a:effectRef idx="0">
+              <a:schemeClr val="accent1"/>
+            </a:effectRef>
+            <a:fontRef idx="minor">
+              <a:schemeClr val="lt1"/>
+            </a:fontRef>
+          </p:style>
+          <p:txBody>
+            <a:bodyPr rtlCol="0" anchor="ctr"/>
+            <a:lstStyle/>
+            <a:p>
+              <a:pPr algn="ctr"/>
+              <a:endParaRPr lang="en-GB"/>
+            </a:p>
+          </p:txBody>
+        </p:sp>
+        <p:cxnSp>
+          <p:nvCxnSpPr>
+            <p:cNvPr id="108" name="Straight Arrow Connector 107"/>
+            <p:cNvCxnSpPr/>
+            <p:nvPr/>
+          </p:nvCxnSpPr>
+          <p:spPr>
+            <a:xfrm flipV="1">
+              <a:off x="5804927" y="2488693"/>
+              <a:ext cx="0" cy="2014975"/>
+            </a:xfrm>
+            <a:prstGeom prst="straightConnector1">
+              <a:avLst/>
+            </a:prstGeom>
+            <a:ln w="31750">
+              <a:solidFill>
+                <a:schemeClr val="tx1"/>
+              </a:solidFill>
+              <a:tailEnd type="triangle"/>
+            </a:ln>
+          </p:spPr>
+          <p:style>
+            <a:lnRef idx="1">
+              <a:schemeClr val="accent1"/>
+            </a:lnRef>
+            <a:fillRef idx="0">
+              <a:schemeClr val="accent1"/>
+            </a:fillRef>
+            <a:effectRef idx="0">
+              <a:schemeClr val="accent1"/>
+            </a:effectRef>
+            <a:fontRef idx="minor">
+              <a:schemeClr val="tx1"/>
+            </a:fontRef>
+          </p:style>
+        </p:cxnSp>
+        <p:cxnSp>
+          <p:nvCxnSpPr>
+            <p:cNvPr id="105" name="Straight Arrow Connector 104"/>
+            <p:cNvCxnSpPr/>
+            <p:nvPr/>
+          </p:nvCxnSpPr>
+          <p:spPr>
+            <a:xfrm flipV="1">
+              <a:off x="4506468" y="2488693"/>
+              <a:ext cx="0" cy="1030953"/>
+            </a:xfrm>
+            <a:prstGeom prst="straightConnector1">
+              <a:avLst/>
+            </a:prstGeom>
+            <a:ln w="31750">
+              <a:solidFill>
+                <a:schemeClr val="tx1"/>
+              </a:solidFill>
+              <a:tailEnd type="triangle"/>
+            </a:ln>
+          </p:spPr>
+          <p:style>
+            <a:lnRef idx="1">
+              <a:schemeClr val="accent1"/>
+            </a:lnRef>
+            <a:fillRef idx="0">
+              <a:schemeClr val="accent1"/>
+            </a:fillRef>
+            <a:effectRef idx="0">
+              <a:schemeClr val="accent1"/>
+            </a:effectRef>
+            <a:fontRef idx="minor">
+              <a:schemeClr val="tx1"/>
+            </a:fontRef>
+          </p:style>
+        </p:cxnSp>
+        <p:cxnSp>
+          <p:nvCxnSpPr>
+            <p:cNvPr id="26" name="Straight Arrow Connector 25"/>
+            <p:cNvCxnSpPr/>
+            <p:nvPr/>
+          </p:nvCxnSpPr>
+          <p:spPr>
+            <a:xfrm flipV="1">
+              <a:off x="5012436" y="3433402"/>
+              <a:ext cx="0" cy="1030953"/>
+            </a:xfrm>
+            <a:prstGeom prst="straightConnector1">
+              <a:avLst/>
+            </a:prstGeom>
+            <a:ln w="31750">
+              <a:solidFill>
+                <a:schemeClr val="tx1"/>
+              </a:solidFill>
+              <a:tailEnd type="triangle"/>
+            </a:ln>
+          </p:spPr>
+          <p:style>
+            <a:lnRef idx="1">
+              <a:schemeClr val="accent1"/>
+            </a:lnRef>
+            <a:fillRef idx="0">
+              <a:schemeClr val="accent1"/>
+            </a:fillRef>
+            <a:effectRef idx="0">
+              <a:schemeClr val="accent1"/>
+            </a:effectRef>
+            <a:fontRef idx="minor">
+              <a:schemeClr val="tx1"/>
+            </a:fontRef>
+          </p:style>
+        </p:cxnSp>
+        <p:cxnSp>
+          <p:nvCxnSpPr>
+            <p:cNvPr id="81" name="Straight Connector 80"/>
+            <p:cNvCxnSpPr/>
+            <p:nvPr/>
+          </p:nvCxnSpPr>
+          <p:spPr>
+            <a:xfrm>
+              <a:off x="4087391" y="4464355"/>
+              <a:ext cx="1216129" cy="0"/>
+            </a:xfrm>
+            <a:prstGeom prst="line">
+              <a:avLst/>
+            </a:prstGeom>
+            <a:ln w="31750">
+              <a:solidFill>
+                <a:schemeClr val="tx1"/>
+              </a:solidFill>
+              <a:prstDash val="dash"/>
+            </a:ln>
+          </p:spPr>
+          <p:style>
+            <a:lnRef idx="1">
+              <a:schemeClr val="accent1"/>
+            </a:lnRef>
+            <a:fillRef idx="0">
+              <a:schemeClr val="accent1"/>
+            </a:fillRef>
+            <a:effectRef idx="0">
+              <a:schemeClr val="accent1"/>
+            </a:effectRef>
+            <a:fontRef idx="minor">
+              <a:schemeClr val="tx1"/>
+            </a:fontRef>
+          </p:style>
+        </p:cxnSp>
+        <p:cxnSp>
+          <p:nvCxnSpPr>
+            <p:cNvPr id="83" name="Straight Connector 82"/>
+            <p:cNvCxnSpPr/>
+            <p:nvPr/>
+          </p:nvCxnSpPr>
+          <p:spPr>
+            <a:xfrm>
+              <a:off x="5265443" y="4464355"/>
+              <a:ext cx="1216129" cy="0"/>
+            </a:xfrm>
+            <a:prstGeom prst="line">
+              <a:avLst/>
+            </a:prstGeom>
+            <a:ln w="31750">
+              <a:solidFill>
+                <a:schemeClr val="tx1"/>
+              </a:solidFill>
+              <a:prstDash val="solid"/>
+            </a:ln>
+          </p:spPr>
+          <p:style>
+            <a:lnRef idx="1">
+              <a:schemeClr val="accent1"/>
+            </a:lnRef>
+            <a:fillRef idx="0">
+              <a:schemeClr val="accent1"/>
+            </a:fillRef>
+            <a:effectRef idx="0">
+              <a:schemeClr val="accent1"/>
+            </a:effectRef>
+            <a:fontRef idx="minor">
+              <a:schemeClr val="tx1"/>
+            </a:fontRef>
+          </p:style>
+        </p:cxnSp>
+        <p:cxnSp>
+          <p:nvCxnSpPr>
+            <p:cNvPr id="9" name="Straight Arrow Connector 8"/>
+            <p:cNvCxnSpPr/>
+            <p:nvPr/>
+          </p:nvCxnSpPr>
+          <p:spPr>
+            <a:xfrm flipV="1">
+              <a:off x="1951192" y="2481073"/>
+              <a:ext cx="0" cy="1983282"/>
+            </a:xfrm>
+            <a:prstGeom prst="straightConnector1">
+              <a:avLst/>
+            </a:prstGeom>
+            <a:ln w="38100">
+              <a:solidFill>
+                <a:schemeClr val="tx1"/>
+              </a:solidFill>
+              <a:tailEnd type="triangle"/>
+            </a:ln>
+          </p:spPr>
+          <p:style>
+            <a:lnRef idx="1">
+              <a:schemeClr val="accent1"/>
+            </a:lnRef>
+            <a:fillRef idx="0">
+              <a:schemeClr val="accent1"/>
+            </a:fillRef>
+            <a:effectRef idx="0">
+              <a:schemeClr val="accent1"/>
+            </a:effectRef>
+            <a:fontRef idx="minor">
+              <a:schemeClr val="tx1"/>
+            </a:fontRef>
+          </p:style>
+        </p:cxnSp>
+        <p:cxnSp>
+          <p:nvCxnSpPr>
+            <p:cNvPr id="18" name="Straight Connector 17"/>
+            <p:cNvCxnSpPr/>
+            <p:nvPr/>
+          </p:nvCxnSpPr>
+          <p:spPr>
+            <a:xfrm>
+              <a:off x="1951192" y="3433402"/>
+              <a:ext cx="3175544" cy="0"/>
+            </a:xfrm>
+            <a:prstGeom prst="line">
+              <a:avLst/>
+            </a:prstGeom>
+            <a:ln w="31750">
+              <a:solidFill>
+                <a:schemeClr val="tx1"/>
+              </a:solidFill>
+              <a:prstDash val="dash"/>
+            </a:ln>
+          </p:spPr>
+          <p:style>
+            <a:lnRef idx="1">
+              <a:schemeClr val="accent1"/>
+            </a:lnRef>
+            <a:fillRef idx="0">
+              <a:schemeClr val="accent1"/>
+            </a:fillRef>
+            <a:effectRef idx="0">
+              <a:schemeClr val="accent1"/>
+            </a:effectRef>
+            <a:fontRef idx="minor">
+              <a:schemeClr val="tx1"/>
+            </a:fontRef>
+          </p:style>
+        </p:cxnSp>
+        <p:sp>
+          <p:nvSpPr>
+            <p:cNvPr id="78" name="TextBox 77"/>
+            <p:cNvSpPr txBox="1"/>
+            <p:nvPr/>
+          </p:nvSpPr>
+          <p:spPr>
+            <a:xfrm>
+              <a:off x="2026136" y="2989208"/>
+              <a:ext cx="338747" cy="369332"/>
+            </a:xfrm>
+            <a:prstGeom prst="rect">
+              <a:avLst/>
+            </a:prstGeom>
+            <a:noFill/>
+          </p:spPr>
+          <p:txBody>
+            <a:bodyPr wrap="none" rtlCol="0">
+              <a:spAutoFit/>
+            </a:bodyPr>
+            <a:lstStyle/>
+            <a:p>
+              <a:r>
+                <a:rPr lang="en-GB" b="1" dirty="0" smtClean="0"/>
+                <a:t>E</a:t>
+              </a:r>
+              <a:r>
+                <a:rPr lang="en-GB" b="1" baseline="-25000" dirty="0" smtClean="0"/>
+                <a:t>f</a:t>
+              </a:r>
+              <a:endParaRPr lang="en-GB" b="1" baseline="-25000" dirty="0"/>
+            </a:p>
+          </p:txBody>
+        </p:sp>
+        <p:sp>
+          <p:nvSpPr>
+            <p:cNvPr id="20" name="Oval 19"/>
+            <p:cNvSpPr/>
+            <p:nvPr/>
+          </p:nvSpPr>
+          <p:spPr>
+            <a:xfrm>
+              <a:off x="4376928" y="3311482"/>
+              <a:ext cx="243840" cy="243840"/>
+            </a:xfrm>
+            <a:prstGeom prst="ellipse">
+              <a:avLst/>
+            </a:prstGeom>
+            <a:solidFill>
+              <a:schemeClr val="accent2">
+                <a:lumMod val="75000"/>
+              </a:schemeClr>
+            </a:solidFill>
+            <a:ln>
+              <a:solidFill>
+                <a:schemeClr val="accent2">
+                  <a:lumMod val="50000"/>
+                </a:schemeClr>
+              </a:solidFill>
+            </a:ln>
+          </p:spPr>
+          <p:style>
+            <a:lnRef idx="2">
+              <a:schemeClr val="accent1">
+                <a:shade val="50000"/>
+              </a:schemeClr>
+            </a:lnRef>
+            <a:fillRef idx="1">
+              <a:schemeClr val="accent1"/>
+            </a:fillRef>
+            <a:effectRef idx="0">
+              <a:schemeClr val="accent1"/>
+            </a:effectRef>
+            <a:fontRef idx="minor">
+              <a:schemeClr val="lt1"/>
+            </a:fontRef>
+          </p:style>
+          <p:txBody>
+            <a:bodyPr rtlCol="0" anchor="ctr"/>
+            <a:lstStyle/>
+            <a:p>
+              <a:pPr algn="ctr"/>
+              <a:endParaRPr lang="en-GB"/>
+            </a:p>
+          </p:txBody>
+        </p:sp>
+        <p:sp>
+          <p:nvSpPr>
+            <p:cNvPr id="80" name="Oval 79"/>
+            <p:cNvSpPr/>
+            <p:nvPr/>
+          </p:nvSpPr>
+          <p:spPr>
+            <a:xfrm>
+              <a:off x="4882896" y="4342435"/>
+              <a:ext cx="243840" cy="243840"/>
+            </a:xfrm>
+            <a:prstGeom prst="ellipse">
+              <a:avLst/>
+            </a:prstGeom>
+            <a:solidFill>
+              <a:schemeClr val="accent2">
+                <a:lumMod val="75000"/>
+              </a:schemeClr>
+            </a:solidFill>
+            <a:ln>
+              <a:solidFill>
+                <a:schemeClr val="accent2">
+                  <a:lumMod val="50000"/>
+                </a:schemeClr>
+              </a:solidFill>
+            </a:ln>
+          </p:spPr>
+          <p:style>
+            <a:lnRef idx="2">
+              <a:schemeClr val="accent1">
+                <a:shade val="50000"/>
+              </a:schemeClr>
+            </a:lnRef>
+            <a:fillRef idx="1">
+              <a:schemeClr val="accent1"/>
+            </a:fillRef>
+            <a:effectRef idx="0">
+              <a:schemeClr val="accent1"/>
+            </a:effectRef>
+            <a:fontRef idx="minor">
+              <a:schemeClr val="lt1"/>
+            </a:fontRef>
+          </p:style>
+          <p:txBody>
+            <a:bodyPr rtlCol="0" anchor="ctr"/>
+            <a:lstStyle/>
+            <a:p>
+              <a:pPr algn="ctr"/>
+              <a:endParaRPr lang="en-GB"/>
+            </a:p>
+          </p:txBody>
+        </p:sp>
+        <p:cxnSp>
+          <p:nvCxnSpPr>
+            <p:cNvPr id="86" name="Straight Connector 85"/>
+            <p:cNvCxnSpPr/>
+            <p:nvPr/>
+          </p:nvCxnSpPr>
+          <p:spPr>
+            <a:xfrm>
+              <a:off x="4087391" y="2481073"/>
+              <a:ext cx="1216129" cy="0"/>
+            </a:xfrm>
+            <a:prstGeom prst="line">
+              <a:avLst/>
+            </a:prstGeom>
+            <a:ln w="31750">
+              <a:solidFill>
+                <a:schemeClr val="tx1"/>
+              </a:solidFill>
+              <a:prstDash val="dash"/>
+            </a:ln>
+          </p:spPr>
+          <p:style>
+            <a:lnRef idx="1">
+              <a:schemeClr val="accent1"/>
+            </a:lnRef>
+            <a:fillRef idx="0">
+              <a:schemeClr val="accent1"/>
+            </a:fillRef>
+            <a:effectRef idx="0">
+              <a:schemeClr val="accent1"/>
+            </a:effectRef>
+            <a:fontRef idx="minor">
+              <a:schemeClr val="tx1"/>
+            </a:fontRef>
+          </p:style>
+        </p:cxnSp>
+        <p:cxnSp>
+          <p:nvCxnSpPr>
+            <p:cNvPr id="87" name="Straight Connector 86"/>
+            <p:cNvCxnSpPr/>
+            <p:nvPr/>
+          </p:nvCxnSpPr>
+          <p:spPr>
+            <a:xfrm>
+              <a:off x="5265443" y="2481073"/>
+              <a:ext cx="1216129" cy="0"/>
+            </a:xfrm>
+            <a:prstGeom prst="line">
+              <a:avLst/>
+            </a:prstGeom>
+            <a:ln w="31750">
+              <a:solidFill>
+                <a:schemeClr val="tx1"/>
+              </a:solidFill>
+              <a:prstDash val="solid"/>
+            </a:ln>
+          </p:spPr>
+          <p:style>
+            <a:lnRef idx="1">
+              <a:schemeClr val="accent1"/>
+            </a:lnRef>
+            <a:fillRef idx="0">
+              <a:schemeClr val="accent1"/>
+            </a:fillRef>
+            <a:effectRef idx="0">
+              <a:schemeClr val="accent1"/>
+            </a:effectRef>
+            <a:fontRef idx="minor">
+              <a:schemeClr val="tx1"/>
+            </a:fontRef>
+          </p:style>
+        </p:cxnSp>
+        <p:cxnSp>
+          <p:nvCxnSpPr>
+            <p:cNvPr id="89" name="Straight Connector 88"/>
+            <p:cNvCxnSpPr/>
+            <p:nvPr/>
+          </p:nvCxnSpPr>
+          <p:spPr>
+            <a:xfrm>
+              <a:off x="4087391" y="2322577"/>
+              <a:ext cx="1216129" cy="0"/>
+            </a:xfrm>
+            <a:prstGeom prst="line">
+              <a:avLst/>
+            </a:prstGeom>
+            <a:ln w="31750">
+              <a:solidFill>
+                <a:schemeClr val="tx1"/>
+              </a:solidFill>
+              <a:prstDash val="dash"/>
+            </a:ln>
+          </p:spPr>
+          <p:style>
+            <a:lnRef idx="1">
+              <a:schemeClr val="accent1"/>
+            </a:lnRef>
+            <a:fillRef idx="0">
+              <a:schemeClr val="accent1"/>
+            </a:fillRef>
+            <a:effectRef idx="0">
+              <a:schemeClr val="accent1"/>
+            </a:effectRef>
+            <a:fontRef idx="minor">
+              <a:schemeClr val="tx1"/>
+            </a:fontRef>
+          </p:style>
+        </p:cxnSp>
+        <p:cxnSp>
+          <p:nvCxnSpPr>
+            <p:cNvPr id="90" name="Straight Connector 89"/>
+            <p:cNvCxnSpPr/>
+            <p:nvPr/>
+          </p:nvCxnSpPr>
+          <p:spPr>
+            <a:xfrm>
+              <a:off x="5265443" y="2322577"/>
+              <a:ext cx="1216129" cy="0"/>
+            </a:xfrm>
+            <a:prstGeom prst="line">
+              <a:avLst/>
+            </a:prstGeom>
+            <a:ln w="31750">
+              <a:solidFill>
+                <a:schemeClr val="tx1"/>
+              </a:solidFill>
+              <a:prstDash val="solid"/>
+            </a:ln>
+          </p:spPr>
+          <p:style>
+            <a:lnRef idx="1">
+              <a:schemeClr val="accent1"/>
+            </a:lnRef>
+            <a:fillRef idx="0">
+              <a:schemeClr val="accent1"/>
+            </a:fillRef>
+            <a:effectRef idx="0">
+              <a:schemeClr val="accent1"/>
+            </a:effectRef>
+            <a:fontRef idx="minor">
+              <a:schemeClr val="tx1"/>
+            </a:fontRef>
+          </p:style>
+        </p:cxnSp>
+        <p:cxnSp>
+          <p:nvCxnSpPr>
+            <p:cNvPr id="99" name="Straight Connector 98"/>
+            <p:cNvCxnSpPr/>
+            <p:nvPr/>
+          </p:nvCxnSpPr>
+          <p:spPr>
+            <a:xfrm>
+              <a:off x="4087391" y="2163574"/>
+              <a:ext cx="1216129" cy="0"/>
+            </a:xfrm>
+            <a:prstGeom prst="line">
+              <a:avLst/>
+            </a:prstGeom>
+            <a:ln w="31750">
+              <a:solidFill>
+                <a:schemeClr val="tx1"/>
+              </a:solidFill>
+              <a:prstDash val="dash"/>
+            </a:ln>
+          </p:spPr>
+          <p:style>
+            <a:lnRef idx="1">
+              <a:schemeClr val="accent1"/>
+            </a:lnRef>
+            <a:fillRef idx="0">
+              <a:schemeClr val="accent1"/>
+            </a:fillRef>
+            <a:effectRef idx="0">
+              <a:schemeClr val="accent1"/>
+            </a:effectRef>
+            <a:fontRef idx="minor">
+              <a:schemeClr val="tx1"/>
+            </a:fontRef>
+          </p:style>
+        </p:cxnSp>
+        <p:cxnSp>
+          <p:nvCxnSpPr>
+            <p:cNvPr id="100" name="Straight Connector 99"/>
+            <p:cNvCxnSpPr/>
+            <p:nvPr/>
+          </p:nvCxnSpPr>
+          <p:spPr>
+            <a:xfrm>
+              <a:off x="5265443" y="2163574"/>
+              <a:ext cx="1216129" cy="0"/>
+            </a:xfrm>
+            <a:prstGeom prst="line">
+              <a:avLst/>
+            </a:prstGeom>
+            <a:ln w="31750">
+              <a:solidFill>
+                <a:schemeClr val="tx1"/>
+              </a:solidFill>
+              <a:prstDash val="solid"/>
+            </a:ln>
+          </p:spPr>
+          <p:style>
+            <a:lnRef idx="1">
+              <a:schemeClr val="accent1"/>
+            </a:lnRef>
+            <a:fillRef idx="0">
+              <a:schemeClr val="accent1"/>
+            </a:fillRef>
+            <a:effectRef idx="0">
+              <a:schemeClr val="accent1"/>
+            </a:effectRef>
+            <a:fontRef idx="minor">
+              <a:schemeClr val="tx1"/>
+            </a:fontRef>
+          </p:style>
+        </p:cxnSp>
+        <p:sp>
+          <p:nvSpPr>
+            <p:cNvPr id="23" name="TextBox 22"/>
+            <p:cNvSpPr txBox="1"/>
+            <p:nvPr/>
+          </p:nvSpPr>
+          <p:spPr>
+            <a:xfrm>
+              <a:off x="6479303" y="4279689"/>
+              <a:ext cx="833628" cy="369332"/>
+            </a:xfrm>
+            <a:prstGeom prst="rect">
+              <a:avLst/>
+            </a:prstGeom>
+            <a:noFill/>
+          </p:spPr>
+          <p:txBody>
+            <a:bodyPr wrap="square" rtlCol="0">
+              <a:spAutoFit/>
+            </a:bodyPr>
+            <a:lstStyle/>
+            <a:p>
+              <a:r>
+                <a:rPr lang="en-GB" dirty="0" smtClean="0"/>
+                <a:t>HOMO</a:t>
+              </a:r>
+              <a:endParaRPr lang="en-GB" dirty="0"/>
+            </a:p>
+          </p:txBody>
+        </p:sp>
+        <p:sp>
+          <p:nvSpPr>
+            <p:cNvPr id="101" name="TextBox 100"/>
+            <p:cNvSpPr txBox="1"/>
+            <p:nvPr/>
+          </p:nvSpPr>
+          <p:spPr>
+            <a:xfrm>
+              <a:off x="6479303" y="2285495"/>
+              <a:ext cx="833628" cy="369332"/>
+            </a:xfrm>
+            <a:prstGeom prst="rect">
+              <a:avLst/>
+            </a:prstGeom>
+            <a:noFill/>
+          </p:spPr>
+          <p:txBody>
+            <a:bodyPr wrap="square" rtlCol="0">
+              <a:spAutoFit/>
+            </a:bodyPr>
+            <a:lstStyle/>
+            <a:p>
+              <a:r>
+                <a:rPr lang="en-GB" dirty="0" smtClean="0"/>
+                <a:t>LUMO</a:t>
+              </a:r>
+              <a:endParaRPr lang="en-GB" dirty="0"/>
+            </a:p>
+          </p:txBody>
+        </p:sp>
+        <p:sp>
+          <p:nvSpPr>
+            <p:cNvPr id="106" name="Oval 105"/>
+            <p:cNvSpPr/>
+            <p:nvPr/>
+          </p:nvSpPr>
+          <p:spPr>
+            <a:xfrm>
+              <a:off x="5683007" y="4342435"/>
+              <a:ext cx="243840" cy="243840"/>
+            </a:xfrm>
+            <a:prstGeom prst="ellipse">
+              <a:avLst/>
+            </a:prstGeom>
+            <a:solidFill>
+              <a:schemeClr val="accent2">
+                <a:lumMod val="75000"/>
+              </a:schemeClr>
+            </a:solidFill>
+            <a:ln>
+              <a:solidFill>
+                <a:schemeClr val="accent2">
+                  <a:lumMod val="50000"/>
+                </a:schemeClr>
+              </a:solidFill>
+            </a:ln>
+          </p:spPr>
+          <p:style>
+            <a:lnRef idx="2">
+              <a:schemeClr val="accent1">
+                <a:shade val="50000"/>
+              </a:schemeClr>
+            </a:lnRef>
+            <a:fillRef idx="1">
+              <a:schemeClr val="accent1"/>
+            </a:fillRef>
+            <a:effectRef idx="0">
+              <a:schemeClr val="accent1"/>
+            </a:effectRef>
+            <a:fontRef idx="minor">
+              <a:schemeClr val="lt1"/>
+            </a:fontRef>
+          </p:style>
+          <p:txBody>
+            <a:bodyPr rtlCol="0" anchor="ctr"/>
+            <a:lstStyle/>
+            <a:p>
+              <a:pPr algn="ctr"/>
+              <a:endParaRPr lang="en-GB"/>
+            </a:p>
+          </p:txBody>
+        </p:sp>
+        <p:sp>
+          <p:nvSpPr>
+            <p:cNvPr id="256" name="TextBox 255"/>
+            <p:cNvSpPr txBox="1"/>
+            <p:nvPr/>
+          </p:nvSpPr>
+          <p:spPr>
+            <a:xfrm>
+              <a:off x="6414672" y="3234848"/>
+              <a:ext cx="898259" cy="369332"/>
+            </a:xfrm>
+            <a:prstGeom prst="rect">
+              <a:avLst/>
+            </a:prstGeom>
+            <a:noFill/>
+          </p:spPr>
+          <p:txBody>
+            <a:bodyPr wrap="none" rtlCol="0">
+              <a:spAutoFit/>
+            </a:bodyPr>
+            <a:lstStyle/>
+            <a:p>
+              <a:r>
+                <a:rPr lang="en-GB" dirty="0" smtClean="0"/>
+                <a:t>Analyte</a:t>
+              </a:r>
+              <a:endParaRPr lang="en-GB" dirty="0"/>
+            </a:p>
+          </p:txBody>
+        </p:sp>
+      </p:grpSp>
+    </p:spTree>
+    <p:extLst>
+      <p:ext uri="{BB962C8B-B14F-4D97-AF65-F5344CB8AC3E}">
+        <p14:creationId xmlns:p14="http://schemas.microsoft.com/office/powerpoint/2010/main" val="1751593763"/>
       </p:ext>
     </p:extLst>
   </p:cSld>
